--- a/Design specification/ITech_GP.pptx
+++ b/Design specification/ITech_GP.pptx
@@ -5,10 +5,10 @@
     <p:sldMasterId id="2147483648" r:id="rId4"/>
   </p:sldMasterIdLst>
   <p:notesMasterIdLst>
-    <p:notesMasterId r:id="rId21"/>
+    <p:notesMasterId r:id="rId22"/>
   </p:notesMasterIdLst>
   <p:handoutMasterIdLst>
-    <p:handoutMasterId r:id="rId22"/>
+    <p:handoutMasterId r:id="rId23"/>
   </p:handoutMasterIdLst>
   <p:sldIdLst>
     <p:sldId id="256" r:id="rId5"/>
@@ -17,16 +17,17 @@
     <p:sldId id="267" r:id="rId8"/>
     <p:sldId id="273" r:id="rId9"/>
     <p:sldId id="280" r:id="rId10"/>
-    <p:sldId id="281" r:id="rId11"/>
-    <p:sldId id="282" r:id="rId12"/>
-    <p:sldId id="283" r:id="rId13"/>
-    <p:sldId id="284" r:id="rId14"/>
-    <p:sldId id="285" r:id="rId15"/>
-    <p:sldId id="286" r:id="rId16"/>
-    <p:sldId id="287" r:id="rId17"/>
-    <p:sldId id="288" r:id="rId18"/>
-    <p:sldId id="271" r:id="rId19"/>
-    <p:sldId id="276" r:id="rId20"/>
+    <p:sldId id="289" r:id="rId11"/>
+    <p:sldId id="290" r:id="rId12"/>
+    <p:sldId id="282" r:id="rId13"/>
+    <p:sldId id="283" r:id="rId14"/>
+    <p:sldId id="284" r:id="rId15"/>
+    <p:sldId id="285" r:id="rId16"/>
+    <p:sldId id="286" r:id="rId17"/>
+    <p:sldId id="287" r:id="rId18"/>
+    <p:sldId id="288" r:id="rId19"/>
+    <p:sldId id="271" r:id="rId20"/>
+    <p:sldId id="276" r:id="rId21"/>
   </p:sldIdLst>
   <p:sldSz cx="12192000" cy="6858000"/>
   <p:notesSz cx="6858000" cy="9144000"/>
@@ -836,7 +837,7 @@
             <a:pPr rtl="0"/>
             <a:fld id="{798C5307-140F-447F-BCBA-BB92E3A2906B}" type="slidenum">
               <a:rPr lang="en-GB" smtClean="0"/>
-              <a:t>15</a:t>
+              <a:t>10</a:t>
             </a:fld>
             <a:endParaRPr lang="en-GB"/>
           </a:p>
@@ -845,7 +846,7 @@
     </p:spTree>
     <p:extLst>
       <p:ext uri="{BB962C8B-B14F-4D97-AF65-F5344CB8AC3E}">
-        <p14:creationId xmlns:p14="http://schemas.microsoft.com/office/powerpoint/2010/main" val="3262418919"/>
+        <p14:creationId xmlns:p14="http://schemas.microsoft.com/office/powerpoint/2010/main" val="1968961000"/>
       </p:ext>
     </p:extLst>
   </p:cSld>
@@ -896,10 +897,9 @@
         </p:nvSpPr>
         <p:spPr/>
         <p:txBody>
-          <a:bodyPr rtlCol="0"/>
+          <a:bodyPr/>
           <a:lstStyle/>
           <a:p>
-            <a:pPr rtl="0"/>
             <a:endParaRPr lang="en-GB"/>
           </a:p>
         </p:txBody>
@@ -916,13 +916,99 @@
         </p:nvSpPr>
         <p:spPr/>
         <p:txBody>
-          <a:bodyPr rtlCol="0"/>
+          <a:bodyPr/>
           <a:lstStyle/>
           <a:p>
             <a:pPr rtl="0"/>
             <a:fld id="{798C5307-140F-447F-BCBA-BB92E3A2906B}" type="slidenum">
               <a:rPr lang="en-GB" smtClean="0"/>
               <a:t>16</a:t>
+            </a:fld>
+            <a:endParaRPr lang="en-GB"/>
+          </a:p>
+        </p:txBody>
+      </p:sp>
+    </p:spTree>
+    <p:extLst>
+      <p:ext uri="{BB962C8B-B14F-4D97-AF65-F5344CB8AC3E}">
+        <p14:creationId xmlns:p14="http://schemas.microsoft.com/office/powerpoint/2010/main" val="3262418919"/>
+      </p:ext>
+    </p:extLst>
+  </p:cSld>
+  <p:clrMapOvr>
+    <a:masterClrMapping/>
+  </p:clrMapOvr>
+</p:notes>
+</file>
+
+<file path=ppt/notesSlides/notesSlide12.xml><?xml version="1.0" encoding="utf-8"?>
+<p:notes xmlns:a="http://schemas.openxmlformats.org/drawingml/2006/main" xmlns:r="http://schemas.openxmlformats.org/officeDocument/2006/relationships" xmlns:p="http://schemas.openxmlformats.org/presentationml/2006/main">
+  <p:cSld>
+    <p:spTree>
+      <p:nvGrpSpPr>
+        <p:cNvPr id="1" name=""/>
+        <p:cNvGrpSpPr/>
+        <p:nvPr/>
+      </p:nvGrpSpPr>
+      <p:grpSpPr>
+        <a:xfrm>
+          <a:off x="0" y="0"/>
+          <a:ext cx="0" cy="0"/>
+          <a:chOff x="0" y="0"/>
+          <a:chExt cx="0" cy="0"/>
+        </a:xfrm>
+      </p:grpSpPr>
+      <p:sp>
+        <p:nvSpPr>
+          <p:cNvPr id="2" name="Slide Image Placeholder 1"/>
+          <p:cNvSpPr>
+            <a:spLocks noGrp="1" noRot="1" noChangeAspect="1"/>
+          </p:cNvSpPr>
+          <p:nvPr>
+            <p:ph type="sldImg"/>
+          </p:nvPr>
+        </p:nvSpPr>
+        <p:spPr/>
+      </p:sp>
+      <p:sp>
+        <p:nvSpPr>
+          <p:cNvPr id="3" name="Notes Placeholder 2"/>
+          <p:cNvSpPr>
+            <a:spLocks noGrp="1"/>
+          </p:cNvSpPr>
+          <p:nvPr>
+            <p:ph type="body" idx="1"/>
+          </p:nvPr>
+        </p:nvSpPr>
+        <p:spPr/>
+        <p:txBody>
+          <a:bodyPr rtlCol="0"/>
+          <a:lstStyle/>
+          <a:p>
+            <a:pPr rtl="0"/>
+            <a:endParaRPr lang="en-GB"/>
+          </a:p>
+        </p:txBody>
+      </p:sp>
+      <p:sp>
+        <p:nvSpPr>
+          <p:cNvPr id="4" name="Slide Number Placeholder 3"/>
+          <p:cNvSpPr>
+            <a:spLocks noGrp="1"/>
+          </p:cNvSpPr>
+          <p:nvPr>
+            <p:ph type="sldNum" sz="quarter" idx="5"/>
+          </p:nvPr>
+        </p:nvSpPr>
+        <p:spPr/>
+        <p:txBody>
+          <a:bodyPr rtlCol="0"/>
+          <a:lstStyle/>
+          <a:p>
+            <a:pPr rtl="0"/>
+            <a:fld id="{798C5307-140F-447F-BCBA-BB92E3A2906B}" type="slidenum">
+              <a:rPr lang="en-GB" smtClean="0"/>
+              <a:t>17</a:t>
             </a:fld>
             <a:endParaRPr lang="en-GB"/>
           </a:p>
@@ -1577,7 +1663,7 @@
     </p:spTree>
     <p:extLst>
       <p:ext uri="{BB962C8B-B14F-4D97-AF65-F5344CB8AC3E}">
-        <p14:creationId xmlns:p14="http://schemas.microsoft.com/office/powerpoint/2010/main" val="3889297594"/>
+        <p14:creationId xmlns:p14="http://schemas.microsoft.com/office/powerpoint/2010/main" val="1029267211"/>
       </p:ext>
     </p:extLst>
   </p:cSld>
@@ -1662,7 +1748,7 @@
     </p:spTree>
     <p:extLst>
       <p:ext uri="{BB962C8B-B14F-4D97-AF65-F5344CB8AC3E}">
-        <p14:creationId xmlns:p14="http://schemas.microsoft.com/office/powerpoint/2010/main" val="409207925"/>
+        <p14:creationId xmlns:p14="http://schemas.microsoft.com/office/powerpoint/2010/main" val="558030550"/>
       </p:ext>
     </p:extLst>
   </p:cSld>
@@ -1747,7 +1833,7 @@
     </p:spTree>
     <p:extLst>
       <p:ext uri="{BB962C8B-B14F-4D97-AF65-F5344CB8AC3E}">
-        <p14:creationId xmlns:p14="http://schemas.microsoft.com/office/powerpoint/2010/main" val="1968961000"/>
+        <p14:creationId xmlns:p14="http://schemas.microsoft.com/office/powerpoint/2010/main" val="409207925"/>
       </p:ext>
     </p:extLst>
   </p:cSld>
@@ -7791,36 +7877,6 @@
           </a:xfrm>
         </p:spPr>
       </p:pic>
-      <p:pic>
-        <p:nvPicPr>
-          <p:cNvPr id="3" name="Picture 2" descr="A picture containing text&#10;&#10;Description automatically generated">
-            <a:extLst>
-              <a:ext uri="{FF2B5EF4-FFF2-40B4-BE49-F238E27FC236}">
-                <a16:creationId xmlns:a16="http://schemas.microsoft.com/office/drawing/2014/main" id="{8FF865B2-9C9F-6F3D-07B2-A4FFBCAC6D9C}"/>
-              </a:ext>
-            </a:extLst>
-          </p:cNvPr>
-          <p:cNvPicPr>
-            <a:picLocks noChangeAspect="1"/>
-          </p:cNvPicPr>
-          <p:nvPr/>
-        </p:nvPicPr>
-        <p:blipFill>
-          <a:blip r:embed="rId4"/>
-          <a:stretch>
-            <a:fillRect/>
-          </a:stretch>
-        </p:blipFill>
-        <p:spPr>
-          <a:xfrm>
-            <a:off x="5072767" y="3577666"/>
-            <a:ext cx="2527300" cy="2527300"/>
-          </a:xfrm>
-          <a:prstGeom prst="rect">
-            <a:avLst/>
-          </a:prstGeom>
-        </p:spPr>
-      </p:pic>
     </p:spTree>
     <p:extLst>
       <p:ext uri="{BB962C8B-B14F-4D97-AF65-F5344CB8AC3E}">
@@ -7851,30 +7907,42 @@
           <a:chExt cx="0" cy="0"/>
         </a:xfrm>
       </p:grpSpPr>
-      <p:sp>
-        <p:nvSpPr>
-          <p:cNvPr id="2" name="Picture Placeholder 1">
-            <a:extLst>
-              <a:ext uri="{FF2B5EF4-FFF2-40B4-BE49-F238E27FC236}">
-                <a16:creationId xmlns:a16="http://schemas.microsoft.com/office/drawing/2014/main" id="{5930E5A2-2518-C8F0-30F2-820CFFADD7E4}"/>
-              </a:ext>
-            </a:extLst>
-          </p:cNvPr>
-          <p:cNvSpPr>
-            <a:spLocks noGrp="1"/>
-          </p:cNvSpPr>
-          <p:nvPr>
-            <p:ph type="pic" sz="quarter" idx="13"/>
-          </p:nvPr>
-        </p:nvSpPr>
-        <p:spPr/>
-      </p:sp>
-      <p:sp>
-        <p:nvSpPr>
-          <p:cNvPr id="3" name="Title 2">
-            <a:extLst>
-              <a:ext uri="{FF2B5EF4-FFF2-40B4-BE49-F238E27FC236}">
-                <a16:creationId xmlns:a16="http://schemas.microsoft.com/office/drawing/2014/main" id="{2A4CE944-8F6C-9041-B9CD-26CD117ED9AF}"/>
+      <p:pic>
+        <p:nvPicPr>
+          <p:cNvPr id="35" name="Picture 34">
+            <a:extLst>
+              <a:ext uri="{FF2B5EF4-FFF2-40B4-BE49-F238E27FC236}">
+                <a16:creationId xmlns:a16="http://schemas.microsoft.com/office/drawing/2014/main" id="{D91926D4-AA00-DEAC-6F76-D14C85EEB953}"/>
+              </a:ext>
+            </a:extLst>
+          </p:cNvPr>
+          <p:cNvPicPr>
+            <a:picLocks noChangeAspect="1"/>
+          </p:cNvPicPr>
+          <p:nvPr/>
+        </p:nvPicPr>
+        <p:blipFill rotWithShape="1">
+          <a:blip r:embed="rId3"/>
+          <a:srcRect t="14816" b="26743"/>
+          <a:stretch/>
+        </p:blipFill>
+        <p:spPr>
+          <a:xfrm>
+            <a:off x="-2" y="10"/>
+            <a:ext cx="12192000" cy="6857990"/>
+          </a:xfrm>
+          <a:prstGeom prst="rect">
+            <a:avLst/>
+          </a:prstGeom>
+          <a:noFill/>
+        </p:spPr>
+      </p:pic>
+      <p:sp>
+        <p:nvSpPr>
+          <p:cNvPr id="33" name="Title 32">
+            <a:extLst>
+              <a:ext uri="{FF2B5EF4-FFF2-40B4-BE49-F238E27FC236}">
+                <a16:creationId xmlns:a16="http://schemas.microsoft.com/office/drawing/2014/main" id="{2D22322F-E79D-4BEF-8038-DE2C8F5CCA40}"/>
               </a:ext>
             </a:extLst>
           </p:cNvPr>
@@ -7885,7 +7953,52 @@
             <p:ph type="ctrTitle"/>
           </p:nvPr>
         </p:nvSpPr>
-        <p:spPr/>
+        <p:spPr>
+          <a:xfrm>
+            <a:off x="1177636" y="-2"/>
+            <a:ext cx="11014364" cy="4100947"/>
+          </a:xfrm>
+        </p:spPr>
+        <p:txBody>
+          <a:bodyPr rtlCol="0" anchor="b">
+            <a:normAutofit/>
+          </a:bodyPr>
+          <a:lstStyle/>
+          <a:p>
+            <a:pPr rtl="0"/>
+            <a:r>
+              <a:rPr lang="en-GB">
+                <a:solidFill>
+                  <a:srgbClr val="FFFFFF"/>
+                </a:solidFill>
+              </a:rPr>
+              <a:t>Wireframes</a:t>
+            </a:r>
+          </a:p>
+        </p:txBody>
+      </p:sp>
+      <p:sp>
+        <p:nvSpPr>
+          <p:cNvPr id="39" name="Subtitle 3">
+            <a:extLst>
+              <a:ext uri="{FF2B5EF4-FFF2-40B4-BE49-F238E27FC236}">
+                <a16:creationId xmlns:a16="http://schemas.microsoft.com/office/drawing/2014/main" id="{D222BAF8-CCB0-D7CC-5341-05812443C885}"/>
+              </a:ext>
+            </a:extLst>
+          </p:cNvPr>
+          <p:cNvSpPr>
+            <a:spLocks noGrp="1"/>
+          </p:cNvSpPr>
+          <p:nvPr>
+            <p:ph type="subTitle" idx="1"/>
+          </p:nvPr>
+        </p:nvSpPr>
+        <p:spPr>
+          <a:xfrm>
+            <a:off x="3241963" y="4089656"/>
+            <a:ext cx="8950035" cy="2796566"/>
+          </a:xfrm>
+        </p:spPr>
         <p:txBody>
           <a:bodyPr/>
           <a:lstStyle/>
@@ -7896,162 +8009,146 @@
       </p:sp>
       <p:sp>
         <p:nvSpPr>
-          <p:cNvPr id="4" name="Subtitle 3">
-            <a:extLst>
-              <a:ext uri="{FF2B5EF4-FFF2-40B4-BE49-F238E27FC236}">
-                <a16:creationId xmlns:a16="http://schemas.microsoft.com/office/drawing/2014/main" id="{438B52F2-8EF4-3B4F-0F64-B0C06CEE16C9}"/>
-              </a:ext>
-            </a:extLst>
-          </p:cNvPr>
-          <p:cNvSpPr>
-            <a:spLocks noGrp="1"/>
-          </p:cNvSpPr>
-          <p:nvPr>
-            <p:ph type="subTitle" idx="1"/>
-          </p:nvPr>
-        </p:nvSpPr>
-        <p:spPr/>
-        <p:txBody>
-          <a:bodyPr/>
+          <p:cNvPr id="7" name="Footer Placeholder 6">
+            <a:extLst>
+              <a:ext uri="{FF2B5EF4-FFF2-40B4-BE49-F238E27FC236}">
+                <a16:creationId xmlns:a16="http://schemas.microsoft.com/office/drawing/2014/main" id="{C4A3939E-B573-4FB2-AD69-18C1A75F947B}"/>
+              </a:ext>
+            </a:extLst>
+          </p:cNvPr>
+          <p:cNvSpPr>
+            <a:spLocks noGrp="1"/>
+          </p:cNvSpPr>
+          <p:nvPr>
+            <p:ph type="ftr" sz="quarter" idx="11"/>
+          </p:nvPr>
+        </p:nvSpPr>
+        <p:spPr>
+          <a:xfrm>
+            <a:off x="201168" y="6356350"/>
+            <a:ext cx="4837176" cy="365125"/>
+          </a:xfrm>
+        </p:spPr>
+        <p:txBody>
+          <a:bodyPr rtlCol="0" anchor="ctr">
+            <a:normAutofit/>
+          </a:bodyPr>
           <a:lstStyle/>
           <a:p>
-            <a:endParaRPr lang="en-US"/>
-          </a:p>
-        </p:txBody>
-      </p:sp>
-      <p:sp>
-        <p:nvSpPr>
-          <p:cNvPr id="5" name="Footer Placeholder 4">
-            <a:extLst>
-              <a:ext uri="{FF2B5EF4-FFF2-40B4-BE49-F238E27FC236}">
-                <a16:creationId xmlns:a16="http://schemas.microsoft.com/office/drawing/2014/main" id="{C3FFE25E-79B4-30C7-9499-8070B006ACE4}"/>
-              </a:ext>
-            </a:extLst>
-          </p:cNvPr>
-          <p:cNvSpPr>
-            <a:spLocks noGrp="1"/>
-          </p:cNvSpPr>
-          <p:nvPr>
-            <p:ph type="ftr" sz="quarter" idx="11"/>
-          </p:nvPr>
-        </p:nvSpPr>
-        <p:spPr/>
-        <p:txBody>
-          <a:bodyPr/>
+            <a:pPr lvl="0" rtl="0">
+              <a:spcAft>
+                <a:spcPts val="600"/>
+              </a:spcAft>
+            </a:pPr>
+            <a:r>
+              <a:rPr lang="en-GB" dirty="0" err="1"/>
+              <a:t>Simplify’s</a:t>
+            </a:r>
+            <a:r>
+              <a:rPr lang="en-GB" dirty="0"/>
+              <a:t> </a:t>
+            </a:r>
+            <a:r>
+              <a:rPr lang="en-GB" dirty="0" err="1"/>
+              <a:t>Desgin</a:t>
+            </a:r>
+            <a:r>
+              <a:rPr lang="en-GB" dirty="0"/>
+              <a:t> Specification</a:t>
+            </a:r>
+          </a:p>
+        </p:txBody>
+      </p:sp>
+      <p:sp>
+        <p:nvSpPr>
+          <p:cNvPr id="6" name="Date Placeholder 5">
+            <a:extLst>
+              <a:ext uri="{FF2B5EF4-FFF2-40B4-BE49-F238E27FC236}">
+                <a16:creationId xmlns:a16="http://schemas.microsoft.com/office/drawing/2014/main" id="{6EF65B39-4112-473E-B203-73AC0F564D47}"/>
+              </a:ext>
+            </a:extLst>
+          </p:cNvPr>
+          <p:cNvSpPr>
+            <a:spLocks noGrp="1"/>
+          </p:cNvSpPr>
+          <p:nvPr>
+            <p:ph type="dt" sz="half" idx="10"/>
+          </p:nvPr>
+        </p:nvSpPr>
+        <p:spPr>
+          <a:xfrm>
+            <a:off x="7013448" y="6355080"/>
+            <a:ext cx="4352544" cy="365125"/>
+          </a:xfrm>
+        </p:spPr>
+        <p:txBody>
+          <a:bodyPr rtlCol="0" anchor="ctr">
+            <a:normAutofit/>
+          </a:bodyPr>
           <a:lstStyle/>
           <a:p>
-            <a:pPr rtl="0">
-              <a:defRPr/>
+            <a:pPr lvl="0" rtl="0">
+              <a:spcAft>
+                <a:spcPts val="600"/>
+              </a:spcAft>
             </a:pPr>
             <a:r>
-              <a:rPr lang="en-GB" noProof="0">
-                <a:effectLst>
-                  <a:outerShdw blurRad="38100" dist="38100" dir="2700000" algn="tl">
-                    <a:srgbClr val="000000">
-                      <a:alpha val="43137"/>
-                    </a:srgbClr>
-                  </a:outerShdw>
-                </a:effectLst>
-              </a:rPr>
-              <a:t>Presentation title</a:t>
-            </a:r>
-          </a:p>
-        </p:txBody>
-      </p:sp>
-      <p:sp>
-        <p:nvSpPr>
-          <p:cNvPr id="6" name="Date Placeholder 5">
-            <a:extLst>
-              <a:ext uri="{FF2B5EF4-FFF2-40B4-BE49-F238E27FC236}">
-                <a16:creationId xmlns:a16="http://schemas.microsoft.com/office/drawing/2014/main" id="{B81BA765-06E4-9D02-617D-F890C1C7A442}"/>
-              </a:ext>
-            </a:extLst>
-          </p:cNvPr>
-          <p:cNvSpPr>
-            <a:spLocks noGrp="1"/>
-          </p:cNvSpPr>
-          <p:nvPr>
-            <p:ph type="dt" sz="half" idx="10"/>
-          </p:nvPr>
-        </p:nvSpPr>
-        <p:spPr/>
-        <p:txBody>
-          <a:bodyPr/>
+              <a:rPr lang="en-GB" dirty="0"/>
+              <a:t>2023</a:t>
+            </a:r>
+          </a:p>
+        </p:txBody>
+      </p:sp>
+      <p:sp>
+        <p:nvSpPr>
+          <p:cNvPr id="8" name="Slide Number Placeholder 7">
+            <a:extLst>
+              <a:ext uri="{FF2B5EF4-FFF2-40B4-BE49-F238E27FC236}">
+                <a16:creationId xmlns:a16="http://schemas.microsoft.com/office/drawing/2014/main" id="{99800B7A-B486-4409-9EDD-0A7B9628EDE8}"/>
+              </a:ext>
+            </a:extLst>
+          </p:cNvPr>
+          <p:cNvSpPr>
+            <a:spLocks noGrp="1"/>
+          </p:cNvSpPr>
+          <p:nvPr>
+            <p:ph type="sldNum" sz="quarter" idx="12"/>
+          </p:nvPr>
+        </p:nvSpPr>
+        <p:spPr>
+          <a:xfrm>
+            <a:off x="11365992" y="6356350"/>
+            <a:ext cx="630936" cy="365125"/>
+          </a:xfrm>
+        </p:spPr>
+        <p:txBody>
+          <a:bodyPr rtlCol="0" anchor="ctr">
+            <a:normAutofit/>
+          </a:bodyPr>
           <a:lstStyle/>
           <a:p>
-            <a:pPr rtl="0">
-              <a:defRPr/>
+            <a:pPr lvl="0" rtl="0">
+              <a:spcAft>
+                <a:spcPts val="600"/>
+              </a:spcAft>
             </a:pPr>
-            <a:r>
-              <a:rPr lang="en-GB" noProof="0">
-                <a:effectLst>
-                  <a:outerShdw blurRad="38100" dist="38100" dir="2700000" algn="tl">
-                    <a:srgbClr val="000000">
-                      <a:alpha val="43137"/>
-                    </a:srgbClr>
-                  </a:outerShdw>
-                </a:effectLst>
-              </a:rPr>
-              <a:t>20XX</a:t>
-            </a:r>
-          </a:p>
-        </p:txBody>
-      </p:sp>
-      <p:sp>
-        <p:nvSpPr>
-          <p:cNvPr id="7" name="Slide Number Placeholder 6">
-            <a:extLst>
-              <a:ext uri="{FF2B5EF4-FFF2-40B4-BE49-F238E27FC236}">
-                <a16:creationId xmlns:a16="http://schemas.microsoft.com/office/drawing/2014/main" id="{087AD737-0221-568D-9E9A-5E1DC81ACCBC}"/>
-              </a:ext>
-            </a:extLst>
-          </p:cNvPr>
-          <p:cNvSpPr>
-            <a:spLocks noGrp="1"/>
-          </p:cNvSpPr>
-          <p:nvPr>
-            <p:ph type="sldNum" sz="quarter" idx="12"/>
-          </p:nvPr>
-        </p:nvSpPr>
-        <p:spPr/>
-        <p:txBody>
-          <a:bodyPr/>
-          <a:lstStyle/>
-          <a:p>
-            <a:pPr rtl="0">
-              <a:defRPr/>
-            </a:pPr>
-            <a:fld id="{CD6D940D-6D44-4DF9-9322-B4B11F7EDCD0}" type="slidenum">
-              <a:rPr lang="en-GB" noProof="0" smtClean="0">
-                <a:effectLst>
-                  <a:outerShdw blurRad="38100" dist="38100" dir="2700000" algn="tl">
-                    <a:srgbClr val="000000">
-                      <a:alpha val="43137"/>
-                    </a:srgbClr>
-                  </a:outerShdw>
-                </a:effectLst>
-              </a:rPr>
-              <a:pPr rtl="0">
-                <a:defRPr/>
+            <a:fld id="{06B786C7-B8F9-4072-AAAA-17258464D730}" type="slidenum">
+              <a:rPr lang="en-GB" smtClean="0"/>
+              <a:pPr lvl="0" rtl="0">
+                <a:spcAft>
+                  <a:spcPts val="600"/>
+                </a:spcAft>
               </a:pPr>
               <a:t>10</a:t>
             </a:fld>
-            <a:endParaRPr lang="en-GB" noProof="0">
-              <a:effectLst>
-                <a:outerShdw blurRad="38100" dist="38100" dir="2700000" algn="tl">
-                  <a:srgbClr val="000000">
-                    <a:alpha val="43137"/>
-                  </a:srgbClr>
-                </a:outerShdw>
-              </a:effectLst>
-            </a:endParaRPr>
+            <a:endParaRPr lang="en-GB"/>
           </a:p>
         </p:txBody>
       </p:sp>
     </p:spTree>
     <p:extLst>
       <p:ext uri="{BB962C8B-B14F-4D97-AF65-F5344CB8AC3E}">
-        <p14:creationId xmlns:p14="http://schemas.microsoft.com/office/powerpoint/2010/main" val="2637495838"/>
+        <p14:creationId xmlns:p14="http://schemas.microsoft.com/office/powerpoint/2010/main" val="3959576484"/>
       </p:ext>
     </p:extLst>
   </p:cSld>
@@ -8083,7 +8180,7 @@
           <p:cNvPr id="2" name="Picture Placeholder 1">
             <a:extLst>
               <a:ext uri="{FF2B5EF4-FFF2-40B4-BE49-F238E27FC236}">
-                <a16:creationId xmlns:a16="http://schemas.microsoft.com/office/drawing/2014/main" id="{FADC2531-583D-5723-C747-4374258644BD}"/>
+                <a16:creationId xmlns:a16="http://schemas.microsoft.com/office/drawing/2014/main" id="{5930E5A2-2518-C8F0-30F2-820CFFADD7E4}"/>
               </a:ext>
             </a:extLst>
           </p:cNvPr>
@@ -8101,7 +8198,7 @@
           <p:cNvPr id="3" name="Title 2">
             <a:extLst>
               <a:ext uri="{FF2B5EF4-FFF2-40B4-BE49-F238E27FC236}">
-                <a16:creationId xmlns:a16="http://schemas.microsoft.com/office/drawing/2014/main" id="{CDED420B-22E5-BEA8-9DAC-12E56E6D13CB}"/>
+                <a16:creationId xmlns:a16="http://schemas.microsoft.com/office/drawing/2014/main" id="{2A4CE944-8F6C-9041-B9CD-26CD117ED9AF}"/>
               </a:ext>
             </a:extLst>
           </p:cNvPr>
@@ -8126,7 +8223,7 @@
           <p:cNvPr id="4" name="Subtitle 3">
             <a:extLst>
               <a:ext uri="{FF2B5EF4-FFF2-40B4-BE49-F238E27FC236}">
-                <a16:creationId xmlns:a16="http://schemas.microsoft.com/office/drawing/2014/main" id="{6365FEDE-8733-D35F-AFC0-3878AC7DCE8A}"/>
+                <a16:creationId xmlns:a16="http://schemas.microsoft.com/office/drawing/2014/main" id="{438B52F2-8EF4-3B4F-0F64-B0C06CEE16C9}"/>
               </a:ext>
             </a:extLst>
           </p:cNvPr>
@@ -8151,7 +8248,7 @@
           <p:cNvPr id="5" name="Footer Placeholder 4">
             <a:extLst>
               <a:ext uri="{FF2B5EF4-FFF2-40B4-BE49-F238E27FC236}">
-                <a16:creationId xmlns:a16="http://schemas.microsoft.com/office/drawing/2014/main" id="{54EDCDB9-A445-113C-D8ED-D8426C836B49}"/>
+                <a16:creationId xmlns:a16="http://schemas.microsoft.com/office/drawing/2014/main" id="{C3FFE25E-79B4-30C7-9499-8070B006ACE4}"/>
               </a:ext>
             </a:extLst>
           </p:cNvPr>
@@ -8190,7 +8287,7 @@
           <p:cNvPr id="6" name="Date Placeholder 5">
             <a:extLst>
               <a:ext uri="{FF2B5EF4-FFF2-40B4-BE49-F238E27FC236}">
-                <a16:creationId xmlns:a16="http://schemas.microsoft.com/office/drawing/2014/main" id="{38764B63-10A3-AEEF-D53F-1A9EE95BA715}"/>
+                <a16:creationId xmlns:a16="http://schemas.microsoft.com/office/drawing/2014/main" id="{B81BA765-06E4-9D02-617D-F890C1C7A442}"/>
               </a:ext>
             </a:extLst>
           </p:cNvPr>
@@ -8229,7 +8326,7 @@
           <p:cNvPr id="7" name="Slide Number Placeholder 6">
             <a:extLst>
               <a:ext uri="{FF2B5EF4-FFF2-40B4-BE49-F238E27FC236}">
-                <a16:creationId xmlns:a16="http://schemas.microsoft.com/office/drawing/2014/main" id="{5C80E6A0-DE3E-EE17-71A4-92574D895BE8}"/>
+                <a16:creationId xmlns:a16="http://schemas.microsoft.com/office/drawing/2014/main" id="{087AD737-0221-568D-9E9A-5E1DC81ACCBC}"/>
               </a:ext>
             </a:extLst>
           </p:cNvPr>
@@ -8278,7 +8375,7 @@
     </p:spTree>
     <p:extLst>
       <p:ext uri="{BB962C8B-B14F-4D97-AF65-F5344CB8AC3E}">
-        <p14:creationId xmlns:p14="http://schemas.microsoft.com/office/powerpoint/2010/main" val="1717669644"/>
+        <p14:creationId xmlns:p14="http://schemas.microsoft.com/office/powerpoint/2010/main" val="2637495838"/>
       </p:ext>
     </p:extLst>
   </p:cSld>
@@ -8505,7 +8602,7 @@
     </p:spTree>
     <p:extLst>
       <p:ext uri="{BB962C8B-B14F-4D97-AF65-F5344CB8AC3E}">
-        <p14:creationId xmlns:p14="http://schemas.microsoft.com/office/powerpoint/2010/main" val="1113237551"/>
+        <p14:creationId xmlns:p14="http://schemas.microsoft.com/office/powerpoint/2010/main" val="1717669644"/>
       </p:ext>
     </p:extLst>
   </p:cSld>
@@ -8732,7 +8829,7 @@
     </p:spTree>
     <p:extLst>
       <p:ext uri="{BB962C8B-B14F-4D97-AF65-F5344CB8AC3E}">
-        <p14:creationId xmlns:p14="http://schemas.microsoft.com/office/powerpoint/2010/main" val="2758066748"/>
+        <p14:creationId xmlns:p14="http://schemas.microsoft.com/office/powerpoint/2010/main" val="1113237551"/>
       </p:ext>
     </p:extLst>
   </p:cSld>
@@ -8959,7 +9056,7 @@
     </p:spTree>
     <p:extLst>
       <p:ext uri="{BB962C8B-B14F-4D97-AF65-F5344CB8AC3E}">
-        <p14:creationId xmlns:p14="http://schemas.microsoft.com/office/powerpoint/2010/main" val="2476993334"/>
+        <p14:creationId xmlns:p14="http://schemas.microsoft.com/office/powerpoint/2010/main" val="2758066748"/>
       </p:ext>
     </p:extLst>
   </p:cSld>
@@ -8988,46 +9085,78 @@
       </p:grpSpPr>
       <p:sp>
         <p:nvSpPr>
-          <p:cNvPr id="22" name="Title 21">
-            <a:extLst>
-              <a:ext uri="{FF2B5EF4-FFF2-40B4-BE49-F238E27FC236}">
-                <a16:creationId xmlns:a16="http://schemas.microsoft.com/office/drawing/2014/main" id="{CBCA8D9B-86A6-46D0-8939-576472F48528}"/>
-              </a:ext>
-            </a:extLst>
-          </p:cNvPr>
-          <p:cNvSpPr>
-            <a:spLocks noGrp="1"/>
-          </p:cNvSpPr>
-          <p:nvPr>
-            <p:ph type="title"/>
-          </p:nvPr>
-        </p:nvSpPr>
-        <p:spPr>
-          <a:xfrm>
-            <a:off x="1002983" y="194783"/>
-            <a:ext cx="9421177" cy="769493"/>
-          </a:xfrm>
-        </p:spPr>
-        <p:txBody>
-          <a:bodyPr rtlCol="0">
-            <a:normAutofit fontScale="90000"/>
-          </a:bodyPr>
+          <p:cNvPr id="2" name="Picture Placeholder 1">
+            <a:extLst>
+              <a:ext uri="{FF2B5EF4-FFF2-40B4-BE49-F238E27FC236}">
+                <a16:creationId xmlns:a16="http://schemas.microsoft.com/office/drawing/2014/main" id="{FADC2531-583D-5723-C747-4374258644BD}"/>
+              </a:ext>
+            </a:extLst>
+          </p:cNvPr>
+          <p:cNvSpPr>
+            <a:spLocks noGrp="1"/>
+          </p:cNvSpPr>
+          <p:nvPr>
+            <p:ph type="pic" sz="quarter" idx="13"/>
+          </p:nvPr>
+        </p:nvSpPr>
+        <p:spPr/>
+      </p:sp>
+      <p:sp>
+        <p:nvSpPr>
+          <p:cNvPr id="3" name="Title 2">
+            <a:extLst>
+              <a:ext uri="{FF2B5EF4-FFF2-40B4-BE49-F238E27FC236}">
+                <a16:creationId xmlns:a16="http://schemas.microsoft.com/office/drawing/2014/main" id="{CDED420B-22E5-BEA8-9DAC-12E56E6D13CB}"/>
+              </a:ext>
+            </a:extLst>
+          </p:cNvPr>
+          <p:cNvSpPr>
+            <a:spLocks noGrp="1"/>
+          </p:cNvSpPr>
+          <p:nvPr>
+            <p:ph type="ctrTitle"/>
+          </p:nvPr>
+        </p:nvSpPr>
+        <p:spPr/>
+        <p:txBody>
+          <a:bodyPr/>
           <a:lstStyle/>
           <a:p>
-            <a:pPr rtl="0"/>
-            <a:r>
-              <a:rPr lang="en-GB" dirty="0"/>
-              <a:t>Appendix: Contribution</a:t>
-            </a:r>
-          </a:p>
-        </p:txBody>
-      </p:sp>
-      <p:sp>
-        <p:nvSpPr>
-          <p:cNvPr id="4" name="Footer Placeholder 3">
-            <a:extLst>
-              <a:ext uri="{FF2B5EF4-FFF2-40B4-BE49-F238E27FC236}">
-                <a16:creationId xmlns:a16="http://schemas.microsoft.com/office/drawing/2014/main" id="{1BA44D22-2C67-436D-AB47-1C91A69B29EE}"/>
+            <a:endParaRPr lang="en-US"/>
+          </a:p>
+        </p:txBody>
+      </p:sp>
+      <p:sp>
+        <p:nvSpPr>
+          <p:cNvPr id="4" name="Subtitle 3">
+            <a:extLst>
+              <a:ext uri="{FF2B5EF4-FFF2-40B4-BE49-F238E27FC236}">
+                <a16:creationId xmlns:a16="http://schemas.microsoft.com/office/drawing/2014/main" id="{6365FEDE-8733-D35F-AFC0-3878AC7DCE8A}"/>
+              </a:ext>
+            </a:extLst>
+          </p:cNvPr>
+          <p:cNvSpPr>
+            <a:spLocks noGrp="1"/>
+          </p:cNvSpPr>
+          <p:nvPr>
+            <p:ph type="subTitle" idx="1"/>
+          </p:nvPr>
+        </p:nvSpPr>
+        <p:spPr/>
+        <p:txBody>
+          <a:bodyPr/>
+          <a:lstStyle/>
+          <a:p>
+            <a:endParaRPr lang="en-US"/>
+          </a:p>
+        </p:txBody>
+      </p:sp>
+      <p:sp>
+        <p:nvSpPr>
+          <p:cNvPr id="5" name="Footer Placeholder 4">
+            <a:extLst>
+              <a:ext uri="{FF2B5EF4-FFF2-40B4-BE49-F238E27FC236}">
+                <a16:creationId xmlns:a16="http://schemas.microsoft.com/office/drawing/2014/main" id="{54EDCDB9-A445-113C-D8ED-D8426C836B49}"/>
               </a:ext>
             </a:extLst>
           </p:cNvPr>
@@ -9038,34 +9167,35 @@
             <p:ph type="ftr" sz="quarter" idx="11"/>
           </p:nvPr>
         </p:nvSpPr>
-        <p:spPr>
-          <a:xfrm>
-            <a:off x="201168" y="6356350"/>
-            <a:ext cx="4837176" cy="365125"/>
-          </a:xfrm>
-        </p:spPr>
-        <p:txBody>
-          <a:bodyPr rtlCol="0"/>
+        <p:spPr/>
+        <p:txBody>
+          <a:bodyPr/>
           <a:lstStyle/>
           <a:p>
-            <a:pPr rtl="0"/>
-            <a:r>
-              <a:rPr lang="en-GB" dirty="0" err="1"/>
-              <a:t>Simplify’s</a:t>
-            </a:r>
-            <a:r>
-              <a:rPr lang="en-GB" dirty="0"/>
-              <a:t> Design Specification</a:t>
-            </a:r>
-          </a:p>
-        </p:txBody>
-      </p:sp>
-      <p:sp>
-        <p:nvSpPr>
-          <p:cNvPr id="3" name="Date Placeholder 2">
-            <a:extLst>
-              <a:ext uri="{FF2B5EF4-FFF2-40B4-BE49-F238E27FC236}">
-                <a16:creationId xmlns:a16="http://schemas.microsoft.com/office/drawing/2014/main" id="{1167B644-3955-44BD-8140-FD5AD6294F09}"/>
+            <a:pPr rtl="0">
+              <a:defRPr/>
+            </a:pPr>
+            <a:r>
+              <a:rPr lang="en-GB" noProof="0">
+                <a:effectLst>
+                  <a:outerShdw blurRad="38100" dist="38100" dir="2700000" algn="tl">
+                    <a:srgbClr val="000000">
+                      <a:alpha val="43137"/>
+                    </a:srgbClr>
+                  </a:outerShdw>
+                </a:effectLst>
+              </a:rPr>
+              <a:t>Presentation title</a:t>
+            </a:r>
+          </a:p>
+        </p:txBody>
+      </p:sp>
+      <p:sp>
+        <p:nvSpPr>
+          <p:cNvPr id="6" name="Date Placeholder 5">
+            <a:extLst>
+              <a:ext uri="{FF2B5EF4-FFF2-40B4-BE49-F238E27FC236}">
+                <a16:creationId xmlns:a16="http://schemas.microsoft.com/office/drawing/2014/main" id="{38764B63-10A3-AEEF-D53F-1A9EE95BA715}"/>
               </a:ext>
             </a:extLst>
           </p:cNvPr>
@@ -9076,30 +9206,35 @@
             <p:ph type="dt" sz="half" idx="10"/>
           </p:nvPr>
         </p:nvSpPr>
-        <p:spPr>
-          <a:xfrm>
-            <a:off x="7013448" y="6355080"/>
-            <a:ext cx="4352544" cy="365125"/>
-          </a:xfrm>
-        </p:spPr>
-        <p:txBody>
-          <a:bodyPr rtlCol="0"/>
+        <p:spPr/>
+        <p:txBody>
+          <a:bodyPr/>
           <a:lstStyle/>
           <a:p>
-            <a:pPr lvl="0" rtl="0"/>
-            <a:r>
-              <a:rPr lang="en-GB" dirty="0"/>
-              <a:t>2023</a:t>
-            </a:r>
-          </a:p>
-        </p:txBody>
-      </p:sp>
-      <p:sp>
-        <p:nvSpPr>
-          <p:cNvPr id="5" name="Slide Number Placeholder 4">
-            <a:extLst>
-              <a:ext uri="{FF2B5EF4-FFF2-40B4-BE49-F238E27FC236}">
-                <a16:creationId xmlns:a16="http://schemas.microsoft.com/office/drawing/2014/main" id="{E673DB5F-1A43-441F-953F-DA8BBE7299D4}"/>
+            <a:pPr rtl="0">
+              <a:defRPr/>
+            </a:pPr>
+            <a:r>
+              <a:rPr lang="en-GB" noProof="0">
+                <a:effectLst>
+                  <a:outerShdw blurRad="38100" dist="38100" dir="2700000" algn="tl">
+                    <a:srgbClr val="000000">
+                      <a:alpha val="43137"/>
+                    </a:srgbClr>
+                  </a:outerShdw>
+                </a:effectLst>
+              </a:rPr>
+              <a:t>20XX</a:t>
+            </a:r>
+          </a:p>
+        </p:txBody>
+      </p:sp>
+      <p:sp>
+        <p:nvSpPr>
+          <p:cNvPr id="7" name="Slide Number Placeholder 6">
+            <a:extLst>
+              <a:ext uri="{FF2B5EF4-FFF2-40B4-BE49-F238E27FC236}">
+                <a16:creationId xmlns:a16="http://schemas.microsoft.com/office/drawing/2014/main" id="{5C80E6A0-DE3E-EE17-71A4-92574D895BE8}"/>
               </a:ext>
             </a:extLst>
           </p:cNvPr>
@@ -9110,100 +9245,45 @@
             <p:ph type="sldNum" sz="quarter" idx="12"/>
           </p:nvPr>
         </p:nvSpPr>
-        <p:spPr>
-          <a:xfrm>
-            <a:off x="11365992" y="6356350"/>
-            <a:ext cx="630936" cy="365125"/>
-          </a:xfrm>
-        </p:spPr>
-        <p:txBody>
-          <a:bodyPr rtlCol="0"/>
+        <p:spPr/>
+        <p:txBody>
+          <a:bodyPr/>
           <a:lstStyle/>
           <a:p>
-            <a:pPr lvl="0" rtl="0"/>
-            <a:fld id="{06B786C7-B8F9-4072-AAAA-17258464D730}" type="slidenum">
-              <a:rPr lang="en-GB" smtClean="0"/>
-              <a:pPr lvl="0" rtl="0"/>
+            <a:pPr rtl="0">
+              <a:defRPr/>
+            </a:pPr>
+            <a:fld id="{CD6D940D-6D44-4DF9-9322-B4B11F7EDCD0}" type="slidenum">
+              <a:rPr lang="en-GB" noProof="0" smtClean="0">
+                <a:effectLst>
+                  <a:outerShdw blurRad="38100" dist="38100" dir="2700000" algn="tl">
+                    <a:srgbClr val="000000">
+                      <a:alpha val="43137"/>
+                    </a:srgbClr>
+                  </a:outerShdw>
+                </a:effectLst>
+              </a:rPr>
+              <a:pPr rtl="0">
+                <a:defRPr/>
+              </a:pPr>
               <a:t>15</a:t>
             </a:fld>
-            <a:endParaRPr lang="en-GB" dirty="0"/>
-          </a:p>
-        </p:txBody>
-      </p:sp>
-      <p:sp>
-        <p:nvSpPr>
-          <p:cNvPr id="6" name="Content Placeholder 5">
-            <a:extLst>
-              <a:ext uri="{FF2B5EF4-FFF2-40B4-BE49-F238E27FC236}">
-                <a16:creationId xmlns:a16="http://schemas.microsoft.com/office/drawing/2014/main" id="{52459141-9050-BB4C-6337-A8FDFE8DD467}"/>
-              </a:ext>
-            </a:extLst>
-          </p:cNvPr>
-          <p:cNvSpPr>
-            <a:spLocks noGrp="1"/>
-          </p:cNvSpPr>
-          <p:nvPr>
-            <p:ph sz="quarter" idx="14"/>
-          </p:nvPr>
-        </p:nvSpPr>
-        <p:spPr/>
-        <p:txBody>
-          <a:bodyPr/>
-          <a:lstStyle/>
-          <a:p>
-            <a:r>
-              <a:rPr lang="en-US" dirty="0" err="1"/>
-              <a:t>Praharsh</a:t>
-            </a:r>
-            <a:r>
-              <a:rPr lang="en-US" dirty="0"/>
-              <a:t> R Dubey, 2738037, 20%, Overview and High-Level System Architecture, Site Map, Wireframes</a:t>
-            </a:r>
-          </a:p>
-          <a:p>
-            <a:r>
-              <a:rPr lang="en-US" dirty="0"/>
-              <a:t>Vikram Baruah, 2795941, 20%, Specification</a:t>
-            </a:r>
-          </a:p>
-          <a:p>
-            <a:r>
-              <a:rPr lang="en-US" dirty="0"/>
-              <a:t>Yin Long, 2751099, 20%, ER Diagram </a:t>
-            </a:r>
-          </a:p>
-          <a:p>
-            <a:r>
-              <a:rPr lang="en-US" dirty="0" err="1"/>
-              <a:t>Zhaobo</a:t>
-            </a:r>
-            <a:r>
-              <a:rPr lang="en-US" dirty="0"/>
-              <a:t> Guo, 2815951, 20%, Site Map</a:t>
-            </a:r>
-          </a:p>
-          <a:p>
-            <a:r>
-              <a:rPr lang="en-US" dirty="0" err="1"/>
-              <a:t>Yifan</a:t>
-            </a:r>
-            <a:r>
-              <a:rPr lang="en-US" dirty="0"/>
-              <a:t> Guo, 2721370, 20%, Wireframes</a:t>
-            </a:r>
-          </a:p>
-          <a:p>
-            <a:pPr marL="0" indent="0">
-              <a:buNone/>
-            </a:pPr>
-            <a:endParaRPr lang="en-US" dirty="0"/>
+            <a:endParaRPr lang="en-GB" noProof="0">
+              <a:effectLst>
+                <a:outerShdw blurRad="38100" dist="38100" dir="2700000" algn="tl">
+                  <a:srgbClr val="000000">
+                    <a:alpha val="43137"/>
+                  </a:srgbClr>
+                </a:outerShdw>
+              </a:effectLst>
+            </a:endParaRPr>
           </a:p>
         </p:txBody>
       </p:sp>
     </p:spTree>
     <p:extLst>
       <p:ext uri="{BB962C8B-B14F-4D97-AF65-F5344CB8AC3E}">
-        <p14:creationId xmlns:p14="http://schemas.microsoft.com/office/powerpoint/2010/main" val="2605548233"/>
+        <p14:creationId xmlns:p14="http://schemas.microsoft.com/office/powerpoint/2010/main" val="2476993334"/>
       </p:ext>
     </p:extLst>
   </p:cSld>
@@ -9232,6 +9312,624 @@
       </p:grpSpPr>
       <p:sp>
         <p:nvSpPr>
+          <p:cNvPr id="22" name="Title 21">
+            <a:extLst>
+              <a:ext uri="{FF2B5EF4-FFF2-40B4-BE49-F238E27FC236}">
+                <a16:creationId xmlns:a16="http://schemas.microsoft.com/office/drawing/2014/main" id="{CBCA8D9B-86A6-46D0-8939-576472F48528}"/>
+              </a:ext>
+            </a:extLst>
+          </p:cNvPr>
+          <p:cNvSpPr>
+            <a:spLocks noGrp="1"/>
+          </p:cNvSpPr>
+          <p:nvPr>
+            <p:ph type="title"/>
+          </p:nvPr>
+        </p:nvSpPr>
+        <p:spPr>
+          <a:xfrm>
+            <a:off x="1002983" y="194783"/>
+            <a:ext cx="9421177" cy="769493"/>
+          </a:xfrm>
+        </p:spPr>
+        <p:txBody>
+          <a:bodyPr rtlCol="0">
+            <a:normAutofit fontScale="90000"/>
+          </a:bodyPr>
+          <a:lstStyle/>
+          <a:p>
+            <a:pPr rtl="0"/>
+            <a:r>
+              <a:rPr lang="en-GB" dirty="0"/>
+              <a:t>Appendix: Contribution</a:t>
+            </a:r>
+          </a:p>
+        </p:txBody>
+      </p:sp>
+      <p:sp>
+        <p:nvSpPr>
+          <p:cNvPr id="4" name="Footer Placeholder 3">
+            <a:extLst>
+              <a:ext uri="{FF2B5EF4-FFF2-40B4-BE49-F238E27FC236}">
+                <a16:creationId xmlns:a16="http://schemas.microsoft.com/office/drawing/2014/main" id="{1BA44D22-2C67-436D-AB47-1C91A69B29EE}"/>
+              </a:ext>
+            </a:extLst>
+          </p:cNvPr>
+          <p:cNvSpPr>
+            <a:spLocks noGrp="1"/>
+          </p:cNvSpPr>
+          <p:nvPr>
+            <p:ph type="ftr" sz="quarter" idx="11"/>
+          </p:nvPr>
+        </p:nvSpPr>
+        <p:spPr>
+          <a:xfrm>
+            <a:off x="201168" y="6356350"/>
+            <a:ext cx="4837176" cy="365125"/>
+          </a:xfrm>
+        </p:spPr>
+        <p:txBody>
+          <a:bodyPr rtlCol="0"/>
+          <a:lstStyle/>
+          <a:p>
+            <a:pPr rtl="0"/>
+            <a:r>
+              <a:rPr lang="en-GB" dirty="0" err="1"/>
+              <a:t>Simplify’s</a:t>
+            </a:r>
+            <a:r>
+              <a:rPr lang="en-GB" dirty="0"/>
+              <a:t> Design Specification</a:t>
+            </a:r>
+          </a:p>
+        </p:txBody>
+      </p:sp>
+      <p:sp>
+        <p:nvSpPr>
+          <p:cNvPr id="3" name="Date Placeholder 2">
+            <a:extLst>
+              <a:ext uri="{FF2B5EF4-FFF2-40B4-BE49-F238E27FC236}">
+                <a16:creationId xmlns:a16="http://schemas.microsoft.com/office/drawing/2014/main" id="{1167B644-3955-44BD-8140-FD5AD6294F09}"/>
+              </a:ext>
+            </a:extLst>
+          </p:cNvPr>
+          <p:cNvSpPr>
+            <a:spLocks noGrp="1"/>
+          </p:cNvSpPr>
+          <p:nvPr>
+            <p:ph type="dt" sz="half" idx="10"/>
+          </p:nvPr>
+        </p:nvSpPr>
+        <p:spPr>
+          <a:xfrm>
+            <a:off x="7013448" y="6355080"/>
+            <a:ext cx="4352544" cy="365125"/>
+          </a:xfrm>
+        </p:spPr>
+        <p:txBody>
+          <a:bodyPr rtlCol="0"/>
+          <a:lstStyle/>
+          <a:p>
+            <a:pPr lvl="0" rtl="0"/>
+            <a:r>
+              <a:rPr lang="en-GB" dirty="0"/>
+              <a:t>2023</a:t>
+            </a:r>
+          </a:p>
+        </p:txBody>
+      </p:sp>
+      <p:sp>
+        <p:nvSpPr>
+          <p:cNvPr id="5" name="Slide Number Placeholder 4">
+            <a:extLst>
+              <a:ext uri="{FF2B5EF4-FFF2-40B4-BE49-F238E27FC236}">
+                <a16:creationId xmlns:a16="http://schemas.microsoft.com/office/drawing/2014/main" id="{E673DB5F-1A43-441F-953F-DA8BBE7299D4}"/>
+              </a:ext>
+            </a:extLst>
+          </p:cNvPr>
+          <p:cNvSpPr>
+            <a:spLocks noGrp="1"/>
+          </p:cNvSpPr>
+          <p:nvPr>
+            <p:ph type="sldNum" sz="quarter" idx="12"/>
+          </p:nvPr>
+        </p:nvSpPr>
+        <p:spPr>
+          <a:xfrm>
+            <a:off x="11365992" y="6356350"/>
+            <a:ext cx="630936" cy="365125"/>
+          </a:xfrm>
+        </p:spPr>
+        <p:txBody>
+          <a:bodyPr rtlCol="0"/>
+          <a:lstStyle/>
+          <a:p>
+            <a:pPr lvl="0" rtl="0"/>
+            <a:fld id="{06B786C7-B8F9-4072-AAAA-17258464D730}" type="slidenum">
+              <a:rPr lang="en-GB" smtClean="0"/>
+              <a:pPr lvl="0" rtl="0"/>
+              <a:t>16</a:t>
+            </a:fld>
+            <a:endParaRPr lang="en-GB" dirty="0"/>
+          </a:p>
+        </p:txBody>
+      </p:sp>
+      <p:graphicFrame>
+        <p:nvGraphicFramePr>
+          <p:cNvPr id="2" name="Table 6">
+            <a:extLst>
+              <a:ext uri="{FF2B5EF4-FFF2-40B4-BE49-F238E27FC236}">
+                <a16:creationId xmlns:a16="http://schemas.microsoft.com/office/drawing/2014/main" id="{6A4C8723-A20F-0513-1712-8085A225D390}"/>
+              </a:ext>
+            </a:extLst>
+          </p:cNvPr>
+          <p:cNvGraphicFramePr>
+            <a:graphicFrameLocks noGrp="1"/>
+          </p:cNvGraphicFramePr>
+          <p:nvPr>
+            <p:extLst>
+              <p:ext uri="{D42A27DB-BD31-4B8C-83A1-F6EECF244321}">
+                <p14:modId xmlns:p14="http://schemas.microsoft.com/office/powerpoint/2010/main" val="3437265788"/>
+              </p:ext>
+            </p:extLst>
+          </p:nvPr>
+        </p:nvGraphicFramePr>
+        <p:xfrm>
+          <a:off x="914496" y="1720000"/>
+          <a:ext cx="10363008" cy="3596325"/>
+        </p:xfrm>
+        <a:graphic>
+          <a:graphicData uri="http://schemas.openxmlformats.org/drawingml/2006/table">
+            <a:tbl>
+              <a:tblPr firstRow="1" bandRow="1">
+                <a:tableStyleId>{5C22544A-7EE6-4342-B048-85BDC9FD1C3A}</a:tableStyleId>
+              </a:tblPr>
+              <a:tblGrid>
+                <a:gridCol w="2590752">
+                  <a:extLst>
+                    <a:ext uri="{9D8B030D-6E8A-4147-A177-3AD203B41FA5}">
+                      <a16:colId xmlns:a16="http://schemas.microsoft.com/office/drawing/2014/main" val="3071343376"/>
+                    </a:ext>
+                  </a:extLst>
+                </a:gridCol>
+                <a:gridCol w="1800678">
+                  <a:extLst>
+                    <a:ext uri="{9D8B030D-6E8A-4147-A177-3AD203B41FA5}">
+                      <a16:colId xmlns:a16="http://schemas.microsoft.com/office/drawing/2014/main" val="118257299"/>
+                    </a:ext>
+                  </a:extLst>
+                </a:gridCol>
+                <a:gridCol w="2213811">
+                  <a:extLst>
+                    <a:ext uri="{9D8B030D-6E8A-4147-A177-3AD203B41FA5}">
+                      <a16:colId xmlns:a16="http://schemas.microsoft.com/office/drawing/2014/main" val="2293859624"/>
+                    </a:ext>
+                  </a:extLst>
+                </a:gridCol>
+                <a:gridCol w="3757767">
+                  <a:extLst>
+                    <a:ext uri="{9D8B030D-6E8A-4147-A177-3AD203B41FA5}">
+                      <a16:colId xmlns:a16="http://schemas.microsoft.com/office/drawing/2014/main" val="3534285581"/>
+                    </a:ext>
+                  </a:extLst>
+                </a:gridCol>
+              </a:tblGrid>
+              <a:tr h="481521">
+                <a:tc>
+                  <a:txBody>
+                    <a:bodyPr/>
+                    <a:lstStyle/>
+                    <a:p>
+                      <a:pPr algn="ctr"/>
+                      <a:r>
+                        <a:rPr lang="en-US" dirty="0"/>
+                        <a:t>Name</a:t>
+                      </a:r>
+                    </a:p>
+                  </a:txBody>
+                  <a:tcPr/>
+                </a:tc>
+                <a:tc>
+                  <a:txBody>
+                    <a:bodyPr/>
+                    <a:lstStyle/>
+                    <a:p>
+                      <a:pPr algn="ctr"/>
+                      <a:r>
+                        <a:rPr lang="en-US" dirty="0"/>
+                        <a:t>Student ID</a:t>
+                      </a:r>
+                    </a:p>
+                  </a:txBody>
+                  <a:tcPr/>
+                </a:tc>
+                <a:tc>
+                  <a:txBody>
+                    <a:bodyPr/>
+                    <a:lstStyle/>
+                    <a:p>
+                      <a:pPr algn="ctr"/>
+                      <a:r>
+                        <a:rPr lang="en-US" dirty="0"/>
+                        <a:t>Contribution %</a:t>
+                      </a:r>
+                    </a:p>
+                  </a:txBody>
+                  <a:tcPr/>
+                </a:tc>
+                <a:tc>
+                  <a:txBody>
+                    <a:bodyPr/>
+                    <a:lstStyle/>
+                    <a:p>
+                      <a:pPr algn="ctr"/>
+                      <a:r>
+                        <a:rPr lang="en-US" dirty="0"/>
+                        <a:t>Contributed in</a:t>
+                      </a:r>
+                    </a:p>
+                  </a:txBody>
+                  <a:tcPr/>
+                </a:tc>
+                <a:extLst>
+                  <a:ext uri="{0D108BD9-81ED-4DB2-BD59-A6C34878D82A}">
+                    <a16:rowId xmlns:a16="http://schemas.microsoft.com/office/drawing/2014/main" val="4209319638"/>
+                  </a:ext>
+                </a:extLst>
+              </a:tr>
+              <a:tr h="1010395">
+                <a:tc>
+                  <a:txBody>
+                    <a:bodyPr/>
+                    <a:lstStyle/>
+                    <a:p>
+                      <a:r>
+                        <a:rPr lang="en-US" dirty="0" err="1"/>
+                        <a:t>Praharsh</a:t>
+                      </a:r>
+                      <a:r>
+                        <a:rPr lang="en-US" dirty="0"/>
+                        <a:t> R Dubey</a:t>
+                      </a:r>
+                    </a:p>
+                  </a:txBody>
+                  <a:tcPr/>
+                </a:tc>
+                <a:tc>
+                  <a:txBody>
+                    <a:bodyPr/>
+                    <a:lstStyle/>
+                    <a:p>
+                      <a:pPr algn="ctr"/>
+                      <a:r>
+                        <a:rPr lang="en-US" dirty="0"/>
+                        <a:t>2738037</a:t>
+                      </a:r>
+                    </a:p>
+                  </a:txBody>
+                  <a:tcPr/>
+                </a:tc>
+                <a:tc>
+                  <a:txBody>
+                    <a:bodyPr/>
+                    <a:lstStyle/>
+                    <a:p>
+                      <a:pPr algn="ctr"/>
+                      <a:r>
+                        <a:rPr lang="en-US" dirty="0"/>
+                        <a:t>40%</a:t>
+                      </a:r>
+                    </a:p>
+                  </a:txBody>
+                  <a:tcPr/>
+                </a:tc>
+                <a:tc>
+                  <a:txBody>
+                    <a:bodyPr/>
+                    <a:lstStyle/>
+                    <a:p>
+                      <a:r>
+                        <a:rPr lang="en-US" dirty="0"/>
+                        <a:t>Overview, Specification, High-Level System Architecture, ER Diagram, Site Map and Wireframes</a:t>
+                      </a:r>
+                    </a:p>
+                  </a:txBody>
+                  <a:tcPr/>
+                </a:tc>
+                <a:extLst>
+                  <a:ext uri="{0D108BD9-81ED-4DB2-BD59-A6C34878D82A}">
+                    <a16:rowId xmlns:a16="http://schemas.microsoft.com/office/drawing/2014/main" val="195319310"/>
+                  </a:ext>
+                </a:extLst>
+              </a:tr>
+              <a:tr h="481521">
+                <a:tc>
+                  <a:txBody>
+                    <a:bodyPr/>
+                    <a:lstStyle/>
+                    <a:p>
+                      <a:r>
+                        <a:rPr lang="en-US" dirty="0"/>
+                        <a:t>Vikram Baruah</a:t>
+                      </a:r>
+                    </a:p>
+                  </a:txBody>
+                  <a:tcPr/>
+                </a:tc>
+                <a:tc>
+                  <a:txBody>
+                    <a:bodyPr/>
+                    <a:lstStyle/>
+                    <a:p>
+                      <a:pPr algn="ctr"/>
+                      <a:r>
+                        <a:rPr lang="en-US" dirty="0"/>
+                        <a:t>2795941</a:t>
+                      </a:r>
+                    </a:p>
+                  </a:txBody>
+                  <a:tcPr/>
+                </a:tc>
+                <a:tc>
+                  <a:txBody>
+                    <a:bodyPr/>
+                    <a:lstStyle/>
+                    <a:p>
+                      <a:pPr algn="ctr"/>
+                      <a:r>
+                        <a:rPr lang="en-US" dirty="0"/>
+                        <a:t>15%</a:t>
+                      </a:r>
+                    </a:p>
+                  </a:txBody>
+                  <a:tcPr/>
+                </a:tc>
+                <a:tc>
+                  <a:txBody>
+                    <a:bodyPr/>
+                    <a:lstStyle/>
+                    <a:p>
+                      <a:r>
+                        <a:rPr lang="en-US" dirty="0"/>
+                        <a:t>Specification</a:t>
+                      </a:r>
+                    </a:p>
+                  </a:txBody>
+                  <a:tcPr/>
+                </a:tc>
+                <a:extLst>
+                  <a:ext uri="{0D108BD9-81ED-4DB2-BD59-A6C34878D82A}">
+                    <a16:rowId xmlns:a16="http://schemas.microsoft.com/office/drawing/2014/main" val="2172777424"/>
+                  </a:ext>
+                </a:extLst>
+              </a:tr>
+              <a:tr h="481521">
+                <a:tc>
+                  <a:txBody>
+                    <a:bodyPr/>
+                    <a:lstStyle/>
+                    <a:p>
+                      <a:r>
+                        <a:rPr lang="en-US" dirty="0"/>
+                        <a:t>Yin Long</a:t>
+                      </a:r>
+                    </a:p>
+                  </a:txBody>
+                  <a:tcPr/>
+                </a:tc>
+                <a:tc>
+                  <a:txBody>
+                    <a:bodyPr/>
+                    <a:lstStyle/>
+                    <a:p>
+                      <a:pPr algn="ctr"/>
+                      <a:r>
+                        <a:rPr lang="en-US" dirty="0"/>
+                        <a:t>2751099</a:t>
+                      </a:r>
+                    </a:p>
+                  </a:txBody>
+                  <a:tcPr/>
+                </a:tc>
+                <a:tc>
+                  <a:txBody>
+                    <a:bodyPr/>
+                    <a:lstStyle/>
+                    <a:p>
+                      <a:pPr algn="ctr"/>
+                      <a:r>
+                        <a:rPr lang="en-US" dirty="0"/>
+                        <a:t>15%</a:t>
+                      </a:r>
+                    </a:p>
+                  </a:txBody>
+                  <a:tcPr/>
+                </a:tc>
+                <a:tc>
+                  <a:txBody>
+                    <a:bodyPr/>
+                    <a:lstStyle/>
+                    <a:p>
+                      <a:r>
+                        <a:rPr lang="en-US" dirty="0"/>
+                        <a:t>ER Diagram </a:t>
+                      </a:r>
+                    </a:p>
+                  </a:txBody>
+                  <a:tcPr/>
+                </a:tc>
+                <a:extLst>
+                  <a:ext uri="{0D108BD9-81ED-4DB2-BD59-A6C34878D82A}">
+                    <a16:rowId xmlns:a16="http://schemas.microsoft.com/office/drawing/2014/main" val="2156108850"/>
+                  </a:ext>
+                </a:extLst>
+              </a:tr>
+              <a:tr h="481521">
+                <a:tc>
+                  <a:txBody>
+                    <a:bodyPr/>
+                    <a:lstStyle/>
+                    <a:p>
+                      <a:r>
+                        <a:rPr lang="en-US" dirty="0" err="1"/>
+                        <a:t>Zhaobo</a:t>
+                      </a:r>
+                      <a:r>
+                        <a:rPr lang="en-US" dirty="0"/>
+                        <a:t> Guo</a:t>
+                      </a:r>
+                    </a:p>
+                  </a:txBody>
+                  <a:tcPr/>
+                </a:tc>
+                <a:tc>
+                  <a:txBody>
+                    <a:bodyPr/>
+                    <a:lstStyle/>
+                    <a:p>
+                      <a:pPr algn="ctr"/>
+                      <a:r>
+                        <a:rPr lang="en-US" dirty="0"/>
+                        <a:t>2815951</a:t>
+                      </a:r>
+                    </a:p>
+                  </a:txBody>
+                  <a:tcPr/>
+                </a:tc>
+                <a:tc>
+                  <a:txBody>
+                    <a:bodyPr/>
+                    <a:lstStyle/>
+                    <a:p>
+                      <a:pPr algn="ctr"/>
+                      <a:r>
+                        <a:rPr lang="en-US" dirty="0"/>
+                        <a:t>15%</a:t>
+                      </a:r>
+                    </a:p>
+                  </a:txBody>
+                  <a:tcPr/>
+                </a:tc>
+                <a:tc>
+                  <a:txBody>
+                    <a:bodyPr/>
+                    <a:lstStyle/>
+                    <a:p>
+                      <a:r>
+                        <a:rPr lang="en-US" dirty="0"/>
+                        <a:t>Site Map</a:t>
+                      </a:r>
+                    </a:p>
+                  </a:txBody>
+                  <a:tcPr/>
+                </a:tc>
+                <a:extLst>
+                  <a:ext uri="{0D108BD9-81ED-4DB2-BD59-A6C34878D82A}">
+                    <a16:rowId xmlns:a16="http://schemas.microsoft.com/office/drawing/2014/main" val="750686563"/>
+                  </a:ext>
+                </a:extLst>
+              </a:tr>
+              <a:tr h="481521">
+                <a:tc>
+                  <a:txBody>
+                    <a:bodyPr/>
+                    <a:lstStyle/>
+                    <a:p>
+                      <a:r>
+                        <a:rPr lang="en-US" dirty="0" err="1"/>
+                        <a:t>Yifan</a:t>
+                      </a:r>
+                      <a:r>
+                        <a:rPr lang="en-US" dirty="0"/>
+                        <a:t> Guo</a:t>
+                      </a:r>
+                    </a:p>
+                  </a:txBody>
+                  <a:tcPr/>
+                </a:tc>
+                <a:tc>
+                  <a:txBody>
+                    <a:bodyPr/>
+                    <a:lstStyle/>
+                    <a:p>
+                      <a:pPr algn="ctr"/>
+                      <a:r>
+                        <a:rPr lang="en-US" dirty="0"/>
+                        <a:t>2721370</a:t>
+                      </a:r>
+                    </a:p>
+                  </a:txBody>
+                  <a:tcPr/>
+                </a:tc>
+                <a:tc>
+                  <a:txBody>
+                    <a:bodyPr/>
+                    <a:lstStyle/>
+                    <a:p>
+                      <a:pPr algn="ctr"/>
+                      <a:r>
+                        <a:rPr lang="en-US" dirty="0"/>
+                        <a:t>15%</a:t>
+                      </a:r>
+                    </a:p>
+                  </a:txBody>
+                  <a:tcPr/>
+                </a:tc>
+                <a:tc>
+                  <a:txBody>
+                    <a:bodyPr/>
+                    <a:lstStyle/>
+                    <a:p>
+                      <a:r>
+                        <a:rPr lang="en-US" dirty="0"/>
+                        <a:t>Wireframes</a:t>
+                      </a:r>
+                    </a:p>
+                  </a:txBody>
+                  <a:tcPr/>
+                </a:tc>
+                <a:extLst>
+                  <a:ext uri="{0D108BD9-81ED-4DB2-BD59-A6C34878D82A}">
+                    <a16:rowId xmlns:a16="http://schemas.microsoft.com/office/drawing/2014/main" val="686151132"/>
+                  </a:ext>
+                </a:extLst>
+              </a:tr>
+            </a:tbl>
+          </a:graphicData>
+        </a:graphic>
+      </p:graphicFrame>
+    </p:spTree>
+    <p:extLst>
+      <p:ext uri="{BB962C8B-B14F-4D97-AF65-F5344CB8AC3E}">
+        <p14:creationId xmlns:p14="http://schemas.microsoft.com/office/powerpoint/2010/main" val="2605548233"/>
+      </p:ext>
+    </p:extLst>
+  </p:cSld>
+  <p:clrMapOvr>
+    <a:masterClrMapping/>
+  </p:clrMapOvr>
+</p:sld>
+</file>
+
+<file path=ppt/slides/slide17.xml><?xml version="1.0" encoding="utf-8"?>
+<p:sld xmlns:a="http://schemas.openxmlformats.org/drawingml/2006/main" xmlns:r="http://schemas.openxmlformats.org/officeDocument/2006/relationships" xmlns:p="http://schemas.openxmlformats.org/presentationml/2006/main">
+  <p:cSld>
+    <p:spTree>
+      <p:nvGrpSpPr>
+        <p:cNvPr id="1" name=""/>
+        <p:cNvGrpSpPr/>
+        <p:nvPr/>
+      </p:nvGrpSpPr>
+      <p:grpSpPr>
+        <a:xfrm>
+          <a:off x="0" y="0"/>
+          <a:ext cx="0" cy="0"/>
+          <a:chOff x="0" y="0"/>
+          <a:chExt cx="0" cy="0"/>
+        </a:xfrm>
+      </p:grpSpPr>
+      <p:sp>
+        <p:nvSpPr>
           <p:cNvPr id="32" name="Title 31">
             <a:extLst>
               <a:ext uri="{FF2B5EF4-FFF2-40B4-BE49-F238E27FC236}">
@@ -9434,7 +10132,7 @@
             <a:fld id="{D39F39FF-F5CB-4ACA-9B46-4CCF89ECA75F}" type="slidenum">
               <a:rPr lang="en-GB" smtClean="0"/>
               <a:pPr lvl="0" rtl="0"/>
-              <a:t>16</a:t>
+              <a:t>17</a:t>
             </a:fld>
             <a:endParaRPr lang="en-GB"/>
           </a:p>
@@ -9571,8 +10269,8 @@
         </p:blipFill>
         <p:spPr>
           <a:xfrm>
-            <a:off x="4076700" y="0"/>
-            <a:ext cx="4038600" cy="3429000"/>
+            <a:off x="0" y="-1"/>
+            <a:ext cx="4060885" cy="3447921"/>
           </a:xfrm>
         </p:spPr>
       </p:pic>
@@ -9758,6 +10456,36 @@
           </a:p>
         </p:txBody>
       </p:sp>
+      <p:pic>
+        <p:nvPicPr>
+          <p:cNvPr id="2" name="Picture 1" descr="A picture containing text&#10;&#10;Description automatically generated">
+            <a:extLst>
+              <a:ext uri="{FF2B5EF4-FFF2-40B4-BE49-F238E27FC236}">
+                <a16:creationId xmlns:a16="http://schemas.microsoft.com/office/drawing/2014/main" id="{A88493FF-03B8-FAC6-9126-D886C01EDF37}"/>
+              </a:ext>
+            </a:extLst>
+          </p:cNvPr>
+          <p:cNvPicPr>
+            <a:picLocks noChangeAspect="1"/>
+          </p:cNvPicPr>
+          <p:nvPr/>
+        </p:nvPicPr>
+        <p:blipFill>
+          <a:blip r:embed="rId5"/>
+          <a:stretch>
+            <a:fillRect/>
+          </a:stretch>
+        </p:blipFill>
+        <p:spPr>
+          <a:xfrm>
+            <a:off x="4380498" y="0"/>
+            <a:ext cx="3431004" cy="3431004"/>
+          </a:xfrm>
+          <a:prstGeom prst="rect">
+            <a:avLst/>
+          </a:prstGeom>
+        </p:spPr>
+      </p:pic>
     </p:spTree>
     <p:extLst>
       <p:ext uri="{BB962C8B-B14F-4D97-AF65-F5344CB8AC3E}">
@@ -9819,37 +10547,6 @@
               <a:rPr lang="en-GB" dirty="0"/>
               <a:t>Overview</a:t>
             </a:r>
-          </a:p>
-        </p:txBody>
-      </p:sp>
-      <p:sp>
-        <p:nvSpPr>
-          <p:cNvPr id="12" name="Subtitle 11">
-            <a:extLst>
-              <a:ext uri="{FF2B5EF4-FFF2-40B4-BE49-F238E27FC236}">
-                <a16:creationId xmlns:a16="http://schemas.microsoft.com/office/drawing/2014/main" id="{AEAC0465-1751-47C8-9200-CF24EEB5E133}"/>
-              </a:ext>
-            </a:extLst>
-          </p:cNvPr>
-          <p:cNvSpPr>
-            <a:spLocks noGrp="1"/>
-          </p:cNvSpPr>
-          <p:nvPr>
-            <p:ph type="subTitle" idx="1"/>
-          </p:nvPr>
-        </p:nvSpPr>
-        <p:spPr>
-          <a:xfrm>
-            <a:off x="649045" y="3075868"/>
-            <a:ext cx="5945393" cy="1108335"/>
-          </a:xfrm>
-        </p:spPr>
-        <p:txBody>
-          <a:bodyPr rtlCol="0"/>
-          <a:lstStyle/>
-          <a:p>
-            <a:pPr rtl="0"/>
-            <a:endParaRPr lang="en-GB" dirty="0"/>
           </a:p>
         </p:txBody>
       </p:sp>
@@ -11003,10 +11700,10 @@
       </p:grpSpPr>
       <p:pic>
         <p:nvPicPr>
-          <p:cNvPr id="3" name="Picture 2" descr="Diagram&#10;&#10;Description automatically generated">
-            <a:extLst>
-              <a:ext uri="{FF2B5EF4-FFF2-40B4-BE49-F238E27FC236}">
-                <a16:creationId xmlns:a16="http://schemas.microsoft.com/office/drawing/2014/main" id="{EE2EEFC5-79BF-99DF-BD2A-833F4F882333}"/>
+          <p:cNvPr id="4" name="Picture 3" descr="Diagram&#10;&#10;Description automatically generated">
+            <a:extLst>
+              <a:ext uri="{FF2B5EF4-FFF2-40B4-BE49-F238E27FC236}">
+                <a16:creationId xmlns:a16="http://schemas.microsoft.com/office/drawing/2014/main" id="{3BA51E50-2395-FF10-056A-374E56C3D5AD}"/>
               </a:ext>
             </a:extLst>
           </p:cNvPr>
@@ -11015,46 +11712,15 @@
           </p:cNvPicPr>
           <p:nvPr/>
         </p:nvPicPr>
-        <p:blipFill>
+        <p:blipFill rotWithShape="1">
           <a:blip r:embed="rId3"/>
-          <a:stretch>
-            <a:fillRect/>
-          </a:stretch>
+          <a:srcRect l="2954" t="1490" r="14348" b="2220"/>
+          <a:stretch/>
         </p:blipFill>
         <p:spPr>
           <a:xfrm>
-            <a:off x="-1" y="1179093"/>
-            <a:ext cx="7214145" cy="4066675"/>
-          </a:xfrm>
-          <a:prstGeom prst="rect">
-            <a:avLst/>
-          </a:prstGeom>
-        </p:spPr>
-      </p:pic>
-      <p:pic>
-        <p:nvPicPr>
-          <p:cNvPr id="5" name="Picture 4" descr="Diagram, table&#10;&#10;Description automatically generated">
-            <a:extLst>
-              <a:ext uri="{FF2B5EF4-FFF2-40B4-BE49-F238E27FC236}">
-                <a16:creationId xmlns:a16="http://schemas.microsoft.com/office/drawing/2014/main" id="{C41F05A5-07DD-5317-F935-99F3067E6A93}"/>
-              </a:ext>
-            </a:extLst>
-          </p:cNvPr>
-          <p:cNvPicPr>
-            <a:picLocks noChangeAspect="1"/>
-          </p:cNvPicPr>
-          <p:nvPr/>
-        </p:nvPicPr>
-        <p:blipFill>
-          <a:blip r:embed="rId4"/>
-          <a:stretch>
-            <a:fillRect/>
-          </a:stretch>
-        </p:blipFill>
-        <p:spPr>
-          <a:xfrm>
-            <a:off x="6711950" y="1353050"/>
-            <a:ext cx="5817180" cy="4066675"/>
+            <a:off x="2851484" y="1217618"/>
+            <a:ext cx="6017795" cy="5572564"/>
           </a:xfrm>
           <a:prstGeom prst="rect">
             <a:avLst/>
@@ -11095,10 +11761,9 @@
               </a:lnSpc>
             </a:pPr>
             <a:r>
-              <a:rPr lang="en-GB" dirty="0"/>
+              <a:rPr lang="en-GB"/>
               <a:t>ER Diagram</a:t>
             </a:r>
-            <a:endParaRPr lang="en-GB"/>
           </a:p>
         </p:txBody>
       </p:sp>
@@ -11136,21 +11801,18 @@
               </a:spcAft>
             </a:pPr>
             <a:r>
-              <a:rPr lang="en-GB" dirty="0" err="1">
+              <a:rPr lang="en-GB">
                 <a:solidFill>
                   <a:prstClr val="black"/>
                 </a:solidFill>
               </a:rPr>
-              <a:t>Simplify’s</a:t>
-            </a:r>
-            <a:r>
-              <a:rPr lang="en-GB" dirty="0">
-                <a:solidFill>
-                  <a:prstClr val="black"/>
-                </a:solidFill>
-              </a:rPr>
-              <a:t> Design Specification</a:t>
-            </a:r>
+              <a:t>Simplify’s Design Specification</a:t>
+            </a:r>
+            <a:endParaRPr lang="en-GB" dirty="0">
+              <a:solidFill>
+                <a:prstClr val="black"/>
+              </a:solidFill>
+            </a:endParaRPr>
           </a:p>
         </p:txBody>
       </p:sp>
@@ -11255,7 +11917,7 @@
     </p:spTree>
     <p:extLst>
       <p:ext uri="{BB962C8B-B14F-4D97-AF65-F5344CB8AC3E}">
-        <p14:creationId xmlns:p14="http://schemas.microsoft.com/office/powerpoint/2010/main" val="3122597570"/>
+        <p14:creationId xmlns:p14="http://schemas.microsoft.com/office/powerpoint/2010/main" val="1715158086"/>
       </p:ext>
     </p:extLst>
   </p:cSld>
@@ -11300,22 +11962,25 @@
         </p:nvSpPr>
         <p:spPr>
           <a:xfrm>
-            <a:off x="331788" y="875030"/>
-            <a:ext cx="2384425" cy="5068570"/>
-          </a:xfrm>
-        </p:spPr>
-        <p:txBody>
-          <a:bodyPr rtlCol="0" anchor="b">
+            <a:off x="1000759" y="194783"/>
+            <a:ext cx="10022841" cy="760892"/>
+          </a:xfrm>
+        </p:spPr>
+        <p:txBody>
+          <a:bodyPr rtlCol="0" anchor="ctr">
             <a:normAutofit/>
           </a:bodyPr>
           <a:lstStyle/>
           <a:p>
-            <a:pPr rtl="0"/>
-            <a:r>
-              <a:rPr lang="en-GB"/>
-              <a:t>Site Map</a:t>
-            </a:r>
-            <a:endParaRPr lang="en-GB" dirty="0"/>
+            <a:pPr rtl="0">
+              <a:lnSpc>
+                <a:spcPct val="90000"/>
+              </a:lnSpc>
+            </a:pPr>
+            <a:r>
+              <a:rPr lang="en-GB" dirty="0"/>
+              <a:t>ER Diagram Description</a:t>
+            </a:r>
           </a:p>
         </p:txBody>
       </p:sp>
@@ -11337,8 +12002,8 @@
         </p:nvSpPr>
         <p:spPr>
           <a:xfrm>
-            <a:off x="199277" y="6356350"/>
-            <a:ext cx="2771138" cy="365125"/>
+            <a:off x="201168" y="6356350"/>
+            <a:ext cx="4837176" cy="365125"/>
           </a:xfrm>
         </p:spPr>
         <p:txBody>
@@ -11353,50 +12018,27 @@
               </a:spcAft>
             </a:pPr>
             <a:r>
-              <a:rPr lang="en-GB"/>
+              <a:rPr lang="en-GB">
+                <a:solidFill>
+                  <a:prstClr val="black"/>
+                </a:solidFill>
+              </a:rPr>
               <a:t>Simplify’s Design Specification</a:t>
             </a:r>
-            <a:endParaRPr lang="en-GB" dirty="0"/>
-          </a:p>
-        </p:txBody>
-      </p:sp>
-      <p:pic>
-        <p:nvPicPr>
-          <p:cNvPr id="3" name="Picture 2" descr="Diagram&#10;&#10;Description automatically generated">
-            <a:extLst>
-              <a:ext uri="{FF2B5EF4-FFF2-40B4-BE49-F238E27FC236}">
-                <a16:creationId xmlns:a16="http://schemas.microsoft.com/office/drawing/2014/main" id="{DFCD20F4-E63A-90EC-71D9-835ECB03BB3F}"/>
-              </a:ext>
-            </a:extLst>
-          </p:cNvPr>
-          <p:cNvPicPr>
-            <a:picLocks noChangeAspect="1"/>
-          </p:cNvPicPr>
-          <p:nvPr/>
-        </p:nvPicPr>
-        <p:blipFill>
-          <a:blip r:embed="rId3"/>
-          <a:stretch>
-            <a:fillRect/>
-          </a:stretch>
-        </p:blipFill>
-        <p:spPr>
-          <a:xfrm>
-            <a:off x="3092115" y="0"/>
-            <a:ext cx="7892717" cy="6787735"/>
-          </a:xfrm>
-          <a:prstGeom prst="rect">
-            <a:avLst/>
-          </a:prstGeom>
-          <a:noFill/>
-        </p:spPr>
-      </p:pic>
-      <p:sp>
-        <p:nvSpPr>
-          <p:cNvPr id="40" name="Date Placeholder 4">
-            <a:extLst>
-              <a:ext uri="{FF2B5EF4-FFF2-40B4-BE49-F238E27FC236}">
-                <a16:creationId xmlns:a16="http://schemas.microsoft.com/office/drawing/2014/main" id="{74BB7ECE-EB8A-25BC-FCD4-6B816311DDB4}"/>
+            <a:endParaRPr lang="en-GB" dirty="0">
+              <a:solidFill>
+                <a:prstClr val="black"/>
+              </a:solidFill>
+            </a:endParaRPr>
+          </a:p>
+        </p:txBody>
+      </p:sp>
+      <p:sp>
+        <p:nvSpPr>
+          <p:cNvPr id="6" name="Date Placeholder 5">
+            <a:extLst>
+              <a:ext uri="{FF2B5EF4-FFF2-40B4-BE49-F238E27FC236}">
+                <a16:creationId xmlns:a16="http://schemas.microsoft.com/office/drawing/2014/main" id="{6EF65B39-4112-473E-B203-73AC0F564D47}"/>
               </a:ext>
             </a:extLst>
           </p:cNvPr>
@@ -11414,17 +12056,18 @@
           </a:xfrm>
         </p:spPr>
         <p:txBody>
-          <a:bodyPr/>
+          <a:bodyPr rtlCol="0" anchor="ctr">
+            <a:normAutofit/>
+          </a:bodyPr>
           <a:lstStyle/>
           <a:p>
-            <a:pPr rtl="0">
+            <a:pPr lvl="0" rtl="0">
               <a:spcAft>
                 <a:spcPts val="600"/>
               </a:spcAft>
-              <a:defRPr/>
             </a:pPr>
             <a:r>
-              <a:rPr lang="en-GB" noProof="0" dirty="0">
+              <a:rPr lang="en-GB" dirty="0">
                 <a:solidFill>
                   <a:prstClr val="black"/>
                 </a:solidFill>
@@ -11491,7 +12134,7 @@
     </p:spTree>
     <p:extLst>
       <p:ext uri="{BB962C8B-B14F-4D97-AF65-F5344CB8AC3E}">
-        <p14:creationId xmlns:p14="http://schemas.microsoft.com/office/powerpoint/2010/main" val="3827175545"/>
+        <p14:creationId xmlns:p14="http://schemas.microsoft.com/office/powerpoint/2010/main" val="2626741358"/>
       </p:ext>
     </p:extLst>
   </p:cSld>
@@ -11518,12 +12161,90 @@
           <a:chExt cx="0" cy="0"/>
         </a:xfrm>
       </p:grpSpPr>
+      <p:sp>
+        <p:nvSpPr>
+          <p:cNvPr id="33" name="Title 32">
+            <a:extLst>
+              <a:ext uri="{FF2B5EF4-FFF2-40B4-BE49-F238E27FC236}">
+                <a16:creationId xmlns:a16="http://schemas.microsoft.com/office/drawing/2014/main" id="{2D22322F-E79D-4BEF-8038-DE2C8F5CCA40}"/>
+              </a:ext>
+            </a:extLst>
+          </p:cNvPr>
+          <p:cNvSpPr>
+            <a:spLocks noGrp="1"/>
+          </p:cNvSpPr>
+          <p:nvPr>
+            <p:ph type="title"/>
+          </p:nvPr>
+        </p:nvSpPr>
+        <p:spPr>
+          <a:xfrm>
+            <a:off x="331788" y="875030"/>
+            <a:ext cx="2384425" cy="5068570"/>
+          </a:xfrm>
+        </p:spPr>
+        <p:txBody>
+          <a:bodyPr rtlCol="0" anchor="b">
+            <a:normAutofit/>
+          </a:bodyPr>
+          <a:lstStyle/>
+          <a:p>
+            <a:pPr rtl="0"/>
+            <a:r>
+              <a:rPr lang="en-GB"/>
+              <a:t>Site Map</a:t>
+            </a:r>
+            <a:endParaRPr lang="en-GB" dirty="0"/>
+          </a:p>
+        </p:txBody>
+      </p:sp>
+      <p:sp>
+        <p:nvSpPr>
+          <p:cNvPr id="7" name="Footer Placeholder 6">
+            <a:extLst>
+              <a:ext uri="{FF2B5EF4-FFF2-40B4-BE49-F238E27FC236}">
+                <a16:creationId xmlns:a16="http://schemas.microsoft.com/office/drawing/2014/main" id="{C4A3939E-B573-4FB2-AD69-18C1A75F947B}"/>
+              </a:ext>
+            </a:extLst>
+          </p:cNvPr>
+          <p:cNvSpPr>
+            <a:spLocks noGrp="1"/>
+          </p:cNvSpPr>
+          <p:nvPr>
+            <p:ph type="ftr" sz="quarter" idx="11"/>
+          </p:nvPr>
+        </p:nvSpPr>
+        <p:spPr>
+          <a:xfrm>
+            <a:off x="199277" y="6356350"/>
+            <a:ext cx="2771138" cy="365125"/>
+          </a:xfrm>
+        </p:spPr>
+        <p:txBody>
+          <a:bodyPr rtlCol="0" anchor="ctr">
+            <a:normAutofit/>
+          </a:bodyPr>
+          <a:lstStyle/>
+          <a:p>
+            <a:pPr lvl="0" rtl="0">
+              <a:spcAft>
+                <a:spcPts val="600"/>
+              </a:spcAft>
+            </a:pPr>
+            <a:r>
+              <a:rPr lang="en-GB"/>
+              <a:t>Simplify’s Design Specification</a:t>
+            </a:r>
+            <a:endParaRPr lang="en-GB" dirty="0"/>
+          </a:p>
+        </p:txBody>
+      </p:sp>
       <p:pic>
         <p:nvPicPr>
-          <p:cNvPr id="35" name="Picture 34">
-            <a:extLst>
-              <a:ext uri="{FF2B5EF4-FFF2-40B4-BE49-F238E27FC236}">
-                <a16:creationId xmlns:a16="http://schemas.microsoft.com/office/drawing/2014/main" id="{D91926D4-AA00-DEAC-6F76-D14C85EEB953}"/>
+          <p:cNvPr id="3" name="Picture 2" descr="Diagram&#10;&#10;Description automatically generated">
+            <a:extLst>
+              <a:ext uri="{FF2B5EF4-FFF2-40B4-BE49-F238E27FC236}">
+                <a16:creationId xmlns:a16="http://schemas.microsoft.com/office/drawing/2014/main" id="{DFCD20F4-E63A-90EC-71D9-835ECB03BB3F}"/>
               </a:ext>
             </a:extLst>
           </p:cNvPr>
@@ -11532,15 +12253,16 @@
           </p:cNvPicPr>
           <p:nvPr/>
         </p:nvPicPr>
-        <p:blipFill rotWithShape="1">
+        <p:blipFill>
           <a:blip r:embed="rId3"/>
-          <a:srcRect t="14816" b="26743"/>
-          <a:stretch/>
+          <a:stretch>
+            <a:fillRect/>
+          </a:stretch>
         </p:blipFill>
         <p:spPr>
           <a:xfrm>
-            <a:off x="-2" y="10"/>
-            <a:ext cx="12192000" cy="6857990"/>
+            <a:off x="3092115" y="0"/>
+            <a:ext cx="7892717" cy="6787735"/>
           </a:xfrm>
           <a:prstGeom prst="rect">
             <a:avLst/>
@@ -11550,161 +12272,42 @@
       </p:pic>
       <p:sp>
         <p:nvSpPr>
-          <p:cNvPr id="33" name="Title 32">
-            <a:extLst>
-              <a:ext uri="{FF2B5EF4-FFF2-40B4-BE49-F238E27FC236}">
-                <a16:creationId xmlns:a16="http://schemas.microsoft.com/office/drawing/2014/main" id="{2D22322F-E79D-4BEF-8038-DE2C8F5CCA40}"/>
-              </a:ext>
-            </a:extLst>
-          </p:cNvPr>
-          <p:cNvSpPr>
-            <a:spLocks noGrp="1"/>
-          </p:cNvSpPr>
-          <p:nvPr>
-            <p:ph type="ctrTitle"/>
-          </p:nvPr>
-        </p:nvSpPr>
-        <p:spPr>
-          <a:xfrm>
-            <a:off x="1177636" y="-2"/>
-            <a:ext cx="11014364" cy="4100947"/>
-          </a:xfrm>
-        </p:spPr>
-        <p:txBody>
-          <a:bodyPr rtlCol="0" anchor="b">
-            <a:normAutofit/>
-          </a:bodyPr>
-          <a:lstStyle/>
-          <a:p>
-            <a:pPr rtl="0"/>
-            <a:r>
-              <a:rPr lang="en-GB">
-                <a:solidFill>
-                  <a:srgbClr val="FFFFFF"/>
-                </a:solidFill>
-              </a:rPr>
-              <a:t>Wireframes</a:t>
-            </a:r>
-          </a:p>
-        </p:txBody>
-      </p:sp>
-      <p:sp>
-        <p:nvSpPr>
-          <p:cNvPr id="39" name="Subtitle 3">
-            <a:extLst>
-              <a:ext uri="{FF2B5EF4-FFF2-40B4-BE49-F238E27FC236}">
-                <a16:creationId xmlns:a16="http://schemas.microsoft.com/office/drawing/2014/main" id="{D222BAF8-CCB0-D7CC-5341-05812443C885}"/>
-              </a:ext>
-            </a:extLst>
-          </p:cNvPr>
-          <p:cNvSpPr>
-            <a:spLocks noGrp="1"/>
-          </p:cNvSpPr>
-          <p:nvPr>
-            <p:ph type="subTitle" idx="1"/>
-          </p:nvPr>
-        </p:nvSpPr>
-        <p:spPr>
-          <a:xfrm>
-            <a:off x="3241963" y="4089656"/>
-            <a:ext cx="8950035" cy="2796566"/>
+          <p:cNvPr id="40" name="Date Placeholder 4">
+            <a:extLst>
+              <a:ext uri="{FF2B5EF4-FFF2-40B4-BE49-F238E27FC236}">
+                <a16:creationId xmlns:a16="http://schemas.microsoft.com/office/drawing/2014/main" id="{74BB7ECE-EB8A-25BC-FCD4-6B816311DDB4}"/>
+              </a:ext>
+            </a:extLst>
+          </p:cNvPr>
+          <p:cNvSpPr>
+            <a:spLocks noGrp="1"/>
+          </p:cNvSpPr>
+          <p:nvPr>
+            <p:ph type="dt" sz="half" idx="10"/>
+          </p:nvPr>
+        </p:nvSpPr>
+        <p:spPr>
+          <a:xfrm>
+            <a:off x="7013448" y="6355080"/>
+            <a:ext cx="4352544" cy="365125"/>
           </a:xfrm>
         </p:spPr>
         <p:txBody>
           <a:bodyPr/>
           <a:lstStyle/>
           <a:p>
-            <a:endParaRPr lang="en-US"/>
-          </a:p>
-        </p:txBody>
-      </p:sp>
-      <p:sp>
-        <p:nvSpPr>
-          <p:cNvPr id="7" name="Footer Placeholder 6">
-            <a:extLst>
-              <a:ext uri="{FF2B5EF4-FFF2-40B4-BE49-F238E27FC236}">
-                <a16:creationId xmlns:a16="http://schemas.microsoft.com/office/drawing/2014/main" id="{C4A3939E-B573-4FB2-AD69-18C1A75F947B}"/>
-              </a:ext>
-            </a:extLst>
-          </p:cNvPr>
-          <p:cNvSpPr>
-            <a:spLocks noGrp="1"/>
-          </p:cNvSpPr>
-          <p:nvPr>
-            <p:ph type="ftr" sz="quarter" idx="11"/>
-          </p:nvPr>
-        </p:nvSpPr>
-        <p:spPr>
-          <a:xfrm>
-            <a:off x="201168" y="6356350"/>
-            <a:ext cx="4837176" cy="365125"/>
-          </a:xfrm>
-        </p:spPr>
-        <p:txBody>
-          <a:bodyPr rtlCol="0" anchor="ctr">
-            <a:normAutofit/>
-          </a:bodyPr>
-          <a:lstStyle/>
-          <a:p>
-            <a:pPr lvl="0" rtl="0">
+            <a:pPr rtl="0">
               <a:spcAft>
                 <a:spcPts val="600"/>
               </a:spcAft>
+              <a:defRPr/>
             </a:pPr>
             <a:r>
-              <a:rPr lang="en-GB" dirty="0" err="1"/>
-              <a:t>Simplify’s</a:t>
-            </a:r>
-            <a:r>
-              <a:rPr lang="en-GB" dirty="0"/>
-              <a:t> </a:t>
-            </a:r>
-            <a:r>
-              <a:rPr lang="en-GB" dirty="0" err="1"/>
-              <a:t>Desgin</a:t>
-            </a:r>
-            <a:r>
-              <a:rPr lang="en-GB" dirty="0"/>
-              <a:t> Specification</a:t>
-            </a:r>
-          </a:p>
-        </p:txBody>
-      </p:sp>
-      <p:sp>
-        <p:nvSpPr>
-          <p:cNvPr id="6" name="Date Placeholder 5">
-            <a:extLst>
-              <a:ext uri="{FF2B5EF4-FFF2-40B4-BE49-F238E27FC236}">
-                <a16:creationId xmlns:a16="http://schemas.microsoft.com/office/drawing/2014/main" id="{6EF65B39-4112-473E-B203-73AC0F564D47}"/>
-              </a:ext>
-            </a:extLst>
-          </p:cNvPr>
-          <p:cNvSpPr>
-            <a:spLocks noGrp="1"/>
-          </p:cNvSpPr>
-          <p:nvPr>
-            <p:ph type="dt" sz="half" idx="10"/>
-          </p:nvPr>
-        </p:nvSpPr>
-        <p:spPr>
-          <a:xfrm>
-            <a:off x="7013448" y="6355080"/>
-            <a:ext cx="4352544" cy="365125"/>
-          </a:xfrm>
-        </p:spPr>
-        <p:txBody>
-          <a:bodyPr rtlCol="0" anchor="ctr">
-            <a:normAutofit/>
-          </a:bodyPr>
-          <a:lstStyle/>
-          <a:p>
-            <a:pPr lvl="0" rtl="0">
-              <a:spcAft>
-                <a:spcPts val="600"/>
-              </a:spcAft>
-            </a:pPr>
-            <a:r>
-              <a:rPr lang="en-GB" dirty="0"/>
+              <a:rPr lang="en-GB" noProof="0" dirty="0">
+                <a:solidFill>
+                  <a:prstClr val="black"/>
+                </a:solidFill>
+              </a:rPr>
               <a:t>2023</a:t>
             </a:r>
           </a:p>
@@ -11744,7 +12347,11 @@
               </a:spcAft>
             </a:pPr>
             <a:fld id="{06B786C7-B8F9-4072-AAAA-17258464D730}" type="slidenum">
-              <a:rPr lang="en-GB" smtClean="0"/>
+              <a:rPr lang="en-GB" smtClean="0">
+                <a:solidFill>
+                  <a:prstClr val="black"/>
+                </a:solidFill>
+              </a:rPr>
               <a:pPr lvl="0" rtl="0">
                 <a:spcAft>
                   <a:spcPts val="600"/>
@@ -11752,14 +12359,18 @@
               </a:pPr>
               <a:t>9</a:t>
             </a:fld>
-            <a:endParaRPr lang="en-GB"/>
+            <a:endParaRPr lang="en-GB">
+              <a:solidFill>
+                <a:prstClr val="black"/>
+              </a:solidFill>
+            </a:endParaRPr>
           </a:p>
         </p:txBody>
       </p:sp>
     </p:spTree>
     <p:extLst>
       <p:ext uri="{BB962C8B-B14F-4D97-AF65-F5344CB8AC3E}">
-        <p14:creationId xmlns:p14="http://schemas.microsoft.com/office/powerpoint/2010/main" val="3959576484"/>
+        <p14:creationId xmlns:p14="http://schemas.microsoft.com/office/powerpoint/2010/main" val="3827175545"/>
       </p:ext>
     </p:extLst>
   </p:cSld>
@@ -12561,15 +13172,6 @@
 </file>
 
 <file path=customXml/item1.xml><?xml version="1.0" encoding="utf-8"?>
-<?mso-contentType ?>
-<FormTemplates xmlns="http://schemas.microsoft.com/sharepoint/v3/contenttype/forms">
-  <Display>DocumentLibraryForm</Display>
-  <Edit>DocumentLibraryForm</Edit>
-  <New>DocumentLibraryForm</New>
-</FormTemplates>
-</file>
-
-<file path=customXml/item2.xml><?xml version="1.0" encoding="utf-8"?>
 <p:properties xmlns:p="http://schemas.microsoft.com/office/2006/metadata/properties" xmlns:xsi="http://www.w3.org/2001/XMLSchema-instance" xmlns:pc="http://schemas.microsoft.com/office/infopath/2007/PartnerControls">
   <documentManagement>
     <Status xmlns="71af3243-3dd4-4a8d-8c0d-dd76da1f02a5">Not started</Status>
@@ -12586,6 +13188,15 @@
     <MediaServiceKeyPoints xmlns="71af3243-3dd4-4a8d-8c0d-dd76da1f02a5" xsi:nil="true"/>
   </documentManagement>
 </p:properties>
+</file>
+
+<file path=customXml/item2.xml><?xml version="1.0" encoding="utf-8"?>
+<?mso-contentType ?>
+<FormTemplates xmlns="http://schemas.microsoft.com/sharepoint/v3/contenttype/forms">
+  <Display>DocumentLibraryForm</Display>
+  <Edit>DocumentLibraryForm</Edit>
+  <New>DocumentLibraryForm</New>
+</FormTemplates>
 </file>
 
 <file path=customXml/item3.xml><?xml version="1.0" encoding="utf-8"?>
@@ -12865,14 +13476,6 @@
 </file>
 
 <file path=customXml/itemProps1.xml><?xml version="1.0" encoding="utf-8"?>
-<ds:datastoreItem xmlns:ds="http://schemas.openxmlformats.org/officeDocument/2006/customXml" ds:itemID="{A5CCB28C-7D26-4A36-9CFC-D739C28F3D18}">
-  <ds:schemaRefs>
-    <ds:schemaRef ds:uri="http://schemas.microsoft.com/sharepoint/v3/contenttype/forms"/>
-  </ds:schemaRefs>
-</ds:datastoreItem>
-</file>
-
-<file path=customXml/itemProps2.xml><?xml version="1.0" encoding="utf-8"?>
 <ds:datastoreItem xmlns:ds="http://schemas.openxmlformats.org/officeDocument/2006/customXml" ds:itemID="{08757C30-AE9A-4680-90EB-19D282EC2B7C}">
   <ds:schemaRefs>
     <ds:schemaRef ds:uri="http://schemas.microsoft.com/office/2006/metadata/properties"/>
@@ -12880,6 +13483,14 @@
     <ds:schemaRef ds:uri="71af3243-3dd4-4a8d-8c0d-dd76da1f02a5"/>
     <ds:schemaRef ds:uri="http://schemas.microsoft.com/sharepoint/v3"/>
     <ds:schemaRef ds:uri="230e9df3-be65-4c73-a93b-d1236ebd677e"/>
+  </ds:schemaRefs>
+</ds:datastoreItem>
+</file>
+
+<file path=customXml/itemProps2.xml><?xml version="1.0" encoding="utf-8"?>
+<ds:datastoreItem xmlns:ds="http://schemas.openxmlformats.org/officeDocument/2006/customXml" ds:itemID="{A5CCB28C-7D26-4A36-9CFC-D739C28F3D18}">
+  <ds:schemaRefs>
+    <ds:schemaRef ds:uri="http://schemas.microsoft.com/sharepoint/v3/contenttype/forms"/>
   </ds:schemaRefs>
 </ds:datastoreItem>
 </file>

--- a/Design specification/ITech_GP.pptx
+++ b/Design specification/ITech_GP.pptx
@@ -5,29 +5,28 @@
     <p:sldMasterId id="2147483648" r:id="rId4"/>
   </p:sldMasterIdLst>
   <p:notesMasterIdLst>
-    <p:notesMasterId r:id="rId22"/>
+    <p:notesMasterId r:id="rId21"/>
   </p:notesMasterIdLst>
   <p:handoutMasterIdLst>
-    <p:handoutMasterId r:id="rId23"/>
+    <p:handoutMasterId r:id="rId22"/>
   </p:handoutMasterIdLst>
   <p:sldIdLst>
     <p:sldId id="256" r:id="rId5"/>
     <p:sldId id="266" r:id="rId6"/>
-    <p:sldId id="263" r:id="rId7"/>
-    <p:sldId id="267" r:id="rId8"/>
-    <p:sldId id="273" r:id="rId9"/>
-    <p:sldId id="280" r:id="rId10"/>
-    <p:sldId id="289" r:id="rId11"/>
-    <p:sldId id="290" r:id="rId12"/>
-    <p:sldId id="282" r:id="rId13"/>
-    <p:sldId id="283" r:id="rId14"/>
-    <p:sldId id="284" r:id="rId15"/>
-    <p:sldId id="285" r:id="rId16"/>
-    <p:sldId id="286" r:id="rId17"/>
-    <p:sldId id="287" r:id="rId18"/>
-    <p:sldId id="288" r:id="rId19"/>
-    <p:sldId id="271" r:id="rId20"/>
-    <p:sldId id="276" r:id="rId21"/>
+    <p:sldId id="267" r:id="rId7"/>
+    <p:sldId id="273" r:id="rId8"/>
+    <p:sldId id="280" r:id="rId9"/>
+    <p:sldId id="289" r:id="rId10"/>
+    <p:sldId id="290" r:id="rId11"/>
+    <p:sldId id="282" r:id="rId12"/>
+    <p:sldId id="283" r:id="rId13"/>
+    <p:sldId id="284" r:id="rId14"/>
+    <p:sldId id="285" r:id="rId15"/>
+    <p:sldId id="286" r:id="rId16"/>
+    <p:sldId id="287" r:id="rId17"/>
+    <p:sldId id="288" r:id="rId18"/>
+    <p:sldId id="271" r:id="rId19"/>
+    <p:sldId id="276" r:id="rId20"/>
   </p:sldIdLst>
   <p:sldSz cx="12192000" cy="6858000"/>
   <p:notesSz cx="6858000" cy="9144000"/>
@@ -233,7 +232,7 @@
             <a:pPr rtl="0"/>
             <a:fld id="{91B07DD3-8E0C-4A50-B5FE-ABD362AD454B}" type="datetime1">
               <a:rPr lang="en-GB" smtClean="0"/>
-              <a:t>15/02/2023</a:t>
+              <a:t>16/02/2023</a:t>
             </a:fld>
             <a:endParaRPr lang="en-GB"/>
           </a:p>
@@ -415,7 +414,7 @@
             <a:pPr rtl="0"/>
             <a:fld id="{6CED090A-610C-4D83-921E-93394EF804D0}" type="datetime1">
               <a:rPr lang="en-GB" noProof="0" smtClean="0"/>
-              <a:t>15/02/2023</a:t>
+              <a:t>16/02/2023</a:t>
             </a:fld>
             <a:endParaRPr lang="en-GB" noProof="0"/>
           </a:p>
@@ -837,7 +836,7 @@
             <a:pPr rtl="0"/>
             <a:fld id="{798C5307-140F-447F-BCBA-BB92E3A2906B}" type="slidenum">
               <a:rPr lang="en-GB" smtClean="0"/>
-              <a:t>10</a:t>
+              <a:t>15</a:t>
             </a:fld>
             <a:endParaRPr lang="en-GB"/>
           </a:p>
@@ -846,7 +845,7 @@
     </p:spTree>
     <p:extLst>
       <p:ext uri="{BB962C8B-B14F-4D97-AF65-F5344CB8AC3E}">
-        <p14:creationId xmlns:p14="http://schemas.microsoft.com/office/powerpoint/2010/main" val="1968961000"/>
+        <p14:creationId xmlns:p14="http://schemas.microsoft.com/office/powerpoint/2010/main" val="3262418919"/>
       </p:ext>
     </p:extLst>
   </p:cSld>
@@ -897,9 +896,10 @@
         </p:nvSpPr>
         <p:spPr/>
         <p:txBody>
-          <a:bodyPr/>
+          <a:bodyPr rtlCol="0"/>
           <a:lstStyle/>
           <a:p>
+            <a:pPr rtl="0"/>
             <a:endParaRPr lang="en-GB"/>
           </a:p>
         </p:txBody>
@@ -916,99 +916,13 @@
         </p:nvSpPr>
         <p:spPr/>
         <p:txBody>
-          <a:bodyPr/>
+          <a:bodyPr rtlCol="0"/>
           <a:lstStyle/>
           <a:p>
             <a:pPr rtl="0"/>
             <a:fld id="{798C5307-140F-447F-BCBA-BB92E3A2906B}" type="slidenum">
               <a:rPr lang="en-GB" smtClean="0"/>
               <a:t>16</a:t>
-            </a:fld>
-            <a:endParaRPr lang="en-GB"/>
-          </a:p>
-        </p:txBody>
-      </p:sp>
-    </p:spTree>
-    <p:extLst>
-      <p:ext uri="{BB962C8B-B14F-4D97-AF65-F5344CB8AC3E}">
-        <p14:creationId xmlns:p14="http://schemas.microsoft.com/office/powerpoint/2010/main" val="3262418919"/>
-      </p:ext>
-    </p:extLst>
-  </p:cSld>
-  <p:clrMapOvr>
-    <a:masterClrMapping/>
-  </p:clrMapOvr>
-</p:notes>
-</file>
-
-<file path=ppt/notesSlides/notesSlide12.xml><?xml version="1.0" encoding="utf-8"?>
-<p:notes xmlns:a="http://schemas.openxmlformats.org/drawingml/2006/main" xmlns:r="http://schemas.openxmlformats.org/officeDocument/2006/relationships" xmlns:p="http://schemas.openxmlformats.org/presentationml/2006/main">
-  <p:cSld>
-    <p:spTree>
-      <p:nvGrpSpPr>
-        <p:cNvPr id="1" name=""/>
-        <p:cNvGrpSpPr/>
-        <p:nvPr/>
-      </p:nvGrpSpPr>
-      <p:grpSpPr>
-        <a:xfrm>
-          <a:off x="0" y="0"/>
-          <a:ext cx="0" cy="0"/>
-          <a:chOff x="0" y="0"/>
-          <a:chExt cx="0" cy="0"/>
-        </a:xfrm>
-      </p:grpSpPr>
-      <p:sp>
-        <p:nvSpPr>
-          <p:cNvPr id="2" name="Slide Image Placeholder 1"/>
-          <p:cNvSpPr>
-            <a:spLocks noGrp="1" noRot="1" noChangeAspect="1"/>
-          </p:cNvSpPr>
-          <p:nvPr>
-            <p:ph type="sldImg"/>
-          </p:nvPr>
-        </p:nvSpPr>
-        <p:spPr/>
-      </p:sp>
-      <p:sp>
-        <p:nvSpPr>
-          <p:cNvPr id="3" name="Notes Placeholder 2"/>
-          <p:cNvSpPr>
-            <a:spLocks noGrp="1"/>
-          </p:cNvSpPr>
-          <p:nvPr>
-            <p:ph type="body" idx="1"/>
-          </p:nvPr>
-        </p:nvSpPr>
-        <p:spPr/>
-        <p:txBody>
-          <a:bodyPr rtlCol="0"/>
-          <a:lstStyle/>
-          <a:p>
-            <a:pPr rtl="0"/>
-            <a:endParaRPr lang="en-GB"/>
-          </a:p>
-        </p:txBody>
-      </p:sp>
-      <p:sp>
-        <p:nvSpPr>
-          <p:cNvPr id="4" name="Slide Number Placeholder 3"/>
-          <p:cNvSpPr>
-            <a:spLocks noGrp="1"/>
-          </p:cNvSpPr>
-          <p:nvPr>
-            <p:ph type="sldNum" sz="quarter" idx="5"/>
-          </p:nvPr>
-        </p:nvSpPr>
-        <p:spPr/>
-        <p:txBody>
-          <a:bodyPr rtlCol="0"/>
-          <a:lstStyle/>
-          <a:p>
-            <a:pPr rtl="0"/>
-            <a:fld id="{798C5307-140F-447F-BCBA-BB92E3A2906B}" type="slidenum">
-              <a:rPr lang="en-GB" smtClean="0"/>
-              <a:t>17</a:t>
             </a:fld>
             <a:endParaRPr lang="en-GB"/>
           </a:p>
@@ -1229,101 +1143,41 @@
         </p:nvSpPr>
         <p:spPr/>
         <p:txBody>
-          <a:bodyPr rtlCol="0"/>
+          <a:bodyPr/>
           <a:lstStyle/>
           <a:p>
+            <a:endParaRPr lang="en-GB"/>
+          </a:p>
+        </p:txBody>
+      </p:sp>
+      <p:sp>
+        <p:nvSpPr>
+          <p:cNvPr id="4" name="Slide Number Placeholder 3"/>
+          <p:cNvSpPr>
+            <a:spLocks noGrp="1"/>
+          </p:cNvSpPr>
+          <p:nvPr>
+            <p:ph type="sldNum" sz="quarter" idx="5"/>
+          </p:nvPr>
+        </p:nvSpPr>
+        <p:spPr/>
+        <p:txBody>
+          <a:bodyPr/>
+          <a:lstStyle/>
+          <a:p>
             <a:pPr rtl="0"/>
-            <a:endParaRPr lang="en-GB"/>
-          </a:p>
-        </p:txBody>
-      </p:sp>
-      <p:sp>
-        <p:nvSpPr>
-          <p:cNvPr id="4" name="Slide Number Placeholder 3"/>
-          <p:cNvSpPr>
-            <a:spLocks noGrp="1"/>
-          </p:cNvSpPr>
-          <p:nvPr>
-            <p:ph type="sldNum" sz="quarter" idx="5"/>
-          </p:nvPr>
-        </p:nvSpPr>
-        <p:spPr/>
-        <p:txBody>
-          <a:bodyPr rtlCol="0"/>
-          <a:lstStyle/>
-          <a:p>
-            <a:pPr marL="0" marR="0" lvl="0" indent="0" algn="r" defTabSz="914400" rtl="0" eaLnBrk="1" fontAlgn="auto" latinLnBrk="0" hangingPunct="1">
-              <a:lnSpc>
-                <a:spcPct val="100000"/>
-              </a:lnSpc>
-              <a:spcBef>
-                <a:spcPts val="0"/>
-              </a:spcBef>
-              <a:spcAft>
-                <a:spcPts val="0"/>
-              </a:spcAft>
-              <a:buClrTx/>
-              <a:buSzTx/>
-              <a:buFontTx/>
-              <a:buNone/>
-              <a:tabLst/>
-              <a:defRPr/>
-            </a:pPr>
-            <a:fld id="{12E1B3B4-A5A9-442E-B305-2C1B61528B9D}" type="slidenum">
-              <a:rPr kumimoji="0" lang="en-GB" sz="1200" b="0" i="0" u="none" strike="noStrike" kern="1200" cap="none" spc="0" normalizeH="0" baseline="0" smtClean="0">
-                <a:ln>
-                  <a:noFill/>
-                </a:ln>
-                <a:solidFill>
-                  <a:prstClr val="black"/>
-                </a:solidFill>
-                <a:effectLst/>
-                <a:uLnTx/>
-                <a:uFillTx/>
-                <a:latin typeface="Calibri" panose="020F0502020204030204"/>
-                <a:ea typeface="+mn-ea"/>
-                <a:cs typeface="+mn-cs"/>
-              </a:rPr>
-              <a:pPr marL="0" marR="0" lvl="0" indent="0" algn="r" defTabSz="914400" rtl="0" eaLnBrk="1" fontAlgn="auto" latinLnBrk="0" hangingPunct="1">
-                <a:lnSpc>
-                  <a:spcPct val="100000"/>
-                </a:lnSpc>
-                <a:spcBef>
-                  <a:spcPts val="0"/>
-                </a:spcBef>
-                <a:spcAft>
-                  <a:spcPts val="0"/>
-                </a:spcAft>
-                <a:buClrTx/>
-                <a:buSzTx/>
-                <a:buFontTx/>
-                <a:buNone/>
-                <a:tabLst/>
-                <a:defRPr/>
-              </a:pPr>
+            <a:fld id="{798C5307-140F-447F-BCBA-BB92E3A2906B}" type="slidenum">
+              <a:rPr lang="en-GB" smtClean="0"/>
               <a:t>3</a:t>
             </a:fld>
-            <a:endParaRPr kumimoji="0" lang="en-GB" sz="1200" b="0" i="0" u="none" strike="noStrike" kern="1200" cap="none" spc="0" normalizeH="0" baseline="0">
-              <a:ln>
-                <a:noFill/>
-              </a:ln>
-              <a:solidFill>
-                <a:prstClr val="black"/>
-              </a:solidFill>
-              <a:effectLst/>
-              <a:uLnTx/>
-              <a:uFillTx/>
-              <a:latin typeface="Calibri" panose="020F0502020204030204"/>
-              <a:ea typeface="+mn-ea"/>
-              <a:cs typeface="+mn-cs"/>
-            </a:endParaRPr>
+            <a:endParaRPr lang="en-GB"/>
           </a:p>
         </p:txBody>
       </p:sp>
     </p:spTree>
     <p:extLst>
       <p:ext uri="{BB962C8B-B14F-4D97-AF65-F5344CB8AC3E}">
-        <p14:creationId xmlns:p14="http://schemas.microsoft.com/office/powerpoint/2010/main" val="533555847"/>
+        <p14:creationId xmlns:p14="http://schemas.microsoft.com/office/powerpoint/2010/main" val="1396359238"/>
       </p:ext>
     </p:extLst>
   </p:cSld>
@@ -1408,7 +1262,7 @@
     </p:spTree>
     <p:extLst>
       <p:ext uri="{BB962C8B-B14F-4D97-AF65-F5344CB8AC3E}">
-        <p14:creationId xmlns:p14="http://schemas.microsoft.com/office/powerpoint/2010/main" val="1396359238"/>
+        <p14:creationId xmlns:p14="http://schemas.microsoft.com/office/powerpoint/2010/main" val="233104600"/>
       </p:ext>
     </p:extLst>
   </p:cSld>
@@ -1493,7 +1347,7 @@
     </p:spTree>
     <p:extLst>
       <p:ext uri="{BB962C8B-B14F-4D97-AF65-F5344CB8AC3E}">
-        <p14:creationId xmlns:p14="http://schemas.microsoft.com/office/powerpoint/2010/main" val="233104600"/>
+        <p14:creationId xmlns:p14="http://schemas.microsoft.com/office/powerpoint/2010/main" val="1560164768"/>
       </p:ext>
     </p:extLst>
   </p:cSld>
@@ -1578,7 +1432,7 @@
     </p:spTree>
     <p:extLst>
       <p:ext uri="{BB962C8B-B14F-4D97-AF65-F5344CB8AC3E}">
-        <p14:creationId xmlns:p14="http://schemas.microsoft.com/office/powerpoint/2010/main" val="1560164768"/>
+        <p14:creationId xmlns:p14="http://schemas.microsoft.com/office/powerpoint/2010/main" val="1029267211"/>
       </p:ext>
     </p:extLst>
   </p:cSld>
@@ -1663,7 +1517,7 @@
     </p:spTree>
     <p:extLst>
       <p:ext uri="{BB962C8B-B14F-4D97-AF65-F5344CB8AC3E}">
-        <p14:creationId xmlns:p14="http://schemas.microsoft.com/office/powerpoint/2010/main" val="1029267211"/>
+        <p14:creationId xmlns:p14="http://schemas.microsoft.com/office/powerpoint/2010/main" val="558030550"/>
       </p:ext>
     </p:extLst>
   </p:cSld>
@@ -1748,7 +1602,7 @@
     </p:spTree>
     <p:extLst>
       <p:ext uri="{BB962C8B-B14F-4D97-AF65-F5344CB8AC3E}">
-        <p14:creationId xmlns:p14="http://schemas.microsoft.com/office/powerpoint/2010/main" val="558030550"/>
+        <p14:creationId xmlns:p14="http://schemas.microsoft.com/office/powerpoint/2010/main" val="409207925"/>
       </p:ext>
     </p:extLst>
   </p:cSld>
@@ -1833,7 +1687,7 @@
     </p:spTree>
     <p:extLst>
       <p:ext uri="{BB962C8B-B14F-4D97-AF65-F5344CB8AC3E}">
-        <p14:creationId xmlns:p14="http://schemas.microsoft.com/office/powerpoint/2010/main" val="409207925"/>
+        <p14:creationId xmlns:p14="http://schemas.microsoft.com/office/powerpoint/2010/main" val="1968961000"/>
       </p:ext>
     </p:extLst>
   </p:cSld>
@@ -7891,7 +7745,353 @@
 </file>
 
 <file path=ppt/slides/slide10.xml><?xml version="1.0" encoding="utf-8"?>
-<p:sld xmlns:a="http://schemas.openxmlformats.org/drawingml/2006/main" xmlns:r="http://schemas.openxmlformats.org/officeDocument/2006/relationships" xmlns:p="http://schemas.openxmlformats.org/presentationml/2006/main">
+<p:sld xmlns:a="http://schemas.openxmlformats.org/drawingml/2006/main" xmlns:r="http://schemas.openxmlformats.org/officeDocument/2006/relationships" xmlns:p="http://schemas.openxmlformats.org/presentationml/2006/main" showMasterSp="0">
+  <p:cSld>
+    <p:spTree>
+      <p:nvGrpSpPr>
+        <p:cNvPr id="1" name=""/>
+        <p:cNvGrpSpPr/>
+        <p:nvPr/>
+      </p:nvGrpSpPr>
+      <p:grpSpPr>
+        <a:xfrm>
+          <a:off x="0" y="0"/>
+          <a:ext cx="0" cy="0"/>
+          <a:chOff x="0" y="0"/>
+          <a:chExt cx="0" cy="0"/>
+        </a:xfrm>
+      </p:grpSpPr>
+      <p:sp>
+        <p:nvSpPr>
+          <p:cNvPr id="5" name="Footer Placeholder 4">
+            <a:extLst>
+              <a:ext uri="{FF2B5EF4-FFF2-40B4-BE49-F238E27FC236}">
+                <a16:creationId xmlns:a16="http://schemas.microsoft.com/office/drawing/2014/main" id="{C3FFE25E-79B4-30C7-9499-8070B006ACE4}"/>
+              </a:ext>
+            </a:extLst>
+          </p:cNvPr>
+          <p:cNvSpPr>
+            <a:spLocks noGrp="1"/>
+          </p:cNvSpPr>
+          <p:nvPr>
+            <p:ph type="ftr" sz="quarter" idx="11"/>
+          </p:nvPr>
+        </p:nvSpPr>
+        <p:spPr>
+          <a:xfrm>
+            <a:off x="199277" y="6356350"/>
+            <a:ext cx="2771138" cy="365125"/>
+          </a:xfrm>
+        </p:spPr>
+        <p:txBody>
+          <a:bodyPr vert="horz" lIns="91440" tIns="45720" rIns="91440" bIns="45720" rtlCol="0" anchor="ctr">
+            <a:normAutofit/>
+          </a:bodyPr>
+          <a:lstStyle/>
+          <a:p>
+            <a:pPr lvl="0" rtl="0">
+              <a:spcAft>
+                <a:spcPts val="600"/>
+              </a:spcAft>
+            </a:pPr>
+            <a:r>
+              <a:rPr lang="en-GB" dirty="0" err="1">
+                <a:solidFill>
+                  <a:prstClr val="black"/>
+                </a:solidFill>
+              </a:rPr>
+              <a:t>Simplify’s</a:t>
+            </a:r>
+            <a:r>
+              <a:rPr lang="en-GB" dirty="0">
+                <a:solidFill>
+                  <a:prstClr val="black"/>
+                </a:solidFill>
+              </a:rPr>
+              <a:t> Design Specification</a:t>
+            </a:r>
+          </a:p>
+        </p:txBody>
+      </p:sp>
+      <p:pic>
+        <p:nvPicPr>
+          <p:cNvPr id="6" name="Picture Placeholder 5" descr="Diagram&#10;&#10;Description automatically generated">
+            <a:extLst>
+              <a:ext uri="{FF2B5EF4-FFF2-40B4-BE49-F238E27FC236}">
+                <a16:creationId xmlns:a16="http://schemas.microsoft.com/office/drawing/2014/main" id="{603F8659-C7CB-D6F5-D44C-6DE82A058B82}"/>
+              </a:ext>
+            </a:extLst>
+          </p:cNvPr>
+          <p:cNvPicPr>
+            <a:picLocks noGrp="1" noChangeAspect="1"/>
+          </p:cNvPicPr>
+          <p:nvPr>
+            <p:ph sz="quarter" idx="14"/>
+          </p:nvPr>
+        </p:nvPicPr>
+        <p:blipFill>
+          <a:blip r:embed="rId2"/>
+          <a:stretch>
+            <a:fillRect/>
+          </a:stretch>
+        </p:blipFill>
+        <p:spPr>
+          <a:xfrm>
+            <a:off x="2299336" y="0"/>
+            <a:ext cx="9428223" cy="6835462"/>
+          </a:xfrm>
+          <a:noFill/>
+        </p:spPr>
+      </p:pic>
+      <p:sp>
+        <p:nvSpPr>
+          <p:cNvPr id="7" name="Slide Number Placeholder 6" hidden="1">
+            <a:extLst>
+              <a:ext uri="{FF2B5EF4-FFF2-40B4-BE49-F238E27FC236}">
+                <a16:creationId xmlns:a16="http://schemas.microsoft.com/office/drawing/2014/main" id="{087AD737-0221-568D-9E9A-5E1DC81ACCBC}"/>
+              </a:ext>
+            </a:extLst>
+          </p:cNvPr>
+          <p:cNvSpPr>
+            <a:spLocks noGrp="1"/>
+          </p:cNvSpPr>
+          <p:nvPr>
+            <p:ph type="sldNum" sz="quarter" idx="12"/>
+          </p:nvPr>
+        </p:nvSpPr>
+        <p:spPr>
+          <a:xfrm>
+            <a:off x="11365992" y="6356350"/>
+            <a:ext cx="630936" cy="365125"/>
+          </a:xfrm>
+        </p:spPr>
+        <p:txBody>
+          <a:bodyPr anchor="ctr">
+            <a:normAutofit/>
+          </a:bodyPr>
+          <a:lstStyle/>
+          <a:p>
+            <a:pPr rtl="0">
+              <a:spcAft>
+                <a:spcPts val="600"/>
+              </a:spcAft>
+              <a:defRPr/>
+            </a:pPr>
+            <a:fld id="{CD6D940D-6D44-4DF9-9322-B4B11F7EDCD0}" type="slidenum">
+              <a:rPr lang="en-GB" noProof="0" smtClean="0">
+                <a:solidFill>
+                  <a:prstClr val="black"/>
+                </a:solidFill>
+                <a:effectLst>
+                  <a:outerShdw blurRad="38100" dist="38100" dir="2700000" algn="tl">
+                    <a:srgbClr val="000000">
+                      <a:alpha val="43137"/>
+                    </a:srgbClr>
+                  </a:outerShdw>
+                </a:effectLst>
+              </a:rPr>
+              <a:pPr rtl="0">
+                <a:spcAft>
+                  <a:spcPts val="600"/>
+                </a:spcAft>
+                <a:defRPr/>
+              </a:pPr>
+              <a:t>10</a:t>
+            </a:fld>
+            <a:endParaRPr lang="en-GB" noProof="0">
+              <a:solidFill>
+                <a:prstClr val="black"/>
+              </a:solidFill>
+              <a:effectLst>
+                <a:outerShdw blurRad="38100" dist="38100" dir="2700000" algn="tl">
+                  <a:srgbClr val="000000">
+                    <a:alpha val="43137"/>
+                  </a:srgbClr>
+                </a:outerShdw>
+              </a:effectLst>
+            </a:endParaRPr>
+          </a:p>
+        </p:txBody>
+      </p:sp>
+      <p:sp>
+        <p:nvSpPr>
+          <p:cNvPr id="8" name="Date Placeholder 2">
+            <a:extLst>
+              <a:ext uri="{FF2B5EF4-FFF2-40B4-BE49-F238E27FC236}">
+                <a16:creationId xmlns:a16="http://schemas.microsoft.com/office/drawing/2014/main" id="{49E70A7C-319E-2BA5-DFA5-A650B5519BD7}"/>
+              </a:ext>
+            </a:extLst>
+          </p:cNvPr>
+          <p:cNvSpPr>
+            <a:spLocks noGrp="1"/>
+          </p:cNvSpPr>
+          <p:nvPr>
+            <p:ph type="dt" sz="half" idx="10"/>
+          </p:nvPr>
+        </p:nvSpPr>
+        <p:spPr>
+          <a:xfrm>
+            <a:off x="7009243" y="6356350"/>
+            <a:ext cx="4352544" cy="365125"/>
+          </a:xfrm>
+        </p:spPr>
+        <p:txBody>
+          <a:bodyPr rtlCol="0"/>
+          <a:lstStyle/>
+          <a:p>
+            <a:pPr lvl="0" rtl="0"/>
+            <a:r>
+              <a:rPr lang="en-GB" dirty="0"/>
+              <a:t>2023</a:t>
+            </a:r>
+          </a:p>
+        </p:txBody>
+      </p:sp>
+      <p:sp>
+        <p:nvSpPr>
+          <p:cNvPr id="10" name="Slide Number Placeholder 4">
+            <a:extLst>
+              <a:ext uri="{FF2B5EF4-FFF2-40B4-BE49-F238E27FC236}">
+                <a16:creationId xmlns:a16="http://schemas.microsoft.com/office/drawing/2014/main" id="{DF554A11-A127-B034-F6BC-57D3B1DFF922}"/>
+              </a:ext>
+            </a:extLst>
+          </p:cNvPr>
+          <p:cNvSpPr txBox="1">
+            <a:spLocks/>
+          </p:cNvSpPr>
+          <p:nvPr/>
+        </p:nvSpPr>
+        <p:spPr>
+          <a:xfrm>
+            <a:off x="11361787" y="6357620"/>
+            <a:ext cx="630936" cy="365125"/>
+          </a:xfrm>
+          <a:prstGeom prst="rect">
+            <a:avLst/>
+          </a:prstGeom>
+        </p:spPr>
+        <p:txBody>
+          <a:bodyPr vert="horz" lIns="91440" tIns="45720" rIns="91440" bIns="45720" rtlCol="0" anchor="ctr"/>
+          <a:lstStyle>
+            <a:defPPr rtl="0">
+              <a:defRPr lang="en-us"/>
+            </a:defPPr>
+            <a:lvl1pPr marL="0" algn="r" defTabSz="914400" rtl="0" eaLnBrk="1" latinLnBrk="0" hangingPunct="1">
+              <a:defRPr sz="1050" kern="1200">
+                <a:solidFill>
+                  <a:schemeClr val="tx1"/>
+                </a:solidFill>
+                <a:latin typeface="+mn-lt"/>
+                <a:ea typeface="+mn-ea"/>
+                <a:cs typeface="+mn-cs"/>
+              </a:defRPr>
+            </a:lvl1pPr>
+            <a:lvl2pPr marL="457200" algn="l" defTabSz="914400" rtl="0" eaLnBrk="1" latinLnBrk="0" hangingPunct="1">
+              <a:defRPr sz="1800" kern="1200">
+                <a:solidFill>
+                  <a:schemeClr val="tx1"/>
+                </a:solidFill>
+                <a:latin typeface="+mn-lt"/>
+                <a:ea typeface="+mn-ea"/>
+                <a:cs typeface="+mn-cs"/>
+              </a:defRPr>
+            </a:lvl2pPr>
+            <a:lvl3pPr marL="914400" algn="l" defTabSz="914400" rtl="0" eaLnBrk="1" latinLnBrk="0" hangingPunct="1">
+              <a:defRPr sz="1800" kern="1200">
+                <a:solidFill>
+                  <a:schemeClr val="tx1"/>
+                </a:solidFill>
+                <a:latin typeface="+mn-lt"/>
+                <a:ea typeface="+mn-ea"/>
+                <a:cs typeface="+mn-cs"/>
+              </a:defRPr>
+            </a:lvl3pPr>
+            <a:lvl4pPr marL="1371600" algn="l" defTabSz="914400" rtl="0" eaLnBrk="1" latinLnBrk="0" hangingPunct="1">
+              <a:defRPr sz="1800" kern="1200">
+                <a:solidFill>
+                  <a:schemeClr val="tx1"/>
+                </a:solidFill>
+                <a:latin typeface="+mn-lt"/>
+                <a:ea typeface="+mn-ea"/>
+                <a:cs typeface="+mn-cs"/>
+              </a:defRPr>
+            </a:lvl4pPr>
+            <a:lvl5pPr marL="1828800" algn="l" defTabSz="914400" rtl="0" eaLnBrk="1" latinLnBrk="0" hangingPunct="1">
+              <a:defRPr sz="1800" kern="1200">
+                <a:solidFill>
+                  <a:schemeClr val="tx1"/>
+                </a:solidFill>
+                <a:latin typeface="+mn-lt"/>
+                <a:ea typeface="+mn-ea"/>
+                <a:cs typeface="+mn-cs"/>
+              </a:defRPr>
+            </a:lvl5pPr>
+            <a:lvl6pPr marL="2286000" algn="l" defTabSz="914400" rtl="0" eaLnBrk="1" latinLnBrk="0" hangingPunct="1">
+              <a:defRPr sz="1800" kern="1200">
+                <a:solidFill>
+                  <a:schemeClr val="tx1"/>
+                </a:solidFill>
+                <a:latin typeface="+mn-lt"/>
+                <a:ea typeface="+mn-ea"/>
+                <a:cs typeface="+mn-cs"/>
+              </a:defRPr>
+            </a:lvl6pPr>
+            <a:lvl7pPr marL="2743200" algn="l" defTabSz="914400" rtl="0" eaLnBrk="1" latinLnBrk="0" hangingPunct="1">
+              <a:defRPr sz="1800" kern="1200">
+                <a:solidFill>
+                  <a:schemeClr val="tx1"/>
+                </a:solidFill>
+                <a:latin typeface="+mn-lt"/>
+                <a:ea typeface="+mn-ea"/>
+                <a:cs typeface="+mn-cs"/>
+              </a:defRPr>
+            </a:lvl7pPr>
+            <a:lvl8pPr marL="3200400" algn="l" defTabSz="914400" rtl="0" eaLnBrk="1" latinLnBrk="0" hangingPunct="1">
+              <a:defRPr sz="1800" kern="1200">
+                <a:solidFill>
+                  <a:schemeClr val="tx1"/>
+                </a:solidFill>
+                <a:latin typeface="+mn-lt"/>
+                <a:ea typeface="+mn-ea"/>
+                <a:cs typeface="+mn-cs"/>
+              </a:defRPr>
+            </a:lvl8pPr>
+            <a:lvl9pPr marL="3657600" algn="l" defTabSz="914400" rtl="0" eaLnBrk="1" latinLnBrk="0" hangingPunct="1">
+              <a:defRPr sz="1800" kern="1200">
+                <a:solidFill>
+                  <a:schemeClr val="tx1"/>
+                </a:solidFill>
+                <a:latin typeface="+mn-lt"/>
+                <a:ea typeface="+mn-ea"/>
+                <a:cs typeface="+mn-cs"/>
+              </a:defRPr>
+            </a:lvl9pPr>
+          </a:lstStyle>
+          <a:p>
+            <a:fld id="{06B786C7-B8F9-4072-AAAA-17258464D730}" type="slidenum">
+              <a:rPr lang="en-GB" smtClean="0"/>
+              <a:pPr/>
+              <a:t>10</a:t>
+            </a:fld>
+            <a:endParaRPr lang="en-GB" dirty="0"/>
+          </a:p>
+        </p:txBody>
+      </p:sp>
+    </p:spTree>
+    <p:extLst>
+      <p:ext uri="{BB962C8B-B14F-4D97-AF65-F5344CB8AC3E}">
+        <p14:creationId xmlns:p14="http://schemas.microsoft.com/office/powerpoint/2010/main" val="2637495838"/>
+      </p:ext>
+    </p:extLst>
+  </p:cSld>
+  <p:clrMapOvr>
+    <a:masterClrMapping/>
+  </p:clrMapOvr>
+</p:sld>
+</file>
+
+<file path=ppt/slides/slide11.xml><?xml version="1.0" encoding="utf-8"?>
+<p:sld xmlns:a="http://schemas.openxmlformats.org/drawingml/2006/main" xmlns:r="http://schemas.openxmlformats.org/officeDocument/2006/relationships" xmlns:p="http://schemas.openxmlformats.org/presentationml/2006/main" showMasterSp="0">
   <p:cSld>
     <p:spTree>
       <p:nvGrpSpPr>
@@ -7909,110 +8109,38 @@
       </p:grpSpPr>
       <p:pic>
         <p:nvPicPr>
-          <p:cNvPr id="35" name="Picture 34">
-            <a:extLst>
-              <a:ext uri="{FF2B5EF4-FFF2-40B4-BE49-F238E27FC236}">
-                <a16:creationId xmlns:a16="http://schemas.microsoft.com/office/drawing/2014/main" id="{D91926D4-AA00-DEAC-6F76-D14C85EEB953}"/>
+          <p:cNvPr id="9" name="Picture Placeholder 8" descr="Diagram&#10;&#10;Description automatically generated">
+            <a:extLst>
+              <a:ext uri="{FF2B5EF4-FFF2-40B4-BE49-F238E27FC236}">
+                <a16:creationId xmlns:a16="http://schemas.microsoft.com/office/drawing/2014/main" id="{5E3AC09E-064B-7E46-F8BF-B2CF3BF11D14}"/>
               </a:ext>
             </a:extLst>
           </p:cNvPr>
           <p:cNvPicPr>
-            <a:picLocks noChangeAspect="1"/>
+            <a:picLocks noGrp="1" noChangeAspect="1"/>
           </p:cNvPicPr>
-          <p:nvPr/>
+          <p:nvPr>
+            <p:ph sz="quarter" idx="14"/>
+          </p:nvPr>
         </p:nvPicPr>
         <p:blipFill rotWithShape="1">
-          <a:blip r:embed="rId3"/>
-          <a:srcRect t="14816" b="26743"/>
+          <a:blip r:embed="rId2"/>
           <a:stretch/>
         </p:blipFill>
         <p:spPr>
           <a:xfrm>
-            <a:off x="-2" y="10"/>
-            <a:ext cx="12192000" cy="6857990"/>
-          </a:xfrm>
-          <a:prstGeom prst="rect">
-            <a:avLst/>
-          </a:prstGeom>
+            <a:off x="3425104" y="1"/>
+            <a:ext cx="7051928" cy="6858000"/>
+          </a:xfrm>
           <a:noFill/>
         </p:spPr>
       </p:pic>
       <p:sp>
         <p:nvSpPr>
-          <p:cNvPr id="33" name="Title 32">
-            <a:extLst>
-              <a:ext uri="{FF2B5EF4-FFF2-40B4-BE49-F238E27FC236}">
-                <a16:creationId xmlns:a16="http://schemas.microsoft.com/office/drawing/2014/main" id="{2D22322F-E79D-4BEF-8038-DE2C8F5CCA40}"/>
-              </a:ext>
-            </a:extLst>
-          </p:cNvPr>
-          <p:cNvSpPr>
-            <a:spLocks noGrp="1"/>
-          </p:cNvSpPr>
-          <p:nvPr>
-            <p:ph type="ctrTitle"/>
-          </p:nvPr>
-        </p:nvSpPr>
-        <p:spPr>
-          <a:xfrm>
-            <a:off x="1177636" y="-2"/>
-            <a:ext cx="11014364" cy="4100947"/>
-          </a:xfrm>
-        </p:spPr>
-        <p:txBody>
-          <a:bodyPr rtlCol="0" anchor="b">
-            <a:normAutofit/>
-          </a:bodyPr>
-          <a:lstStyle/>
-          <a:p>
-            <a:pPr rtl="0"/>
-            <a:r>
-              <a:rPr lang="en-GB">
-                <a:solidFill>
-                  <a:srgbClr val="FFFFFF"/>
-                </a:solidFill>
-              </a:rPr>
-              <a:t>Wireframes</a:t>
-            </a:r>
-          </a:p>
-        </p:txBody>
-      </p:sp>
-      <p:sp>
-        <p:nvSpPr>
-          <p:cNvPr id="39" name="Subtitle 3">
-            <a:extLst>
-              <a:ext uri="{FF2B5EF4-FFF2-40B4-BE49-F238E27FC236}">
-                <a16:creationId xmlns:a16="http://schemas.microsoft.com/office/drawing/2014/main" id="{D222BAF8-CCB0-D7CC-5341-05812443C885}"/>
-              </a:ext>
-            </a:extLst>
-          </p:cNvPr>
-          <p:cNvSpPr>
-            <a:spLocks noGrp="1"/>
-          </p:cNvSpPr>
-          <p:nvPr>
-            <p:ph type="subTitle" idx="1"/>
-          </p:nvPr>
-        </p:nvSpPr>
-        <p:spPr>
-          <a:xfrm>
-            <a:off x="3241963" y="4089656"/>
-            <a:ext cx="8950035" cy="2796566"/>
-          </a:xfrm>
-        </p:spPr>
-        <p:txBody>
-          <a:bodyPr/>
-          <a:lstStyle/>
-          <a:p>
-            <a:endParaRPr lang="en-US"/>
-          </a:p>
-        </p:txBody>
-      </p:sp>
-      <p:sp>
-        <p:nvSpPr>
-          <p:cNvPr id="7" name="Footer Placeholder 6">
-            <a:extLst>
-              <a:ext uri="{FF2B5EF4-FFF2-40B4-BE49-F238E27FC236}">
-                <a16:creationId xmlns:a16="http://schemas.microsoft.com/office/drawing/2014/main" id="{C4A3939E-B573-4FB2-AD69-18C1A75F947B}"/>
+          <p:cNvPr id="5" name="Footer Placeholder 4">
+            <a:extLst>
+              <a:ext uri="{FF2B5EF4-FFF2-40B4-BE49-F238E27FC236}">
+                <a16:creationId xmlns:a16="http://schemas.microsoft.com/office/drawing/2014/main" id="{54EDCDB9-A445-113C-D8ED-D8426C836B49}"/>
               </a:ext>
             </a:extLst>
           </p:cNvPr>
@@ -8030,7 +8158,7 @@
           </a:xfrm>
         </p:spPr>
         <p:txBody>
-          <a:bodyPr rtlCol="0" anchor="ctr">
+          <a:bodyPr anchor="ctr">
             <a:normAutofit/>
           </a:bodyPr>
           <a:lstStyle/>
@@ -8041,30 +8169,30 @@
               </a:spcAft>
             </a:pPr>
             <a:r>
-              <a:rPr lang="en-GB" dirty="0" err="1"/>
+              <a:rPr lang="en-GB" dirty="0" err="1">
+                <a:solidFill>
+                  <a:prstClr val="black"/>
+                </a:solidFill>
+              </a:rPr>
               <a:t>Simplify’s</a:t>
             </a:r>
             <a:r>
-              <a:rPr lang="en-GB" dirty="0"/>
-              <a:t> </a:t>
-            </a:r>
-            <a:r>
-              <a:rPr lang="en-GB" dirty="0" err="1"/>
-              <a:t>Desgin</a:t>
-            </a:r>
-            <a:r>
-              <a:rPr lang="en-GB" dirty="0"/>
-              <a:t> Specification</a:t>
-            </a:r>
-          </a:p>
-        </p:txBody>
-      </p:sp>
-      <p:sp>
-        <p:nvSpPr>
-          <p:cNvPr id="6" name="Date Placeholder 5">
-            <a:extLst>
-              <a:ext uri="{FF2B5EF4-FFF2-40B4-BE49-F238E27FC236}">
-                <a16:creationId xmlns:a16="http://schemas.microsoft.com/office/drawing/2014/main" id="{6EF65B39-4112-473E-B203-73AC0F564D47}"/>
+              <a:rPr lang="en-GB" dirty="0">
+                <a:solidFill>
+                  <a:prstClr val="black"/>
+                </a:solidFill>
+              </a:rPr>
+              <a:t> Design Specification</a:t>
+            </a:r>
+          </a:p>
+        </p:txBody>
+      </p:sp>
+      <p:sp>
+        <p:nvSpPr>
+          <p:cNvPr id="6" name="Date Placeholder 5" hidden="1">
+            <a:extLst>
+              <a:ext uri="{FF2B5EF4-FFF2-40B4-BE49-F238E27FC236}">
+                <a16:creationId xmlns:a16="http://schemas.microsoft.com/office/drawing/2014/main" id="{38764B63-10A3-AEEF-D53F-1A9EE95BA715}"/>
               </a:ext>
             </a:extLst>
           </p:cNvPr>
@@ -8075,36 +8203,47 @@
             <p:ph type="dt" sz="half" idx="10"/>
           </p:nvPr>
         </p:nvSpPr>
-        <p:spPr>
-          <a:xfrm>
-            <a:off x="7013448" y="6355080"/>
-            <a:ext cx="4352544" cy="365125"/>
-          </a:xfrm>
-        </p:spPr>
-        <p:txBody>
-          <a:bodyPr rtlCol="0" anchor="ctr">
-            <a:normAutofit/>
-          </a:bodyPr>
+        <p:spPr/>
+        <p:txBody>
+          <a:bodyPr/>
           <a:lstStyle/>
           <a:p>
-            <a:pPr lvl="0" rtl="0">
+            <a:pPr rtl="0">
               <a:spcAft>
                 <a:spcPts val="600"/>
               </a:spcAft>
+              <a:defRPr/>
             </a:pPr>
             <a:r>
-              <a:rPr lang="en-GB" dirty="0"/>
-              <a:t>2023</a:t>
-            </a:r>
-          </a:p>
-        </p:txBody>
-      </p:sp>
-      <p:sp>
-        <p:nvSpPr>
-          <p:cNvPr id="8" name="Slide Number Placeholder 7">
-            <a:extLst>
-              <a:ext uri="{FF2B5EF4-FFF2-40B4-BE49-F238E27FC236}">
-                <a16:creationId xmlns:a16="http://schemas.microsoft.com/office/drawing/2014/main" id="{99800B7A-B486-4409-9EDD-0A7B9628EDE8}"/>
+              <a:rPr lang="en-GB" noProof="0" dirty="0">
+                <a:effectLst>
+                  <a:outerShdw blurRad="38100" dist="38100" dir="2700000" algn="tl">
+                    <a:srgbClr val="000000">
+                      <a:alpha val="43137"/>
+                    </a:srgbClr>
+                  </a:outerShdw>
+                </a:effectLst>
+              </a:rPr>
+              <a:t>20XX</a:t>
+            </a:r>
+            <a:endParaRPr lang="en-GB" noProof="0">
+              <a:effectLst>
+                <a:outerShdw blurRad="38100" dist="38100" dir="2700000" algn="tl">
+                  <a:srgbClr val="000000">
+                    <a:alpha val="43137"/>
+                  </a:srgbClr>
+                </a:outerShdw>
+              </a:effectLst>
+            </a:endParaRPr>
+          </a:p>
+        </p:txBody>
+      </p:sp>
+      <p:sp>
+        <p:nvSpPr>
+          <p:cNvPr id="7" name="Slide Number Placeholder 6" hidden="1">
+            <a:extLst>
+              <a:ext uri="{FF2B5EF4-FFF2-40B4-BE49-F238E27FC236}">
+                <a16:creationId xmlns:a16="http://schemas.microsoft.com/office/drawing/2014/main" id="{5C80E6A0-DE3E-EE17-71A4-92574D895BE8}"/>
               </a:ext>
             </a:extLst>
           </p:cNvPr>
@@ -8115,40 +8254,309 @@
             <p:ph type="sldNum" sz="quarter" idx="12"/>
           </p:nvPr>
         </p:nvSpPr>
-        <p:spPr>
-          <a:xfrm>
-            <a:off x="11365992" y="6356350"/>
-            <a:ext cx="630936" cy="365125"/>
-          </a:xfrm>
-        </p:spPr>
-        <p:txBody>
-          <a:bodyPr rtlCol="0" anchor="ctr">
-            <a:normAutofit/>
-          </a:bodyPr>
+        <p:spPr/>
+        <p:txBody>
+          <a:bodyPr/>
           <a:lstStyle/>
           <a:p>
-            <a:pPr lvl="0" rtl="0">
+            <a:pPr rtl="0">
               <a:spcAft>
                 <a:spcPts val="600"/>
               </a:spcAft>
+              <a:defRPr/>
             </a:pPr>
-            <a:fld id="{06B786C7-B8F9-4072-AAAA-17258464D730}" type="slidenum">
-              <a:rPr lang="en-GB" smtClean="0"/>
-              <a:pPr lvl="0" rtl="0">
+            <a:fld id="{CD6D940D-6D44-4DF9-9322-B4B11F7EDCD0}" type="slidenum">
+              <a:rPr lang="en-GB" noProof="0" smtClean="0">
+                <a:effectLst>
+                  <a:outerShdw blurRad="38100" dist="38100" dir="2700000" algn="tl">
+                    <a:srgbClr val="000000">
+                      <a:alpha val="43137"/>
+                    </a:srgbClr>
+                  </a:outerShdw>
+                </a:effectLst>
+              </a:rPr>
+              <a:pPr rtl="0">
                 <a:spcAft>
                   <a:spcPts val="600"/>
                 </a:spcAft>
+                <a:defRPr/>
               </a:pPr>
-              <a:t>10</a:t>
+              <a:t>11</a:t>
             </a:fld>
-            <a:endParaRPr lang="en-GB"/>
+            <a:endParaRPr lang="en-GB" noProof="0">
+              <a:effectLst>
+                <a:outerShdw blurRad="38100" dist="38100" dir="2700000" algn="tl">
+                  <a:srgbClr val="000000">
+                    <a:alpha val="43137"/>
+                  </a:srgbClr>
+                </a:outerShdw>
+              </a:effectLst>
+            </a:endParaRPr>
+          </a:p>
+        </p:txBody>
+      </p:sp>
+      <p:sp>
+        <p:nvSpPr>
+          <p:cNvPr id="10" name="Date Placeholder 2">
+            <a:extLst>
+              <a:ext uri="{FF2B5EF4-FFF2-40B4-BE49-F238E27FC236}">
+                <a16:creationId xmlns:a16="http://schemas.microsoft.com/office/drawing/2014/main" id="{23774FF9-44DC-B9B8-5857-CDE8E3979EDE}"/>
+              </a:ext>
+            </a:extLst>
+          </p:cNvPr>
+          <p:cNvSpPr txBox="1">
+            <a:spLocks/>
+          </p:cNvSpPr>
+          <p:nvPr/>
+        </p:nvSpPr>
+        <p:spPr>
+          <a:xfrm>
+            <a:off x="7011296" y="6356350"/>
+            <a:ext cx="4352544" cy="365125"/>
+          </a:xfrm>
+          <a:prstGeom prst="rect">
+            <a:avLst/>
+          </a:prstGeom>
+        </p:spPr>
+        <p:txBody>
+          <a:bodyPr vert="horz" lIns="91440" tIns="45720" rIns="91440" bIns="45720" rtlCol="0" anchor="ctr"/>
+          <a:lstStyle>
+            <a:defPPr rtl="0">
+              <a:defRPr lang="en-us"/>
+            </a:defPPr>
+            <a:lvl1pPr marL="0" algn="r" defTabSz="914400" rtl="0" eaLnBrk="1" latinLnBrk="0" hangingPunct="1">
+              <a:defRPr sz="1050" kern="1200">
+                <a:solidFill>
+                  <a:schemeClr val="tx1"/>
+                </a:solidFill>
+                <a:latin typeface="+mn-lt"/>
+                <a:ea typeface="+mn-ea"/>
+                <a:cs typeface="+mn-cs"/>
+              </a:defRPr>
+            </a:lvl1pPr>
+            <a:lvl2pPr marL="457200" algn="l" defTabSz="914400" rtl="0" eaLnBrk="1" latinLnBrk="0" hangingPunct="1">
+              <a:defRPr sz="1800" kern="1200">
+                <a:solidFill>
+                  <a:schemeClr val="tx1"/>
+                </a:solidFill>
+                <a:latin typeface="+mn-lt"/>
+                <a:ea typeface="+mn-ea"/>
+                <a:cs typeface="+mn-cs"/>
+              </a:defRPr>
+            </a:lvl2pPr>
+            <a:lvl3pPr marL="914400" algn="l" defTabSz="914400" rtl="0" eaLnBrk="1" latinLnBrk="0" hangingPunct="1">
+              <a:defRPr sz="1800" kern="1200">
+                <a:solidFill>
+                  <a:schemeClr val="tx1"/>
+                </a:solidFill>
+                <a:latin typeface="+mn-lt"/>
+                <a:ea typeface="+mn-ea"/>
+                <a:cs typeface="+mn-cs"/>
+              </a:defRPr>
+            </a:lvl3pPr>
+            <a:lvl4pPr marL="1371600" algn="l" defTabSz="914400" rtl="0" eaLnBrk="1" latinLnBrk="0" hangingPunct="1">
+              <a:defRPr sz="1800" kern="1200">
+                <a:solidFill>
+                  <a:schemeClr val="tx1"/>
+                </a:solidFill>
+                <a:latin typeface="+mn-lt"/>
+                <a:ea typeface="+mn-ea"/>
+                <a:cs typeface="+mn-cs"/>
+              </a:defRPr>
+            </a:lvl4pPr>
+            <a:lvl5pPr marL="1828800" algn="l" defTabSz="914400" rtl="0" eaLnBrk="1" latinLnBrk="0" hangingPunct="1">
+              <a:defRPr sz="1800" kern="1200">
+                <a:solidFill>
+                  <a:schemeClr val="tx1"/>
+                </a:solidFill>
+                <a:latin typeface="+mn-lt"/>
+                <a:ea typeface="+mn-ea"/>
+                <a:cs typeface="+mn-cs"/>
+              </a:defRPr>
+            </a:lvl5pPr>
+            <a:lvl6pPr marL="2286000" algn="l" defTabSz="914400" rtl="0" eaLnBrk="1" latinLnBrk="0" hangingPunct="1">
+              <a:defRPr sz="1800" kern="1200">
+                <a:solidFill>
+                  <a:schemeClr val="tx1"/>
+                </a:solidFill>
+                <a:latin typeface="+mn-lt"/>
+                <a:ea typeface="+mn-ea"/>
+                <a:cs typeface="+mn-cs"/>
+              </a:defRPr>
+            </a:lvl6pPr>
+            <a:lvl7pPr marL="2743200" algn="l" defTabSz="914400" rtl="0" eaLnBrk="1" latinLnBrk="0" hangingPunct="1">
+              <a:defRPr sz="1800" kern="1200">
+                <a:solidFill>
+                  <a:schemeClr val="tx1"/>
+                </a:solidFill>
+                <a:latin typeface="+mn-lt"/>
+                <a:ea typeface="+mn-ea"/>
+                <a:cs typeface="+mn-cs"/>
+              </a:defRPr>
+            </a:lvl7pPr>
+            <a:lvl8pPr marL="3200400" algn="l" defTabSz="914400" rtl="0" eaLnBrk="1" latinLnBrk="0" hangingPunct="1">
+              <a:defRPr sz="1800" kern="1200">
+                <a:solidFill>
+                  <a:schemeClr val="tx1"/>
+                </a:solidFill>
+                <a:latin typeface="+mn-lt"/>
+                <a:ea typeface="+mn-ea"/>
+                <a:cs typeface="+mn-cs"/>
+              </a:defRPr>
+            </a:lvl8pPr>
+            <a:lvl9pPr marL="3657600" algn="l" defTabSz="914400" rtl="0" eaLnBrk="1" latinLnBrk="0" hangingPunct="1">
+              <a:defRPr sz="1800" kern="1200">
+                <a:solidFill>
+                  <a:schemeClr val="tx1"/>
+                </a:solidFill>
+                <a:latin typeface="+mn-lt"/>
+                <a:ea typeface="+mn-ea"/>
+                <a:cs typeface="+mn-cs"/>
+              </a:defRPr>
+            </a:lvl9pPr>
+          </a:lstStyle>
+          <a:p>
+            <a:r>
+              <a:rPr lang="en-GB" dirty="0"/>
+              <a:t>2023</a:t>
+            </a:r>
+          </a:p>
+        </p:txBody>
+      </p:sp>
+      <p:sp>
+        <p:nvSpPr>
+          <p:cNvPr id="11" name="Slide Number Placeholder 4">
+            <a:extLst>
+              <a:ext uri="{FF2B5EF4-FFF2-40B4-BE49-F238E27FC236}">
+                <a16:creationId xmlns:a16="http://schemas.microsoft.com/office/drawing/2014/main" id="{2C8F2BA6-13DF-0C9E-112C-02E30C53607E}"/>
+              </a:ext>
+            </a:extLst>
+          </p:cNvPr>
+          <p:cNvSpPr txBox="1">
+            <a:spLocks/>
+          </p:cNvSpPr>
+          <p:nvPr/>
+        </p:nvSpPr>
+        <p:spPr>
+          <a:xfrm>
+            <a:off x="11359896" y="6355975"/>
+            <a:ext cx="630936" cy="365125"/>
+          </a:xfrm>
+          <a:prstGeom prst="rect">
+            <a:avLst/>
+          </a:prstGeom>
+        </p:spPr>
+        <p:txBody>
+          <a:bodyPr vert="horz" lIns="91440" tIns="45720" rIns="91440" bIns="45720" rtlCol="0" anchor="ctr"/>
+          <a:lstStyle>
+            <a:defPPr rtl="0">
+              <a:defRPr lang="en-us"/>
+            </a:defPPr>
+            <a:lvl1pPr marL="0" algn="r" defTabSz="914400" rtl="0" eaLnBrk="1" latinLnBrk="0" hangingPunct="1">
+              <a:defRPr sz="1050" kern="1200">
+                <a:solidFill>
+                  <a:schemeClr val="tx1"/>
+                </a:solidFill>
+                <a:latin typeface="+mn-lt"/>
+                <a:ea typeface="+mn-ea"/>
+                <a:cs typeface="+mn-cs"/>
+              </a:defRPr>
+            </a:lvl1pPr>
+            <a:lvl2pPr marL="457200" algn="l" defTabSz="914400" rtl="0" eaLnBrk="1" latinLnBrk="0" hangingPunct="1">
+              <a:defRPr sz="1800" kern="1200">
+                <a:solidFill>
+                  <a:schemeClr val="tx1"/>
+                </a:solidFill>
+                <a:latin typeface="+mn-lt"/>
+                <a:ea typeface="+mn-ea"/>
+                <a:cs typeface="+mn-cs"/>
+              </a:defRPr>
+            </a:lvl2pPr>
+            <a:lvl3pPr marL="914400" algn="l" defTabSz="914400" rtl="0" eaLnBrk="1" latinLnBrk="0" hangingPunct="1">
+              <a:defRPr sz="1800" kern="1200">
+                <a:solidFill>
+                  <a:schemeClr val="tx1"/>
+                </a:solidFill>
+                <a:latin typeface="+mn-lt"/>
+                <a:ea typeface="+mn-ea"/>
+                <a:cs typeface="+mn-cs"/>
+              </a:defRPr>
+            </a:lvl3pPr>
+            <a:lvl4pPr marL="1371600" algn="l" defTabSz="914400" rtl="0" eaLnBrk="1" latinLnBrk="0" hangingPunct="1">
+              <a:defRPr sz="1800" kern="1200">
+                <a:solidFill>
+                  <a:schemeClr val="tx1"/>
+                </a:solidFill>
+                <a:latin typeface="+mn-lt"/>
+                <a:ea typeface="+mn-ea"/>
+                <a:cs typeface="+mn-cs"/>
+              </a:defRPr>
+            </a:lvl4pPr>
+            <a:lvl5pPr marL="1828800" algn="l" defTabSz="914400" rtl="0" eaLnBrk="1" latinLnBrk="0" hangingPunct="1">
+              <a:defRPr sz="1800" kern="1200">
+                <a:solidFill>
+                  <a:schemeClr val="tx1"/>
+                </a:solidFill>
+                <a:latin typeface="+mn-lt"/>
+                <a:ea typeface="+mn-ea"/>
+                <a:cs typeface="+mn-cs"/>
+              </a:defRPr>
+            </a:lvl5pPr>
+            <a:lvl6pPr marL="2286000" algn="l" defTabSz="914400" rtl="0" eaLnBrk="1" latinLnBrk="0" hangingPunct="1">
+              <a:defRPr sz="1800" kern="1200">
+                <a:solidFill>
+                  <a:schemeClr val="tx1"/>
+                </a:solidFill>
+                <a:latin typeface="+mn-lt"/>
+                <a:ea typeface="+mn-ea"/>
+                <a:cs typeface="+mn-cs"/>
+              </a:defRPr>
+            </a:lvl6pPr>
+            <a:lvl7pPr marL="2743200" algn="l" defTabSz="914400" rtl="0" eaLnBrk="1" latinLnBrk="0" hangingPunct="1">
+              <a:defRPr sz="1800" kern="1200">
+                <a:solidFill>
+                  <a:schemeClr val="tx1"/>
+                </a:solidFill>
+                <a:latin typeface="+mn-lt"/>
+                <a:ea typeface="+mn-ea"/>
+                <a:cs typeface="+mn-cs"/>
+              </a:defRPr>
+            </a:lvl7pPr>
+            <a:lvl8pPr marL="3200400" algn="l" defTabSz="914400" rtl="0" eaLnBrk="1" latinLnBrk="0" hangingPunct="1">
+              <a:defRPr sz="1800" kern="1200">
+                <a:solidFill>
+                  <a:schemeClr val="tx1"/>
+                </a:solidFill>
+                <a:latin typeface="+mn-lt"/>
+                <a:ea typeface="+mn-ea"/>
+                <a:cs typeface="+mn-cs"/>
+              </a:defRPr>
+            </a:lvl8pPr>
+            <a:lvl9pPr marL="3657600" algn="l" defTabSz="914400" rtl="0" eaLnBrk="1" latinLnBrk="0" hangingPunct="1">
+              <a:defRPr sz="1800" kern="1200">
+                <a:solidFill>
+                  <a:schemeClr val="tx1"/>
+                </a:solidFill>
+                <a:latin typeface="+mn-lt"/>
+                <a:ea typeface="+mn-ea"/>
+                <a:cs typeface="+mn-cs"/>
+              </a:defRPr>
+            </a:lvl9pPr>
+          </a:lstStyle>
+          <a:p>
+            <a:fld id="{06B786C7-B8F9-4072-AAAA-17258464D730}" type="slidenum">
+              <a:rPr lang="en-GB" smtClean="0"/>
+              <a:pPr/>
+              <a:t>11</a:t>
+            </a:fld>
+            <a:endParaRPr lang="en-GB" dirty="0"/>
           </a:p>
         </p:txBody>
       </p:sp>
     </p:spTree>
     <p:extLst>
       <p:ext uri="{BB962C8B-B14F-4D97-AF65-F5344CB8AC3E}">
-        <p14:creationId xmlns:p14="http://schemas.microsoft.com/office/powerpoint/2010/main" val="3959576484"/>
+        <p14:creationId xmlns:p14="http://schemas.microsoft.com/office/powerpoint/2010/main" val="1717669644"/>
       </p:ext>
     </p:extLst>
   </p:cSld>
@@ -8158,8 +8566,8 @@
 </p:sld>
 </file>
 
-<file path=ppt/slides/slide11.xml><?xml version="1.0" encoding="utf-8"?>
-<p:sld xmlns:a="http://schemas.openxmlformats.org/drawingml/2006/main" xmlns:r="http://schemas.openxmlformats.org/officeDocument/2006/relationships" xmlns:p="http://schemas.openxmlformats.org/presentationml/2006/main">
+<file path=ppt/slides/slide12.xml><?xml version="1.0" encoding="utf-8"?>
+<p:sld xmlns:a="http://schemas.openxmlformats.org/drawingml/2006/main" xmlns:r="http://schemas.openxmlformats.org/officeDocument/2006/relationships" xmlns:p="http://schemas.openxmlformats.org/presentationml/2006/main" showMasterSp="0">
   <p:cSld>
     <p:spTree>
       <p:nvGrpSpPr>
@@ -8177,205 +8585,160 @@
       </p:grpSpPr>
       <p:sp>
         <p:nvSpPr>
-          <p:cNvPr id="2" name="Picture Placeholder 1">
-            <a:extLst>
-              <a:ext uri="{FF2B5EF4-FFF2-40B4-BE49-F238E27FC236}">
-                <a16:creationId xmlns:a16="http://schemas.microsoft.com/office/drawing/2014/main" id="{5930E5A2-2518-C8F0-30F2-820CFFADD7E4}"/>
-              </a:ext>
-            </a:extLst>
-          </p:cNvPr>
-          <p:cNvSpPr>
-            <a:spLocks noGrp="1"/>
-          </p:cNvSpPr>
-          <p:nvPr>
-            <p:ph type="pic" sz="quarter" idx="13"/>
-          </p:nvPr>
-        </p:nvSpPr>
-        <p:spPr/>
-      </p:sp>
-      <p:sp>
-        <p:nvSpPr>
-          <p:cNvPr id="3" name="Title 2">
-            <a:extLst>
-              <a:ext uri="{FF2B5EF4-FFF2-40B4-BE49-F238E27FC236}">
-                <a16:creationId xmlns:a16="http://schemas.microsoft.com/office/drawing/2014/main" id="{2A4CE944-8F6C-9041-B9CD-26CD117ED9AF}"/>
-              </a:ext>
-            </a:extLst>
-          </p:cNvPr>
-          <p:cNvSpPr>
-            <a:spLocks noGrp="1"/>
-          </p:cNvSpPr>
-          <p:nvPr>
-            <p:ph type="ctrTitle"/>
-          </p:nvPr>
-        </p:nvSpPr>
-        <p:spPr/>
-        <p:txBody>
-          <a:bodyPr/>
+          <p:cNvPr id="5" name="Footer Placeholder 4">
+            <a:extLst>
+              <a:ext uri="{FF2B5EF4-FFF2-40B4-BE49-F238E27FC236}">
+                <a16:creationId xmlns:a16="http://schemas.microsoft.com/office/drawing/2014/main" id="{54EDCDB9-A445-113C-D8ED-D8426C836B49}"/>
+              </a:ext>
+            </a:extLst>
+          </p:cNvPr>
+          <p:cNvSpPr>
+            <a:spLocks noGrp="1"/>
+          </p:cNvSpPr>
+          <p:nvPr>
+            <p:ph type="ftr" sz="quarter" idx="11"/>
+          </p:nvPr>
+        </p:nvSpPr>
+        <p:spPr>
+          <a:xfrm>
+            <a:off x="199277" y="6356350"/>
+            <a:ext cx="2771138" cy="365125"/>
+          </a:xfrm>
+        </p:spPr>
+        <p:txBody>
+          <a:bodyPr anchor="ctr">
+            <a:normAutofit/>
+          </a:bodyPr>
           <a:lstStyle/>
           <a:p>
-            <a:endParaRPr lang="en-US"/>
-          </a:p>
-        </p:txBody>
-      </p:sp>
-      <p:sp>
-        <p:nvSpPr>
-          <p:cNvPr id="4" name="Subtitle 3">
-            <a:extLst>
-              <a:ext uri="{FF2B5EF4-FFF2-40B4-BE49-F238E27FC236}">
-                <a16:creationId xmlns:a16="http://schemas.microsoft.com/office/drawing/2014/main" id="{438B52F2-8EF4-3B4F-0F64-B0C06CEE16C9}"/>
-              </a:ext>
-            </a:extLst>
-          </p:cNvPr>
-          <p:cNvSpPr>
-            <a:spLocks noGrp="1"/>
-          </p:cNvSpPr>
-          <p:nvPr>
-            <p:ph type="subTitle" idx="1"/>
-          </p:nvPr>
-        </p:nvSpPr>
-        <p:spPr/>
-        <p:txBody>
-          <a:bodyPr/>
+            <a:pPr lvl="0" rtl="0">
+              <a:spcAft>
+                <a:spcPts val="600"/>
+              </a:spcAft>
+            </a:pPr>
+            <a:r>
+              <a:rPr lang="en-GB" dirty="0" err="1">
+                <a:solidFill>
+                  <a:prstClr val="black"/>
+                </a:solidFill>
+              </a:rPr>
+              <a:t>Simplify’s</a:t>
+            </a:r>
+            <a:r>
+              <a:rPr lang="en-GB" dirty="0">
+                <a:solidFill>
+                  <a:prstClr val="black"/>
+                </a:solidFill>
+              </a:rPr>
+              <a:t> Design Specification</a:t>
+            </a:r>
+          </a:p>
+        </p:txBody>
+      </p:sp>
+      <p:pic>
+        <p:nvPicPr>
+          <p:cNvPr id="9" name="Picture Placeholder 8" descr="Diagram&#10;&#10;Description automatically generated">
+            <a:extLst>
+              <a:ext uri="{FF2B5EF4-FFF2-40B4-BE49-F238E27FC236}">
+                <a16:creationId xmlns:a16="http://schemas.microsoft.com/office/drawing/2014/main" id="{874B4436-43ED-CB81-53C3-036CD00369A8}"/>
+              </a:ext>
+            </a:extLst>
+          </p:cNvPr>
+          <p:cNvPicPr>
+            <a:picLocks noGrp="1" noChangeAspect="1"/>
+          </p:cNvPicPr>
+          <p:nvPr>
+            <p:ph sz="quarter" idx="14"/>
+          </p:nvPr>
+        </p:nvPicPr>
+        <p:blipFill>
+          <a:blip r:embed="rId2"/>
+          <a:stretch>
+            <a:fillRect/>
+          </a:stretch>
+        </p:blipFill>
+        <p:spPr>
+          <a:xfrm>
+            <a:off x="2222150" y="0"/>
+            <a:ext cx="9459310" cy="6858000"/>
+          </a:xfrm>
+          <a:noFill/>
+        </p:spPr>
+      </p:pic>
+      <p:sp>
+        <p:nvSpPr>
+          <p:cNvPr id="10" name="Date Placeholder 2">
+            <a:extLst>
+              <a:ext uri="{FF2B5EF4-FFF2-40B4-BE49-F238E27FC236}">
+                <a16:creationId xmlns:a16="http://schemas.microsoft.com/office/drawing/2014/main" id="{18EA2065-C917-8FF3-45D9-C53A1F04A984}"/>
+              </a:ext>
+            </a:extLst>
+          </p:cNvPr>
+          <p:cNvSpPr>
+            <a:spLocks noGrp="1"/>
+          </p:cNvSpPr>
+          <p:nvPr>
+            <p:ph type="dt" sz="half" idx="10"/>
+          </p:nvPr>
+        </p:nvSpPr>
+        <p:spPr>
+          <a:xfrm>
+            <a:off x="7013448" y="6355080"/>
+            <a:ext cx="4352544" cy="365125"/>
+          </a:xfrm>
+        </p:spPr>
+        <p:txBody>
+          <a:bodyPr rtlCol="0"/>
           <a:lstStyle/>
           <a:p>
-            <a:endParaRPr lang="en-US"/>
-          </a:p>
-        </p:txBody>
-      </p:sp>
-      <p:sp>
-        <p:nvSpPr>
-          <p:cNvPr id="5" name="Footer Placeholder 4">
-            <a:extLst>
-              <a:ext uri="{FF2B5EF4-FFF2-40B4-BE49-F238E27FC236}">
-                <a16:creationId xmlns:a16="http://schemas.microsoft.com/office/drawing/2014/main" id="{C3FFE25E-79B4-30C7-9499-8070B006ACE4}"/>
-              </a:ext>
-            </a:extLst>
-          </p:cNvPr>
-          <p:cNvSpPr>
-            <a:spLocks noGrp="1"/>
-          </p:cNvSpPr>
-          <p:nvPr>
-            <p:ph type="ftr" sz="quarter" idx="11"/>
-          </p:nvPr>
-        </p:nvSpPr>
-        <p:spPr/>
-        <p:txBody>
-          <a:bodyPr/>
+            <a:pPr lvl="0" rtl="0"/>
+            <a:r>
+              <a:rPr lang="en-GB" dirty="0"/>
+              <a:t>2023</a:t>
+            </a:r>
+          </a:p>
+        </p:txBody>
+      </p:sp>
+      <p:sp>
+        <p:nvSpPr>
+          <p:cNvPr id="11" name="Slide Number Placeholder 4">
+            <a:extLst>
+              <a:ext uri="{FF2B5EF4-FFF2-40B4-BE49-F238E27FC236}">
+                <a16:creationId xmlns:a16="http://schemas.microsoft.com/office/drawing/2014/main" id="{2E6B0B2C-AAB7-3E01-3C3C-F50FD49FE325}"/>
+              </a:ext>
+            </a:extLst>
+          </p:cNvPr>
+          <p:cNvSpPr>
+            <a:spLocks noGrp="1"/>
+          </p:cNvSpPr>
+          <p:nvPr>
+            <p:ph type="sldNum" sz="quarter" idx="12"/>
+          </p:nvPr>
+        </p:nvSpPr>
+        <p:spPr>
+          <a:xfrm>
+            <a:off x="11365992" y="6356350"/>
+            <a:ext cx="630936" cy="365125"/>
+          </a:xfrm>
+        </p:spPr>
+        <p:txBody>
+          <a:bodyPr rtlCol="0"/>
           <a:lstStyle/>
           <a:p>
-            <a:pPr rtl="0">
-              <a:defRPr/>
-            </a:pPr>
-            <a:r>
-              <a:rPr lang="en-GB" noProof="0">
-                <a:effectLst>
-                  <a:outerShdw blurRad="38100" dist="38100" dir="2700000" algn="tl">
-                    <a:srgbClr val="000000">
-                      <a:alpha val="43137"/>
-                    </a:srgbClr>
-                  </a:outerShdw>
-                </a:effectLst>
-              </a:rPr>
-              <a:t>Presentation title</a:t>
-            </a:r>
-          </a:p>
-        </p:txBody>
-      </p:sp>
-      <p:sp>
-        <p:nvSpPr>
-          <p:cNvPr id="6" name="Date Placeholder 5">
-            <a:extLst>
-              <a:ext uri="{FF2B5EF4-FFF2-40B4-BE49-F238E27FC236}">
-                <a16:creationId xmlns:a16="http://schemas.microsoft.com/office/drawing/2014/main" id="{B81BA765-06E4-9D02-617D-F890C1C7A442}"/>
-              </a:ext>
-            </a:extLst>
-          </p:cNvPr>
-          <p:cNvSpPr>
-            <a:spLocks noGrp="1"/>
-          </p:cNvSpPr>
-          <p:nvPr>
-            <p:ph type="dt" sz="half" idx="10"/>
-          </p:nvPr>
-        </p:nvSpPr>
-        <p:spPr/>
-        <p:txBody>
-          <a:bodyPr/>
-          <a:lstStyle/>
-          <a:p>
-            <a:pPr rtl="0">
-              <a:defRPr/>
-            </a:pPr>
-            <a:r>
-              <a:rPr lang="en-GB" noProof="0">
-                <a:effectLst>
-                  <a:outerShdw blurRad="38100" dist="38100" dir="2700000" algn="tl">
-                    <a:srgbClr val="000000">
-                      <a:alpha val="43137"/>
-                    </a:srgbClr>
-                  </a:outerShdw>
-                </a:effectLst>
-              </a:rPr>
-              <a:t>20XX</a:t>
-            </a:r>
-          </a:p>
-        </p:txBody>
-      </p:sp>
-      <p:sp>
-        <p:nvSpPr>
-          <p:cNvPr id="7" name="Slide Number Placeholder 6">
-            <a:extLst>
-              <a:ext uri="{FF2B5EF4-FFF2-40B4-BE49-F238E27FC236}">
-                <a16:creationId xmlns:a16="http://schemas.microsoft.com/office/drawing/2014/main" id="{087AD737-0221-568D-9E9A-5E1DC81ACCBC}"/>
-              </a:ext>
-            </a:extLst>
-          </p:cNvPr>
-          <p:cNvSpPr>
-            <a:spLocks noGrp="1"/>
-          </p:cNvSpPr>
-          <p:nvPr>
-            <p:ph type="sldNum" sz="quarter" idx="12"/>
-          </p:nvPr>
-        </p:nvSpPr>
-        <p:spPr/>
-        <p:txBody>
-          <a:bodyPr/>
-          <a:lstStyle/>
-          <a:p>
-            <a:pPr rtl="0">
-              <a:defRPr/>
-            </a:pPr>
-            <a:fld id="{CD6D940D-6D44-4DF9-9322-B4B11F7EDCD0}" type="slidenum">
-              <a:rPr lang="en-GB" noProof="0" smtClean="0">
-                <a:effectLst>
-                  <a:outerShdw blurRad="38100" dist="38100" dir="2700000" algn="tl">
-                    <a:srgbClr val="000000">
-                      <a:alpha val="43137"/>
-                    </a:srgbClr>
-                  </a:outerShdw>
-                </a:effectLst>
-              </a:rPr>
-              <a:pPr rtl="0">
-                <a:defRPr/>
-              </a:pPr>
-              <a:t>11</a:t>
+            <a:pPr lvl="0" rtl="0"/>
+            <a:fld id="{06B786C7-B8F9-4072-AAAA-17258464D730}" type="slidenum">
+              <a:rPr lang="en-GB" smtClean="0"/>
+              <a:pPr lvl="0" rtl="0"/>
+              <a:t>12</a:t>
             </a:fld>
-            <a:endParaRPr lang="en-GB" noProof="0">
-              <a:effectLst>
-                <a:outerShdw blurRad="38100" dist="38100" dir="2700000" algn="tl">
-                  <a:srgbClr val="000000">
-                    <a:alpha val="43137"/>
-                  </a:srgbClr>
-                </a:outerShdw>
-              </a:effectLst>
-            </a:endParaRPr>
+            <a:endParaRPr lang="en-GB" dirty="0"/>
           </a:p>
         </p:txBody>
       </p:sp>
     </p:spTree>
     <p:extLst>
       <p:ext uri="{BB962C8B-B14F-4D97-AF65-F5344CB8AC3E}">
-        <p14:creationId xmlns:p14="http://schemas.microsoft.com/office/powerpoint/2010/main" val="2637495838"/>
+        <p14:creationId xmlns:p14="http://schemas.microsoft.com/office/powerpoint/2010/main" val="1113237551"/>
       </p:ext>
     </p:extLst>
   </p:cSld>
@@ -8385,8 +8748,8 @@
 </p:sld>
 </file>
 
-<file path=ppt/slides/slide12.xml><?xml version="1.0" encoding="utf-8"?>
-<p:sld xmlns:a="http://schemas.openxmlformats.org/drawingml/2006/main" xmlns:r="http://schemas.openxmlformats.org/officeDocument/2006/relationships" xmlns:p="http://schemas.openxmlformats.org/presentationml/2006/main">
+<file path=ppt/slides/slide13.xml><?xml version="1.0" encoding="utf-8"?>
+<p:sld xmlns:a="http://schemas.openxmlformats.org/drawingml/2006/main" xmlns:r="http://schemas.openxmlformats.org/officeDocument/2006/relationships" xmlns:p="http://schemas.openxmlformats.org/presentationml/2006/main" showMasterSp="0">
   <p:cSld>
     <p:spTree>
       <p:nvGrpSpPr>
@@ -8402,207 +8765,162 @@
           <a:chExt cx="0" cy="0"/>
         </a:xfrm>
       </p:grpSpPr>
-      <p:sp>
-        <p:nvSpPr>
-          <p:cNvPr id="2" name="Picture Placeholder 1">
-            <a:extLst>
-              <a:ext uri="{FF2B5EF4-FFF2-40B4-BE49-F238E27FC236}">
-                <a16:creationId xmlns:a16="http://schemas.microsoft.com/office/drawing/2014/main" id="{FADC2531-583D-5723-C747-4374258644BD}"/>
-              </a:ext>
-            </a:extLst>
-          </p:cNvPr>
-          <p:cNvSpPr>
-            <a:spLocks noGrp="1"/>
-          </p:cNvSpPr>
-          <p:nvPr>
-            <p:ph type="pic" sz="quarter" idx="13"/>
-          </p:nvPr>
-        </p:nvSpPr>
-        <p:spPr/>
-      </p:sp>
-      <p:sp>
-        <p:nvSpPr>
-          <p:cNvPr id="3" name="Title 2">
-            <a:extLst>
-              <a:ext uri="{FF2B5EF4-FFF2-40B4-BE49-F238E27FC236}">
-                <a16:creationId xmlns:a16="http://schemas.microsoft.com/office/drawing/2014/main" id="{CDED420B-22E5-BEA8-9DAC-12E56E6D13CB}"/>
-              </a:ext>
-            </a:extLst>
-          </p:cNvPr>
-          <p:cNvSpPr>
-            <a:spLocks noGrp="1"/>
-          </p:cNvSpPr>
-          <p:nvPr>
-            <p:ph type="ctrTitle"/>
-          </p:nvPr>
-        </p:nvSpPr>
-        <p:spPr/>
-        <p:txBody>
-          <a:bodyPr/>
+      <p:pic>
+        <p:nvPicPr>
+          <p:cNvPr id="9" name="Picture Placeholder 8" descr="Graphical user interface&#10;&#10;Description automatically generated with medium confidence">
+            <a:extLst>
+              <a:ext uri="{FF2B5EF4-FFF2-40B4-BE49-F238E27FC236}">
+                <a16:creationId xmlns:a16="http://schemas.microsoft.com/office/drawing/2014/main" id="{49DD275D-B723-C44F-D4E1-4A4458B41BA7}"/>
+              </a:ext>
+            </a:extLst>
+          </p:cNvPr>
+          <p:cNvPicPr>
+            <a:picLocks noGrp="1" noChangeAspect="1"/>
+          </p:cNvPicPr>
+          <p:nvPr>
+            <p:ph sz="quarter" idx="14"/>
+          </p:nvPr>
+        </p:nvPicPr>
+        <p:blipFill>
+          <a:blip r:embed="rId2"/>
+          <a:stretch>
+            <a:fillRect/>
+          </a:stretch>
+        </p:blipFill>
+        <p:spPr>
+          <a:xfrm>
+            <a:off x="2275387" y="0"/>
+            <a:ext cx="7641226" cy="6858000"/>
+          </a:xfrm>
+          <a:noFill/>
+        </p:spPr>
+      </p:pic>
+      <p:sp>
+        <p:nvSpPr>
+          <p:cNvPr id="5" name="Footer Placeholder 4">
+            <a:extLst>
+              <a:ext uri="{FF2B5EF4-FFF2-40B4-BE49-F238E27FC236}">
+                <a16:creationId xmlns:a16="http://schemas.microsoft.com/office/drawing/2014/main" id="{54EDCDB9-A445-113C-D8ED-D8426C836B49}"/>
+              </a:ext>
+            </a:extLst>
+          </p:cNvPr>
+          <p:cNvSpPr>
+            <a:spLocks noGrp="1"/>
+          </p:cNvSpPr>
+          <p:nvPr>
+            <p:ph type="ftr" sz="quarter" idx="11"/>
+          </p:nvPr>
+        </p:nvSpPr>
+        <p:spPr>
+          <a:xfrm>
+            <a:off x="201168" y="6356350"/>
+            <a:ext cx="4837176" cy="365125"/>
+          </a:xfrm>
+        </p:spPr>
+        <p:txBody>
+          <a:bodyPr anchor="ctr">
+            <a:normAutofit/>
+          </a:bodyPr>
           <a:lstStyle/>
           <a:p>
-            <a:endParaRPr lang="en-US"/>
-          </a:p>
-        </p:txBody>
-      </p:sp>
-      <p:sp>
-        <p:nvSpPr>
-          <p:cNvPr id="4" name="Subtitle 3">
-            <a:extLst>
-              <a:ext uri="{FF2B5EF4-FFF2-40B4-BE49-F238E27FC236}">
-                <a16:creationId xmlns:a16="http://schemas.microsoft.com/office/drawing/2014/main" id="{6365FEDE-8733-D35F-AFC0-3878AC7DCE8A}"/>
-              </a:ext>
-            </a:extLst>
-          </p:cNvPr>
-          <p:cNvSpPr>
-            <a:spLocks noGrp="1"/>
-          </p:cNvSpPr>
-          <p:nvPr>
-            <p:ph type="subTitle" idx="1"/>
-          </p:nvPr>
-        </p:nvSpPr>
-        <p:spPr/>
-        <p:txBody>
-          <a:bodyPr/>
+            <a:pPr lvl="0" rtl="0">
+              <a:spcAft>
+                <a:spcPts val="600"/>
+              </a:spcAft>
+            </a:pPr>
+            <a:r>
+              <a:rPr lang="en-GB" dirty="0" err="1">
+                <a:solidFill>
+                  <a:prstClr val="black"/>
+                </a:solidFill>
+              </a:rPr>
+              <a:t>Simplify’s</a:t>
+            </a:r>
+            <a:r>
+              <a:rPr lang="en-GB" dirty="0">
+                <a:solidFill>
+                  <a:prstClr val="black"/>
+                </a:solidFill>
+              </a:rPr>
+              <a:t> Design Specification</a:t>
+            </a:r>
+          </a:p>
+        </p:txBody>
+      </p:sp>
+      <p:sp>
+        <p:nvSpPr>
+          <p:cNvPr id="10" name="Date Placeholder 2">
+            <a:extLst>
+              <a:ext uri="{FF2B5EF4-FFF2-40B4-BE49-F238E27FC236}">
+                <a16:creationId xmlns:a16="http://schemas.microsoft.com/office/drawing/2014/main" id="{539A4304-A68C-65B3-E428-AEF0FEF02555}"/>
+              </a:ext>
+            </a:extLst>
+          </p:cNvPr>
+          <p:cNvSpPr>
+            <a:spLocks noGrp="1"/>
+          </p:cNvSpPr>
+          <p:nvPr>
+            <p:ph type="dt" sz="half" idx="10"/>
+          </p:nvPr>
+        </p:nvSpPr>
+        <p:spPr>
+          <a:xfrm>
+            <a:off x="7013448" y="6355080"/>
+            <a:ext cx="4352544" cy="365125"/>
+          </a:xfrm>
+        </p:spPr>
+        <p:txBody>
+          <a:bodyPr rtlCol="0"/>
           <a:lstStyle/>
           <a:p>
-            <a:endParaRPr lang="en-US"/>
-          </a:p>
-        </p:txBody>
-      </p:sp>
-      <p:sp>
-        <p:nvSpPr>
-          <p:cNvPr id="5" name="Footer Placeholder 4">
-            <a:extLst>
-              <a:ext uri="{FF2B5EF4-FFF2-40B4-BE49-F238E27FC236}">
-                <a16:creationId xmlns:a16="http://schemas.microsoft.com/office/drawing/2014/main" id="{54EDCDB9-A445-113C-D8ED-D8426C836B49}"/>
-              </a:ext>
-            </a:extLst>
-          </p:cNvPr>
-          <p:cNvSpPr>
-            <a:spLocks noGrp="1"/>
-          </p:cNvSpPr>
-          <p:nvPr>
-            <p:ph type="ftr" sz="quarter" idx="11"/>
-          </p:nvPr>
-        </p:nvSpPr>
-        <p:spPr/>
-        <p:txBody>
-          <a:bodyPr/>
+            <a:pPr lvl="0" rtl="0"/>
+            <a:r>
+              <a:rPr lang="en-GB" dirty="0"/>
+              <a:t>2023</a:t>
+            </a:r>
+          </a:p>
+        </p:txBody>
+      </p:sp>
+      <p:sp>
+        <p:nvSpPr>
+          <p:cNvPr id="11" name="Slide Number Placeholder 4">
+            <a:extLst>
+              <a:ext uri="{FF2B5EF4-FFF2-40B4-BE49-F238E27FC236}">
+                <a16:creationId xmlns:a16="http://schemas.microsoft.com/office/drawing/2014/main" id="{B0822B27-01A8-2C09-779D-618955867F23}"/>
+              </a:ext>
+            </a:extLst>
+          </p:cNvPr>
+          <p:cNvSpPr>
+            <a:spLocks noGrp="1"/>
+          </p:cNvSpPr>
+          <p:nvPr>
+            <p:ph type="sldNum" sz="quarter" idx="12"/>
+          </p:nvPr>
+        </p:nvSpPr>
+        <p:spPr>
+          <a:xfrm>
+            <a:off x="11365992" y="6356350"/>
+            <a:ext cx="630936" cy="365125"/>
+          </a:xfrm>
+        </p:spPr>
+        <p:txBody>
+          <a:bodyPr rtlCol="0"/>
           <a:lstStyle/>
           <a:p>
-            <a:pPr rtl="0">
-              <a:defRPr/>
-            </a:pPr>
-            <a:r>
-              <a:rPr lang="en-GB" noProof="0">
-                <a:effectLst>
-                  <a:outerShdw blurRad="38100" dist="38100" dir="2700000" algn="tl">
-                    <a:srgbClr val="000000">
-                      <a:alpha val="43137"/>
-                    </a:srgbClr>
-                  </a:outerShdw>
-                </a:effectLst>
-              </a:rPr>
-              <a:t>Presentation title</a:t>
-            </a:r>
-          </a:p>
-        </p:txBody>
-      </p:sp>
-      <p:sp>
-        <p:nvSpPr>
-          <p:cNvPr id="6" name="Date Placeholder 5">
-            <a:extLst>
-              <a:ext uri="{FF2B5EF4-FFF2-40B4-BE49-F238E27FC236}">
-                <a16:creationId xmlns:a16="http://schemas.microsoft.com/office/drawing/2014/main" id="{38764B63-10A3-AEEF-D53F-1A9EE95BA715}"/>
-              </a:ext>
-            </a:extLst>
-          </p:cNvPr>
-          <p:cNvSpPr>
-            <a:spLocks noGrp="1"/>
-          </p:cNvSpPr>
-          <p:nvPr>
-            <p:ph type="dt" sz="half" idx="10"/>
-          </p:nvPr>
-        </p:nvSpPr>
-        <p:spPr/>
-        <p:txBody>
-          <a:bodyPr/>
-          <a:lstStyle/>
-          <a:p>
-            <a:pPr rtl="0">
-              <a:defRPr/>
-            </a:pPr>
-            <a:r>
-              <a:rPr lang="en-GB" noProof="0">
-                <a:effectLst>
-                  <a:outerShdw blurRad="38100" dist="38100" dir="2700000" algn="tl">
-                    <a:srgbClr val="000000">
-                      <a:alpha val="43137"/>
-                    </a:srgbClr>
-                  </a:outerShdw>
-                </a:effectLst>
-              </a:rPr>
-              <a:t>20XX</a:t>
-            </a:r>
-          </a:p>
-        </p:txBody>
-      </p:sp>
-      <p:sp>
-        <p:nvSpPr>
-          <p:cNvPr id="7" name="Slide Number Placeholder 6">
-            <a:extLst>
-              <a:ext uri="{FF2B5EF4-FFF2-40B4-BE49-F238E27FC236}">
-                <a16:creationId xmlns:a16="http://schemas.microsoft.com/office/drawing/2014/main" id="{5C80E6A0-DE3E-EE17-71A4-92574D895BE8}"/>
-              </a:ext>
-            </a:extLst>
-          </p:cNvPr>
-          <p:cNvSpPr>
-            <a:spLocks noGrp="1"/>
-          </p:cNvSpPr>
-          <p:nvPr>
-            <p:ph type="sldNum" sz="quarter" idx="12"/>
-          </p:nvPr>
-        </p:nvSpPr>
-        <p:spPr/>
-        <p:txBody>
-          <a:bodyPr/>
-          <a:lstStyle/>
-          <a:p>
-            <a:pPr rtl="0">
-              <a:defRPr/>
-            </a:pPr>
-            <a:fld id="{CD6D940D-6D44-4DF9-9322-B4B11F7EDCD0}" type="slidenum">
-              <a:rPr lang="en-GB" noProof="0" smtClean="0">
-                <a:effectLst>
-                  <a:outerShdw blurRad="38100" dist="38100" dir="2700000" algn="tl">
-                    <a:srgbClr val="000000">
-                      <a:alpha val="43137"/>
-                    </a:srgbClr>
-                  </a:outerShdw>
-                </a:effectLst>
-              </a:rPr>
-              <a:pPr rtl="0">
-                <a:defRPr/>
-              </a:pPr>
-              <a:t>12</a:t>
+            <a:pPr lvl="0" rtl="0"/>
+            <a:fld id="{06B786C7-B8F9-4072-AAAA-17258464D730}" type="slidenum">
+              <a:rPr lang="en-GB" smtClean="0"/>
+              <a:pPr lvl="0" rtl="0"/>
+              <a:t>13</a:t>
             </a:fld>
-            <a:endParaRPr lang="en-GB" noProof="0">
-              <a:effectLst>
-                <a:outerShdw blurRad="38100" dist="38100" dir="2700000" algn="tl">
-                  <a:srgbClr val="000000">
-                    <a:alpha val="43137"/>
-                  </a:srgbClr>
-                </a:outerShdw>
-              </a:effectLst>
-            </a:endParaRPr>
+            <a:endParaRPr lang="en-GB" dirty="0"/>
           </a:p>
         </p:txBody>
       </p:sp>
     </p:spTree>
     <p:extLst>
       <p:ext uri="{BB962C8B-B14F-4D97-AF65-F5344CB8AC3E}">
-        <p14:creationId xmlns:p14="http://schemas.microsoft.com/office/powerpoint/2010/main" val="1717669644"/>
+        <p14:creationId xmlns:p14="http://schemas.microsoft.com/office/powerpoint/2010/main" val="2758066748"/>
       </p:ext>
     </p:extLst>
   </p:cSld>
@@ -8612,8 +8930,8 @@
 </p:sld>
 </file>
 
-<file path=ppt/slides/slide13.xml><?xml version="1.0" encoding="utf-8"?>
-<p:sld xmlns:a="http://schemas.openxmlformats.org/drawingml/2006/main" xmlns:r="http://schemas.openxmlformats.org/officeDocument/2006/relationships" xmlns:p="http://schemas.openxmlformats.org/presentationml/2006/main">
+<file path=ppt/slides/slide14.xml><?xml version="1.0" encoding="utf-8"?>
+<p:sld xmlns:a="http://schemas.openxmlformats.org/drawingml/2006/main" xmlns:r="http://schemas.openxmlformats.org/officeDocument/2006/relationships" xmlns:p="http://schemas.openxmlformats.org/presentationml/2006/main" showMasterSp="0">
   <p:cSld>
     <p:spTree>
       <p:nvGrpSpPr>
@@ -8631,432 +8949,160 @@
       </p:grpSpPr>
       <p:sp>
         <p:nvSpPr>
-          <p:cNvPr id="2" name="Picture Placeholder 1">
-            <a:extLst>
-              <a:ext uri="{FF2B5EF4-FFF2-40B4-BE49-F238E27FC236}">
-                <a16:creationId xmlns:a16="http://schemas.microsoft.com/office/drawing/2014/main" id="{FADC2531-583D-5723-C747-4374258644BD}"/>
-              </a:ext>
-            </a:extLst>
-          </p:cNvPr>
-          <p:cNvSpPr>
-            <a:spLocks noGrp="1"/>
-          </p:cNvSpPr>
-          <p:nvPr>
-            <p:ph type="pic" sz="quarter" idx="13"/>
-          </p:nvPr>
-        </p:nvSpPr>
-        <p:spPr/>
-      </p:sp>
-      <p:sp>
-        <p:nvSpPr>
-          <p:cNvPr id="3" name="Title 2">
-            <a:extLst>
-              <a:ext uri="{FF2B5EF4-FFF2-40B4-BE49-F238E27FC236}">
-                <a16:creationId xmlns:a16="http://schemas.microsoft.com/office/drawing/2014/main" id="{CDED420B-22E5-BEA8-9DAC-12E56E6D13CB}"/>
-              </a:ext>
-            </a:extLst>
-          </p:cNvPr>
-          <p:cNvSpPr>
-            <a:spLocks noGrp="1"/>
-          </p:cNvSpPr>
-          <p:nvPr>
-            <p:ph type="ctrTitle"/>
-          </p:nvPr>
-        </p:nvSpPr>
-        <p:spPr/>
-        <p:txBody>
-          <a:bodyPr/>
+          <p:cNvPr id="5" name="Footer Placeholder 4">
+            <a:extLst>
+              <a:ext uri="{FF2B5EF4-FFF2-40B4-BE49-F238E27FC236}">
+                <a16:creationId xmlns:a16="http://schemas.microsoft.com/office/drawing/2014/main" id="{54EDCDB9-A445-113C-D8ED-D8426C836B49}"/>
+              </a:ext>
+            </a:extLst>
+          </p:cNvPr>
+          <p:cNvSpPr>
+            <a:spLocks noGrp="1"/>
+          </p:cNvSpPr>
+          <p:nvPr>
+            <p:ph type="ftr" sz="quarter" idx="11"/>
+          </p:nvPr>
+        </p:nvSpPr>
+        <p:spPr>
+          <a:xfrm>
+            <a:off x="199277" y="6356350"/>
+            <a:ext cx="2771138" cy="365125"/>
+          </a:xfrm>
+        </p:spPr>
+        <p:txBody>
+          <a:bodyPr anchor="ctr">
+            <a:normAutofit/>
+          </a:bodyPr>
           <a:lstStyle/>
           <a:p>
-            <a:endParaRPr lang="en-US"/>
-          </a:p>
-        </p:txBody>
-      </p:sp>
-      <p:sp>
-        <p:nvSpPr>
-          <p:cNvPr id="4" name="Subtitle 3">
-            <a:extLst>
-              <a:ext uri="{FF2B5EF4-FFF2-40B4-BE49-F238E27FC236}">
-                <a16:creationId xmlns:a16="http://schemas.microsoft.com/office/drawing/2014/main" id="{6365FEDE-8733-D35F-AFC0-3878AC7DCE8A}"/>
-              </a:ext>
-            </a:extLst>
-          </p:cNvPr>
-          <p:cNvSpPr>
-            <a:spLocks noGrp="1"/>
-          </p:cNvSpPr>
-          <p:nvPr>
-            <p:ph type="subTitle" idx="1"/>
-          </p:nvPr>
-        </p:nvSpPr>
-        <p:spPr/>
-        <p:txBody>
-          <a:bodyPr/>
+            <a:pPr lvl="0" rtl="0">
+              <a:spcAft>
+                <a:spcPts val="600"/>
+              </a:spcAft>
+            </a:pPr>
+            <a:r>
+              <a:rPr lang="en-GB" dirty="0" err="1">
+                <a:solidFill>
+                  <a:prstClr val="black"/>
+                </a:solidFill>
+              </a:rPr>
+              <a:t>Simplify’s</a:t>
+            </a:r>
+            <a:r>
+              <a:rPr lang="en-GB" dirty="0">
+                <a:solidFill>
+                  <a:prstClr val="black"/>
+                </a:solidFill>
+              </a:rPr>
+              <a:t> Design Specification</a:t>
+            </a:r>
+          </a:p>
+        </p:txBody>
+      </p:sp>
+      <p:pic>
+        <p:nvPicPr>
+          <p:cNvPr id="9" name="Picture Placeholder 8" descr="Graphical user interface&#10;&#10;Description automatically generated">
+            <a:extLst>
+              <a:ext uri="{FF2B5EF4-FFF2-40B4-BE49-F238E27FC236}">
+                <a16:creationId xmlns:a16="http://schemas.microsoft.com/office/drawing/2014/main" id="{E7C4F362-CB50-8A16-A475-97C1AC332308}"/>
+              </a:ext>
+            </a:extLst>
+          </p:cNvPr>
+          <p:cNvPicPr>
+            <a:picLocks noGrp="1" noChangeAspect="1"/>
+          </p:cNvPicPr>
+          <p:nvPr>
+            <p:ph sz="quarter" idx="14"/>
+          </p:nvPr>
+        </p:nvPicPr>
+        <p:blipFill>
+          <a:blip r:embed="rId2"/>
+          <a:stretch>
+            <a:fillRect/>
+          </a:stretch>
+        </p:blipFill>
+        <p:spPr>
+          <a:xfrm>
+            <a:off x="2317486" y="0"/>
+            <a:ext cx="7557027" cy="6858000"/>
+          </a:xfrm>
+          <a:noFill/>
+        </p:spPr>
+      </p:pic>
+      <p:sp>
+        <p:nvSpPr>
+          <p:cNvPr id="11" name="Date Placeholder 2">
+            <a:extLst>
+              <a:ext uri="{FF2B5EF4-FFF2-40B4-BE49-F238E27FC236}">
+                <a16:creationId xmlns:a16="http://schemas.microsoft.com/office/drawing/2014/main" id="{D84227A1-766D-4E6F-C713-6FE22AB67295}"/>
+              </a:ext>
+            </a:extLst>
+          </p:cNvPr>
+          <p:cNvSpPr>
+            <a:spLocks noGrp="1"/>
+          </p:cNvSpPr>
+          <p:nvPr>
+            <p:ph type="dt" sz="half" idx="10"/>
+          </p:nvPr>
+        </p:nvSpPr>
+        <p:spPr>
+          <a:xfrm>
+            <a:off x="7013448" y="6355080"/>
+            <a:ext cx="4352544" cy="365125"/>
+          </a:xfrm>
+        </p:spPr>
+        <p:txBody>
+          <a:bodyPr rtlCol="0"/>
           <a:lstStyle/>
           <a:p>
-            <a:endParaRPr lang="en-US"/>
-          </a:p>
-        </p:txBody>
-      </p:sp>
-      <p:sp>
-        <p:nvSpPr>
-          <p:cNvPr id="5" name="Footer Placeholder 4">
-            <a:extLst>
-              <a:ext uri="{FF2B5EF4-FFF2-40B4-BE49-F238E27FC236}">
-                <a16:creationId xmlns:a16="http://schemas.microsoft.com/office/drawing/2014/main" id="{54EDCDB9-A445-113C-D8ED-D8426C836B49}"/>
-              </a:ext>
-            </a:extLst>
-          </p:cNvPr>
-          <p:cNvSpPr>
-            <a:spLocks noGrp="1"/>
-          </p:cNvSpPr>
-          <p:nvPr>
-            <p:ph type="ftr" sz="quarter" idx="11"/>
-          </p:nvPr>
-        </p:nvSpPr>
-        <p:spPr/>
-        <p:txBody>
-          <a:bodyPr/>
+            <a:pPr lvl="0" rtl="0"/>
+            <a:r>
+              <a:rPr lang="en-GB" dirty="0"/>
+              <a:t>2023</a:t>
+            </a:r>
+          </a:p>
+        </p:txBody>
+      </p:sp>
+      <p:sp>
+        <p:nvSpPr>
+          <p:cNvPr id="12" name="Slide Number Placeholder 4">
+            <a:extLst>
+              <a:ext uri="{FF2B5EF4-FFF2-40B4-BE49-F238E27FC236}">
+                <a16:creationId xmlns:a16="http://schemas.microsoft.com/office/drawing/2014/main" id="{87DB98BF-6330-F881-FF2C-7F19371D31E4}"/>
+              </a:ext>
+            </a:extLst>
+          </p:cNvPr>
+          <p:cNvSpPr>
+            <a:spLocks noGrp="1"/>
+          </p:cNvSpPr>
+          <p:nvPr>
+            <p:ph type="sldNum" sz="quarter" idx="12"/>
+          </p:nvPr>
+        </p:nvSpPr>
+        <p:spPr>
+          <a:xfrm>
+            <a:off x="11365992" y="6356350"/>
+            <a:ext cx="630936" cy="365125"/>
+          </a:xfrm>
+        </p:spPr>
+        <p:txBody>
+          <a:bodyPr rtlCol="0"/>
           <a:lstStyle/>
           <a:p>
-            <a:pPr rtl="0">
-              <a:defRPr/>
-            </a:pPr>
-            <a:r>
-              <a:rPr lang="en-GB" noProof="0">
-                <a:effectLst>
-                  <a:outerShdw blurRad="38100" dist="38100" dir="2700000" algn="tl">
-                    <a:srgbClr val="000000">
-                      <a:alpha val="43137"/>
-                    </a:srgbClr>
-                  </a:outerShdw>
-                </a:effectLst>
-              </a:rPr>
-              <a:t>Presentation title</a:t>
-            </a:r>
-          </a:p>
-        </p:txBody>
-      </p:sp>
-      <p:sp>
-        <p:nvSpPr>
-          <p:cNvPr id="6" name="Date Placeholder 5">
-            <a:extLst>
-              <a:ext uri="{FF2B5EF4-FFF2-40B4-BE49-F238E27FC236}">
-                <a16:creationId xmlns:a16="http://schemas.microsoft.com/office/drawing/2014/main" id="{38764B63-10A3-AEEF-D53F-1A9EE95BA715}"/>
-              </a:ext>
-            </a:extLst>
-          </p:cNvPr>
-          <p:cNvSpPr>
-            <a:spLocks noGrp="1"/>
-          </p:cNvSpPr>
-          <p:nvPr>
-            <p:ph type="dt" sz="half" idx="10"/>
-          </p:nvPr>
-        </p:nvSpPr>
-        <p:spPr/>
-        <p:txBody>
-          <a:bodyPr/>
-          <a:lstStyle/>
-          <a:p>
-            <a:pPr rtl="0">
-              <a:defRPr/>
-            </a:pPr>
-            <a:r>
-              <a:rPr lang="en-GB" noProof="0">
-                <a:effectLst>
-                  <a:outerShdw blurRad="38100" dist="38100" dir="2700000" algn="tl">
-                    <a:srgbClr val="000000">
-                      <a:alpha val="43137"/>
-                    </a:srgbClr>
-                  </a:outerShdw>
-                </a:effectLst>
-              </a:rPr>
-              <a:t>20XX</a:t>
-            </a:r>
-          </a:p>
-        </p:txBody>
-      </p:sp>
-      <p:sp>
-        <p:nvSpPr>
-          <p:cNvPr id="7" name="Slide Number Placeholder 6">
-            <a:extLst>
-              <a:ext uri="{FF2B5EF4-FFF2-40B4-BE49-F238E27FC236}">
-                <a16:creationId xmlns:a16="http://schemas.microsoft.com/office/drawing/2014/main" id="{5C80E6A0-DE3E-EE17-71A4-92574D895BE8}"/>
-              </a:ext>
-            </a:extLst>
-          </p:cNvPr>
-          <p:cNvSpPr>
-            <a:spLocks noGrp="1"/>
-          </p:cNvSpPr>
-          <p:nvPr>
-            <p:ph type="sldNum" sz="quarter" idx="12"/>
-          </p:nvPr>
-        </p:nvSpPr>
-        <p:spPr/>
-        <p:txBody>
-          <a:bodyPr/>
-          <a:lstStyle/>
-          <a:p>
-            <a:pPr rtl="0">
-              <a:defRPr/>
-            </a:pPr>
-            <a:fld id="{CD6D940D-6D44-4DF9-9322-B4B11F7EDCD0}" type="slidenum">
-              <a:rPr lang="en-GB" noProof="0" smtClean="0">
-                <a:effectLst>
-                  <a:outerShdw blurRad="38100" dist="38100" dir="2700000" algn="tl">
-                    <a:srgbClr val="000000">
-                      <a:alpha val="43137"/>
-                    </a:srgbClr>
-                  </a:outerShdw>
-                </a:effectLst>
-              </a:rPr>
-              <a:pPr rtl="0">
-                <a:defRPr/>
-              </a:pPr>
-              <a:t>13</a:t>
+            <a:pPr lvl="0" rtl="0"/>
+            <a:fld id="{06B786C7-B8F9-4072-AAAA-17258464D730}" type="slidenum">
+              <a:rPr lang="en-GB" smtClean="0"/>
+              <a:pPr lvl="0" rtl="0"/>
+              <a:t>14</a:t>
             </a:fld>
-            <a:endParaRPr lang="en-GB" noProof="0">
-              <a:effectLst>
-                <a:outerShdw blurRad="38100" dist="38100" dir="2700000" algn="tl">
-                  <a:srgbClr val="000000">
-                    <a:alpha val="43137"/>
-                  </a:srgbClr>
-                </a:outerShdw>
-              </a:effectLst>
-            </a:endParaRPr>
+            <a:endParaRPr lang="en-GB" dirty="0"/>
           </a:p>
         </p:txBody>
       </p:sp>
     </p:spTree>
     <p:extLst>
       <p:ext uri="{BB962C8B-B14F-4D97-AF65-F5344CB8AC3E}">
-        <p14:creationId xmlns:p14="http://schemas.microsoft.com/office/powerpoint/2010/main" val="1113237551"/>
-      </p:ext>
-    </p:extLst>
-  </p:cSld>
-  <p:clrMapOvr>
-    <a:masterClrMapping/>
-  </p:clrMapOvr>
-</p:sld>
-</file>
-
-<file path=ppt/slides/slide14.xml><?xml version="1.0" encoding="utf-8"?>
-<p:sld xmlns:a="http://schemas.openxmlformats.org/drawingml/2006/main" xmlns:r="http://schemas.openxmlformats.org/officeDocument/2006/relationships" xmlns:p="http://schemas.openxmlformats.org/presentationml/2006/main">
-  <p:cSld>
-    <p:spTree>
-      <p:nvGrpSpPr>
-        <p:cNvPr id="1" name=""/>
-        <p:cNvGrpSpPr/>
-        <p:nvPr/>
-      </p:nvGrpSpPr>
-      <p:grpSpPr>
-        <a:xfrm>
-          <a:off x="0" y="0"/>
-          <a:ext cx="0" cy="0"/>
-          <a:chOff x="0" y="0"/>
-          <a:chExt cx="0" cy="0"/>
-        </a:xfrm>
-      </p:grpSpPr>
-      <p:sp>
-        <p:nvSpPr>
-          <p:cNvPr id="2" name="Picture Placeholder 1">
-            <a:extLst>
-              <a:ext uri="{FF2B5EF4-FFF2-40B4-BE49-F238E27FC236}">
-                <a16:creationId xmlns:a16="http://schemas.microsoft.com/office/drawing/2014/main" id="{FADC2531-583D-5723-C747-4374258644BD}"/>
-              </a:ext>
-            </a:extLst>
-          </p:cNvPr>
-          <p:cNvSpPr>
-            <a:spLocks noGrp="1"/>
-          </p:cNvSpPr>
-          <p:nvPr>
-            <p:ph type="pic" sz="quarter" idx="13"/>
-          </p:nvPr>
-        </p:nvSpPr>
-        <p:spPr/>
-      </p:sp>
-      <p:sp>
-        <p:nvSpPr>
-          <p:cNvPr id="3" name="Title 2">
-            <a:extLst>
-              <a:ext uri="{FF2B5EF4-FFF2-40B4-BE49-F238E27FC236}">
-                <a16:creationId xmlns:a16="http://schemas.microsoft.com/office/drawing/2014/main" id="{CDED420B-22E5-BEA8-9DAC-12E56E6D13CB}"/>
-              </a:ext>
-            </a:extLst>
-          </p:cNvPr>
-          <p:cNvSpPr>
-            <a:spLocks noGrp="1"/>
-          </p:cNvSpPr>
-          <p:nvPr>
-            <p:ph type="ctrTitle"/>
-          </p:nvPr>
-        </p:nvSpPr>
-        <p:spPr/>
-        <p:txBody>
-          <a:bodyPr/>
-          <a:lstStyle/>
-          <a:p>
-            <a:endParaRPr lang="en-US"/>
-          </a:p>
-        </p:txBody>
-      </p:sp>
-      <p:sp>
-        <p:nvSpPr>
-          <p:cNvPr id="4" name="Subtitle 3">
-            <a:extLst>
-              <a:ext uri="{FF2B5EF4-FFF2-40B4-BE49-F238E27FC236}">
-                <a16:creationId xmlns:a16="http://schemas.microsoft.com/office/drawing/2014/main" id="{6365FEDE-8733-D35F-AFC0-3878AC7DCE8A}"/>
-              </a:ext>
-            </a:extLst>
-          </p:cNvPr>
-          <p:cNvSpPr>
-            <a:spLocks noGrp="1"/>
-          </p:cNvSpPr>
-          <p:nvPr>
-            <p:ph type="subTitle" idx="1"/>
-          </p:nvPr>
-        </p:nvSpPr>
-        <p:spPr/>
-        <p:txBody>
-          <a:bodyPr/>
-          <a:lstStyle/>
-          <a:p>
-            <a:endParaRPr lang="en-US"/>
-          </a:p>
-        </p:txBody>
-      </p:sp>
-      <p:sp>
-        <p:nvSpPr>
-          <p:cNvPr id="5" name="Footer Placeholder 4">
-            <a:extLst>
-              <a:ext uri="{FF2B5EF4-FFF2-40B4-BE49-F238E27FC236}">
-                <a16:creationId xmlns:a16="http://schemas.microsoft.com/office/drawing/2014/main" id="{54EDCDB9-A445-113C-D8ED-D8426C836B49}"/>
-              </a:ext>
-            </a:extLst>
-          </p:cNvPr>
-          <p:cNvSpPr>
-            <a:spLocks noGrp="1"/>
-          </p:cNvSpPr>
-          <p:nvPr>
-            <p:ph type="ftr" sz="quarter" idx="11"/>
-          </p:nvPr>
-        </p:nvSpPr>
-        <p:spPr/>
-        <p:txBody>
-          <a:bodyPr/>
-          <a:lstStyle/>
-          <a:p>
-            <a:pPr rtl="0">
-              <a:defRPr/>
-            </a:pPr>
-            <a:r>
-              <a:rPr lang="en-GB" noProof="0">
-                <a:effectLst>
-                  <a:outerShdw blurRad="38100" dist="38100" dir="2700000" algn="tl">
-                    <a:srgbClr val="000000">
-                      <a:alpha val="43137"/>
-                    </a:srgbClr>
-                  </a:outerShdw>
-                </a:effectLst>
-              </a:rPr>
-              <a:t>Presentation title</a:t>
-            </a:r>
-          </a:p>
-        </p:txBody>
-      </p:sp>
-      <p:sp>
-        <p:nvSpPr>
-          <p:cNvPr id="6" name="Date Placeholder 5">
-            <a:extLst>
-              <a:ext uri="{FF2B5EF4-FFF2-40B4-BE49-F238E27FC236}">
-                <a16:creationId xmlns:a16="http://schemas.microsoft.com/office/drawing/2014/main" id="{38764B63-10A3-AEEF-D53F-1A9EE95BA715}"/>
-              </a:ext>
-            </a:extLst>
-          </p:cNvPr>
-          <p:cNvSpPr>
-            <a:spLocks noGrp="1"/>
-          </p:cNvSpPr>
-          <p:nvPr>
-            <p:ph type="dt" sz="half" idx="10"/>
-          </p:nvPr>
-        </p:nvSpPr>
-        <p:spPr/>
-        <p:txBody>
-          <a:bodyPr/>
-          <a:lstStyle/>
-          <a:p>
-            <a:pPr rtl="0">
-              <a:defRPr/>
-            </a:pPr>
-            <a:r>
-              <a:rPr lang="en-GB" noProof="0">
-                <a:effectLst>
-                  <a:outerShdw blurRad="38100" dist="38100" dir="2700000" algn="tl">
-                    <a:srgbClr val="000000">
-                      <a:alpha val="43137"/>
-                    </a:srgbClr>
-                  </a:outerShdw>
-                </a:effectLst>
-              </a:rPr>
-              <a:t>20XX</a:t>
-            </a:r>
-          </a:p>
-        </p:txBody>
-      </p:sp>
-      <p:sp>
-        <p:nvSpPr>
-          <p:cNvPr id="7" name="Slide Number Placeholder 6">
-            <a:extLst>
-              <a:ext uri="{FF2B5EF4-FFF2-40B4-BE49-F238E27FC236}">
-                <a16:creationId xmlns:a16="http://schemas.microsoft.com/office/drawing/2014/main" id="{5C80E6A0-DE3E-EE17-71A4-92574D895BE8}"/>
-              </a:ext>
-            </a:extLst>
-          </p:cNvPr>
-          <p:cNvSpPr>
-            <a:spLocks noGrp="1"/>
-          </p:cNvSpPr>
-          <p:nvPr>
-            <p:ph type="sldNum" sz="quarter" idx="12"/>
-          </p:nvPr>
-        </p:nvSpPr>
-        <p:spPr/>
-        <p:txBody>
-          <a:bodyPr/>
-          <a:lstStyle/>
-          <a:p>
-            <a:pPr rtl="0">
-              <a:defRPr/>
-            </a:pPr>
-            <a:fld id="{CD6D940D-6D44-4DF9-9322-B4B11F7EDCD0}" type="slidenum">
-              <a:rPr lang="en-GB" noProof="0" smtClean="0">
-                <a:effectLst>
-                  <a:outerShdw blurRad="38100" dist="38100" dir="2700000" algn="tl">
-                    <a:srgbClr val="000000">
-                      <a:alpha val="43137"/>
-                    </a:srgbClr>
-                  </a:outerShdw>
-                </a:effectLst>
-              </a:rPr>
-              <a:pPr rtl="0">
-                <a:defRPr/>
-              </a:pPr>
-              <a:t>14</a:t>
-            </a:fld>
-            <a:endParaRPr lang="en-GB" noProof="0">
-              <a:effectLst>
-                <a:outerShdw blurRad="38100" dist="38100" dir="2700000" algn="tl">
-                  <a:srgbClr val="000000">
-                    <a:alpha val="43137"/>
-                  </a:srgbClr>
-                </a:outerShdw>
-              </a:effectLst>
-            </a:endParaRPr>
-          </a:p>
-        </p:txBody>
-      </p:sp>
-    </p:spTree>
-    <p:extLst>
-      <p:ext uri="{BB962C8B-B14F-4D97-AF65-F5344CB8AC3E}">
-        <p14:creationId xmlns:p14="http://schemas.microsoft.com/office/powerpoint/2010/main" val="2758066748"/>
+        <p14:creationId xmlns:p14="http://schemas.microsoft.com/office/powerpoint/2010/main" val="2476993334"/>
       </p:ext>
     </p:extLst>
   </p:cSld>
@@ -9085,233 +9131,6 @@
       </p:grpSpPr>
       <p:sp>
         <p:nvSpPr>
-          <p:cNvPr id="2" name="Picture Placeholder 1">
-            <a:extLst>
-              <a:ext uri="{FF2B5EF4-FFF2-40B4-BE49-F238E27FC236}">
-                <a16:creationId xmlns:a16="http://schemas.microsoft.com/office/drawing/2014/main" id="{FADC2531-583D-5723-C747-4374258644BD}"/>
-              </a:ext>
-            </a:extLst>
-          </p:cNvPr>
-          <p:cNvSpPr>
-            <a:spLocks noGrp="1"/>
-          </p:cNvSpPr>
-          <p:nvPr>
-            <p:ph type="pic" sz="quarter" idx="13"/>
-          </p:nvPr>
-        </p:nvSpPr>
-        <p:spPr/>
-      </p:sp>
-      <p:sp>
-        <p:nvSpPr>
-          <p:cNvPr id="3" name="Title 2">
-            <a:extLst>
-              <a:ext uri="{FF2B5EF4-FFF2-40B4-BE49-F238E27FC236}">
-                <a16:creationId xmlns:a16="http://schemas.microsoft.com/office/drawing/2014/main" id="{CDED420B-22E5-BEA8-9DAC-12E56E6D13CB}"/>
-              </a:ext>
-            </a:extLst>
-          </p:cNvPr>
-          <p:cNvSpPr>
-            <a:spLocks noGrp="1"/>
-          </p:cNvSpPr>
-          <p:nvPr>
-            <p:ph type="ctrTitle"/>
-          </p:nvPr>
-        </p:nvSpPr>
-        <p:spPr/>
-        <p:txBody>
-          <a:bodyPr/>
-          <a:lstStyle/>
-          <a:p>
-            <a:endParaRPr lang="en-US"/>
-          </a:p>
-        </p:txBody>
-      </p:sp>
-      <p:sp>
-        <p:nvSpPr>
-          <p:cNvPr id="4" name="Subtitle 3">
-            <a:extLst>
-              <a:ext uri="{FF2B5EF4-FFF2-40B4-BE49-F238E27FC236}">
-                <a16:creationId xmlns:a16="http://schemas.microsoft.com/office/drawing/2014/main" id="{6365FEDE-8733-D35F-AFC0-3878AC7DCE8A}"/>
-              </a:ext>
-            </a:extLst>
-          </p:cNvPr>
-          <p:cNvSpPr>
-            <a:spLocks noGrp="1"/>
-          </p:cNvSpPr>
-          <p:nvPr>
-            <p:ph type="subTitle" idx="1"/>
-          </p:nvPr>
-        </p:nvSpPr>
-        <p:spPr/>
-        <p:txBody>
-          <a:bodyPr/>
-          <a:lstStyle/>
-          <a:p>
-            <a:endParaRPr lang="en-US"/>
-          </a:p>
-        </p:txBody>
-      </p:sp>
-      <p:sp>
-        <p:nvSpPr>
-          <p:cNvPr id="5" name="Footer Placeholder 4">
-            <a:extLst>
-              <a:ext uri="{FF2B5EF4-FFF2-40B4-BE49-F238E27FC236}">
-                <a16:creationId xmlns:a16="http://schemas.microsoft.com/office/drawing/2014/main" id="{54EDCDB9-A445-113C-D8ED-D8426C836B49}"/>
-              </a:ext>
-            </a:extLst>
-          </p:cNvPr>
-          <p:cNvSpPr>
-            <a:spLocks noGrp="1"/>
-          </p:cNvSpPr>
-          <p:nvPr>
-            <p:ph type="ftr" sz="quarter" idx="11"/>
-          </p:nvPr>
-        </p:nvSpPr>
-        <p:spPr/>
-        <p:txBody>
-          <a:bodyPr/>
-          <a:lstStyle/>
-          <a:p>
-            <a:pPr rtl="0">
-              <a:defRPr/>
-            </a:pPr>
-            <a:r>
-              <a:rPr lang="en-GB" noProof="0">
-                <a:effectLst>
-                  <a:outerShdw blurRad="38100" dist="38100" dir="2700000" algn="tl">
-                    <a:srgbClr val="000000">
-                      <a:alpha val="43137"/>
-                    </a:srgbClr>
-                  </a:outerShdw>
-                </a:effectLst>
-              </a:rPr>
-              <a:t>Presentation title</a:t>
-            </a:r>
-          </a:p>
-        </p:txBody>
-      </p:sp>
-      <p:sp>
-        <p:nvSpPr>
-          <p:cNvPr id="6" name="Date Placeholder 5">
-            <a:extLst>
-              <a:ext uri="{FF2B5EF4-FFF2-40B4-BE49-F238E27FC236}">
-                <a16:creationId xmlns:a16="http://schemas.microsoft.com/office/drawing/2014/main" id="{38764B63-10A3-AEEF-D53F-1A9EE95BA715}"/>
-              </a:ext>
-            </a:extLst>
-          </p:cNvPr>
-          <p:cNvSpPr>
-            <a:spLocks noGrp="1"/>
-          </p:cNvSpPr>
-          <p:nvPr>
-            <p:ph type="dt" sz="half" idx="10"/>
-          </p:nvPr>
-        </p:nvSpPr>
-        <p:spPr/>
-        <p:txBody>
-          <a:bodyPr/>
-          <a:lstStyle/>
-          <a:p>
-            <a:pPr rtl="0">
-              <a:defRPr/>
-            </a:pPr>
-            <a:r>
-              <a:rPr lang="en-GB" noProof="0">
-                <a:effectLst>
-                  <a:outerShdw blurRad="38100" dist="38100" dir="2700000" algn="tl">
-                    <a:srgbClr val="000000">
-                      <a:alpha val="43137"/>
-                    </a:srgbClr>
-                  </a:outerShdw>
-                </a:effectLst>
-              </a:rPr>
-              <a:t>20XX</a:t>
-            </a:r>
-          </a:p>
-        </p:txBody>
-      </p:sp>
-      <p:sp>
-        <p:nvSpPr>
-          <p:cNvPr id="7" name="Slide Number Placeholder 6">
-            <a:extLst>
-              <a:ext uri="{FF2B5EF4-FFF2-40B4-BE49-F238E27FC236}">
-                <a16:creationId xmlns:a16="http://schemas.microsoft.com/office/drawing/2014/main" id="{5C80E6A0-DE3E-EE17-71A4-92574D895BE8}"/>
-              </a:ext>
-            </a:extLst>
-          </p:cNvPr>
-          <p:cNvSpPr>
-            <a:spLocks noGrp="1"/>
-          </p:cNvSpPr>
-          <p:nvPr>
-            <p:ph type="sldNum" sz="quarter" idx="12"/>
-          </p:nvPr>
-        </p:nvSpPr>
-        <p:spPr/>
-        <p:txBody>
-          <a:bodyPr/>
-          <a:lstStyle/>
-          <a:p>
-            <a:pPr rtl="0">
-              <a:defRPr/>
-            </a:pPr>
-            <a:fld id="{CD6D940D-6D44-4DF9-9322-B4B11F7EDCD0}" type="slidenum">
-              <a:rPr lang="en-GB" noProof="0" smtClean="0">
-                <a:effectLst>
-                  <a:outerShdw blurRad="38100" dist="38100" dir="2700000" algn="tl">
-                    <a:srgbClr val="000000">
-                      <a:alpha val="43137"/>
-                    </a:srgbClr>
-                  </a:outerShdw>
-                </a:effectLst>
-              </a:rPr>
-              <a:pPr rtl="0">
-                <a:defRPr/>
-              </a:pPr>
-              <a:t>15</a:t>
-            </a:fld>
-            <a:endParaRPr lang="en-GB" noProof="0">
-              <a:effectLst>
-                <a:outerShdw blurRad="38100" dist="38100" dir="2700000" algn="tl">
-                  <a:srgbClr val="000000">
-                    <a:alpha val="43137"/>
-                  </a:srgbClr>
-                </a:outerShdw>
-              </a:effectLst>
-            </a:endParaRPr>
-          </a:p>
-        </p:txBody>
-      </p:sp>
-    </p:spTree>
-    <p:extLst>
-      <p:ext uri="{BB962C8B-B14F-4D97-AF65-F5344CB8AC3E}">
-        <p14:creationId xmlns:p14="http://schemas.microsoft.com/office/powerpoint/2010/main" val="2476993334"/>
-      </p:ext>
-    </p:extLst>
-  </p:cSld>
-  <p:clrMapOvr>
-    <a:masterClrMapping/>
-  </p:clrMapOvr>
-</p:sld>
-</file>
-
-<file path=ppt/slides/slide16.xml><?xml version="1.0" encoding="utf-8"?>
-<p:sld xmlns:a="http://schemas.openxmlformats.org/drawingml/2006/main" xmlns:r="http://schemas.openxmlformats.org/officeDocument/2006/relationships" xmlns:p="http://schemas.openxmlformats.org/presentationml/2006/main">
-  <p:cSld>
-    <p:spTree>
-      <p:nvGrpSpPr>
-        <p:cNvPr id="1" name=""/>
-        <p:cNvGrpSpPr/>
-        <p:nvPr/>
-      </p:nvGrpSpPr>
-      <p:grpSpPr>
-        <a:xfrm>
-          <a:off x="0" y="0"/>
-          <a:ext cx="0" cy="0"/>
-          <a:chOff x="0" y="0"/>
-          <a:chExt cx="0" cy="0"/>
-        </a:xfrm>
-      </p:grpSpPr>
-      <p:sp>
-        <p:nvSpPr>
           <p:cNvPr id="22" name="Title 21">
             <a:extLst>
               <a:ext uri="{FF2B5EF4-FFF2-40B4-BE49-F238E27FC236}">
@@ -9448,7 +9267,7 @@
             <a:fld id="{06B786C7-B8F9-4072-AAAA-17258464D730}" type="slidenum">
               <a:rPr lang="en-GB" smtClean="0"/>
               <a:pPr lvl="0" rtl="0"/>
-              <a:t>16</a:t>
+              <a:t>15</a:t>
             </a:fld>
             <a:endParaRPr lang="en-GB" dirty="0"/>
           </a:p>
@@ -9469,7 +9288,7 @@
           <p:nvPr>
             <p:extLst>
               <p:ext uri="{D42A27DB-BD31-4B8C-83A1-F6EECF244321}">
-                <p14:modId xmlns:p14="http://schemas.microsoft.com/office/powerpoint/2010/main" val="3437265788"/>
+                <p14:modId xmlns:p14="http://schemas.microsoft.com/office/powerpoint/2010/main" val="1904128792"/>
               </p:ext>
             </p:extLst>
           </p:nvPr>
@@ -9617,7 +9436,7 @@
                       <a:pPr algn="ctr"/>
                       <a:r>
                         <a:rPr lang="en-US" dirty="0"/>
-                        <a:t>40%</a:t>
+                        <a:t>28%</a:t>
                       </a:r>
                     </a:p>
                   </a:txBody>
@@ -9678,7 +9497,7 @@
                       <a:pPr algn="ctr"/>
                       <a:r>
                         <a:rPr lang="en-US" dirty="0"/>
-                        <a:t>15%</a:t>
+                        <a:t>18%</a:t>
                       </a:r>
                     </a:p>
                   </a:txBody>
@@ -9739,7 +9558,7 @@
                       <a:pPr algn="ctr"/>
                       <a:r>
                         <a:rPr lang="en-US" dirty="0"/>
-                        <a:t>15%</a:t>
+                        <a:t>18%</a:t>
                       </a:r>
                     </a:p>
                   </a:txBody>
@@ -9804,7 +9623,7 @@
                       <a:pPr algn="ctr"/>
                       <a:r>
                         <a:rPr lang="en-US" dirty="0"/>
-                        <a:t>15%</a:t>
+                        <a:t>18%</a:t>
                       </a:r>
                     </a:p>
                   </a:txBody>
@@ -9869,7 +9688,7 @@
                       <a:pPr algn="ctr"/>
                       <a:r>
                         <a:rPr lang="en-US" dirty="0"/>
-                        <a:t>15%</a:t>
+                        <a:t>18%</a:t>
                       </a:r>
                     </a:p>
                   </a:txBody>
@@ -9911,7 +9730,7 @@
 </p:sld>
 </file>
 
-<file path=ppt/slides/slide17.xml><?xml version="1.0" encoding="utf-8"?>
+<file path=ppt/slides/slide16.xml><?xml version="1.0" encoding="utf-8"?>
 <p:sld xmlns:a="http://schemas.openxmlformats.org/drawingml/2006/main" xmlns:r="http://schemas.openxmlformats.org/officeDocument/2006/relationships" xmlns:p="http://schemas.openxmlformats.org/presentationml/2006/main">
   <p:cSld>
     <p:spTree>
@@ -10132,7 +9951,7 @@
             <a:fld id="{D39F39FF-F5CB-4ACA-9B46-4CCF89ECA75F}" type="slidenum">
               <a:rPr lang="en-GB" smtClean="0"/>
               <a:pPr lvl="0" rtl="0"/>
-              <a:t>17</a:t>
+              <a:t>16</a:t>
             </a:fld>
             <a:endParaRPr lang="en-GB"/>
           </a:p>
@@ -10478,8 +10297,8 @@
         </p:blipFill>
         <p:spPr>
           <a:xfrm>
-            <a:off x="4380498" y="0"/>
-            <a:ext cx="3431004" cy="3431004"/>
+            <a:off x="4076701" y="0"/>
+            <a:ext cx="4038599" cy="3431004"/>
           </a:xfrm>
           <a:prstGeom prst="rect">
             <a:avLst/>
@@ -10502,6 +10321,14 @@
 <file path=ppt/slides/slide3.xml><?xml version="1.0" encoding="utf-8"?>
 <p:sld xmlns:a="http://schemas.openxmlformats.org/drawingml/2006/main" xmlns:r="http://schemas.openxmlformats.org/officeDocument/2006/relationships" xmlns:p="http://schemas.openxmlformats.org/presentationml/2006/main">
   <p:cSld>
+    <p:bg>
+      <p:bgPr>
+        <a:solidFill>
+          <a:schemeClr val="bg1"/>
+        </a:solidFill>
+        <a:effectLst/>
+      </p:bgPr>
+    </p:bg>
     <p:spTree>
       <p:nvGrpSpPr>
         <p:cNvPr id="1" name=""/>
@@ -10518,33 +10345,39 @@
       </p:grpSpPr>
       <p:sp>
         <p:nvSpPr>
-          <p:cNvPr id="10" name="Title 9">
-            <a:extLst>
-              <a:ext uri="{FF2B5EF4-FFF2-40B4-BE49-F238E27FC236}">
-                <a16:creationId xmlns:a16="http://schemas.microsoft.com/office/drawing/2014/main" id="{21C5EA2A-10BF-4B5E-ACC8-8A766A0949A6}"/>
-              </a:ext>
-            </a:extLst>
-          </p:cNvPr>
-          <p:cNvSpPr>
-            <a:spLocks noGrp="1"/>
-          </p:cNvSpPr>
-          <p:nvPr>
-            <p:ph type="ctrTitle"/>
-          </p:nvPr>
-        </p:nvSpPr>
-        <p:spPr>
-          <a:xfrm>
-            <a:off x="649045" y="753035"/>
-            <a:ext cx="5945393" cy="2366683"/>
-          </a:xfrm>
-        </p:spPr>
-        <p:txBody>
-          <a:bodyPr rtlCol="0"/>
+          <p:cNvPr id="18" name="Title 17">
+            <a:extLst>
+              <a:ext uri="{FF2B5EF4-FFF2-40B4-BE49-F238E27FC236}">
+                <a16:creationId xmlns:a16="http://schemas.microsoft.com/office/drawing/2014/main" id="{9F2FEA60-F900-4C56-9486-48EA30926F6E}"/>
+              </a:ext>
+            </a:extLst>
+          </p:cNvPr>
+          <p:cNvSpPr>
+            <a:spLocks noGrp="1"/>
+          </p:cNvSpPr>
+          <p:nvPr>
+            <p:ph type="title"/>
+          </p:nvPr>
+        </p:nvSpPr>
+        <p:spPr>
+          <a:xfrm>
+            <a:off x="649045" y="365124"/>
+            <a:ext cx="9523655" cy="1501327"/>
+          </a:xfrm>
+        </p:spPr>
+        <p:txBody>
+          <a:bodyPr rtlCol="0" anchor="b">
+            <a:normAutofit/>
+          </a:bodyPr>
           <a:lstStyle/>
           <a:p>
             <a:pPr rtl="0"/>
             <a:r>
-              <a:rPr lang="en-GB" dirty="0"/>
+              <a:rPr lang="en-GB" dirty="0">
+                <a:solidFill>
+                  <a:srgbClr val="FFFFFF"/>
+                </a:solidFill>
+              </a:rPr>
               <a:t>Overview</a:t>
             </a:r>
           </a:p>
@@ -10552,19 +10385,17 @@
       </p:sp>
       <p:pic>
         <p:nvPicPr>
-          <p:cNvPr id="26" name="Picture Placeholder 25" descr="A person standing on a rock">
-            <a:extLst>
-              <a:ext uri="{FF2B5EF4-FFF2-40B4-BE49-F238E27FC236}">
-                <a16:creationId xmlns:a16="http://schemas.microsoft.com/office/drawing/2014/main" id="{5A11C124-E818-45E0-9F70-7F0C271DDC71}"/>
+          <p:cNvPr id="7" name="Picture Placeholder 17" descr="A picture containing outdoor, person, mountain">
+            <a:extLst>
+              <a:ext uri="{FF2B5EF4-FFF2-40B4-BE49-F238E27FC236}">
+                <a16:creationId xmlns:a16="http://schemas.microsoft.com/office/drawing/2014/main" id="{C7D60489-751F-376B-8B83-0527438753C0}"/>
               </a:ext>
             </a:extLst>
           </p:cNvPr>
           <p:cNvPicPr>
-            <a:picLocks noGrp="1" noChangeAspect="1"/>
+            <a:picLocks noChangeAspect="1"/>
           </p:cNvPicPr>
-          <p:nvPr>
-            <p:ph type="pic" sz="quarter" idx="14"/>
-          </p:nvPr>
+          <p:nvPr/>
         </p:nvPicPr>
         <p:blipFill rotWithShape="1">
           <a:blip r:embed="rId3">
@@ -10574,14 +10405,18 @@
               </a:ext>
             </a:extLst>
           </a:blip>
-          <a:srcRect/>
+          <a:srcRect l="1636" r="1" b="1"/>
           <a:stretch/>
         </p:blipFill>
         <p:spPr>
           <a:xfrm>
-            <a:off x="0" y="4533900"/>
-            <a:ext cx="7086598" cy="2324100"/>
-          </a:xfrm>
+            <a:off x="20" y="2286000"/>
+            <a:ext cx="5067280" cy="4572000"/>
+          </a:xfrm>
+          <a:prstGeom prst="rect">
+            <a:avLst/>
+          </a:prstGeom>
+          <a:noFill/>
         </p:spPr>
       </p:pic>
       <p:sp>
@@ -10589,7 +10424,7 @@
           <p:cNvPr id="3" name="Footer Placeholder 2">
             <a:extLst>
               <a:ext uri="{FF2B5EF4-FFF2-40B4-BE49-F238E27FC236}">
-                <a16:creationId xmlns:a16="http://schemas.microsoft.com/office/drawing/2014/main" id="{E5932065-5BEE-4D45-A3A1-6F0559B48650}"/>
+                <a16:creationId xmlns:a16="http://schemas.microsoft.com/office/drawing/2014/main" id="{88BDA17F-F303-4811-96C4-AD8A09ABEC11}"/>
               </a:ext>
             </a:extLst>
           </p:cNvPr>
@@ -10607,95 +10442,91 @@
           </a:xfrm>
         </p:spPr>
         <p:txBody>
-          <a:bodyPr rtlCol="0"/>
+          <a:bodyPr rtlCol="0" anchor="ctr">
+            <a:normAutofit/>
+          </a:bodyPr>
           <a:lstStyle/>
           <a:p>
-            <a:pPr lvl="0" rtl="0"/>
-            <a:r>
-              <a:rPr lang="en-GB" dirty="0" err="1"/>
-              <a:t>Simplify’s</a:t>
-            </a:r>
-            <a:r>
-              <a:rPr lang="en-GB" dirty="0"/>
-              <a:t> Design Specification</a:t>
-            </a:r>
-          </a:p>
-        </p:txBody>
-      </p:sp>
-      <p:pic>
-        <p:nvPicPr>
-          <p:cNvPr id="18" name="Picture Placeholder 17" descr="A picture containing outdoor, person, mountain">
-            <a:extLst>
-              <a:ext uri="{FF2B5EF4-FFF2-40B4-BE49-F238E27FC236}">
-                <a16:creationId xmlns:a16="http://schemas.microsoft.com/office/drawing/2014/main" id="{17AE28DB-6A67-4368-B973-0AF9753460B7}"/>
-              </a:ext>
-            </a:extLst>
-          </p:cNvPr>
-          <p:cNvPicPr>
-            <a:picLocks noGrp="1" noChangeAspect="1"/>
-          </p:cNvPicPr>
-          <p:nvPr>
-            <p:ph type="pic" sz="quarter" idx="13"/>
-          </p:nvPr>
-        </p:nvPicPr>
-        <p:blipFill rotWithShape="1">
-          <a:blip r:embed="rId4">
-            <a:extLst>
-              <a:ext uri="{28A0092B-C50C-407E-A947-70E740481C1C}">
-                <a14:useLocalDpi xmlns:a14="http://schemas.microsoft.com/office/drawing/2010/main" val="0"/>
-              </a:ext>
-            </a:extLst>
-          </a:blip>
-          <a:srcRect/>
-          <a:stretch/>
-        </p:blipFill>
-        <p:spPr>
-          <a:xfrm>
-            <a:off x="7086600" y="0"/>
-            <a:ext cx="5105400" cy="4533900"/>
-          </a:xfrm>
-        </p:spPr>
-      </p:pic>
-      <p:pic>
-        <p:nvPicPr>
-          <p:cNvPr id="22" name="Picture Placeholder 21" descr="A picture containing nature, outdoor, snow, mountain">
-            <a:extLst>
-              <a:ext uri="{FF2B5EF4-FFF2-40B4-BE49-F238E27FC236}">
-                <a16:creationId xmlns:a16="http://schemas.microsoft.com/office/drawing/2014/main" id="{8A37E149-B64A-42E8-BB3A-1FD622CE5C95}"/>
-              </a:ext>
-            </a:extLst>
-          </p:cNvPr>
-          <p:cNvPicPr>
-            <a:picLocks noGrp="1" noChangeAspect="1"/>
-          </p:cNvPicPr>
-          <p:nvPr>
-            <p:ph type="pic" sz="quarter" idx="15"/>
-          </p:nvPr>
-        </p:nvPicPr>
-        <p:blipFill rotWithShape="1">
-          <a:blip r:embed="rId5">
-            <a:extLst>
-              <a:ext uri="{28A0092B-C50C-407E-A947-70E740481C1C}">
-                <a14:useLocalDpi xmlns:a14="http://schemas.microsoft.com/office/drawing/2010/main" val="0"/>
-              </a:ext>
-            </a:extLst>
-          </a:blip>
-          <a:srcRect/>
-          <a:stretch/>
-        </p:blipFill>
-        <p:spPr>
-          <a:xfrm>
-            <a:off x="7086598" y="4533900"/>
-            <a:ext cx="5105402" cy="2324100"/>
-          </a:xfrm>
-        </p:spPr>
-      </p:pic>
-      <p:sp>
-        <p:nvSpPr>
-          <p:cNvPr id="2" name="Date Placeholder 1">
-            <a:extLst>
-              <a:ext uri="{FF2B5EF4-FFF2-40B4-BE49-F238E27FC236}">
-                <a16:creationId xmlns:a16="http://schemas.microsoft.com/office/drawing/2014/main" id="{B8D2C1D6-521E-4B36-BBF3-F3613BE0A718}"/>
+            <a:pPr rtl="0">
+              <a:spcAft>
+                <a:spcPts val="600"/>
+              </a:spcAft>
+            </a:pPr>
+            <a:r>
+              <a:rPr lang="en-GB"/>
+              <a:t>Simplify’s Design Specification</a:t>
+            </a:r>
+          </a:p>
+        </p:txBody>
+      </p:sp>
+      <p:sp>
+        <p:nvSpPr>
+          <p:cNvPr id="19" name="Content Placeholder 18">
+            <a:extLst>
+              <a:ext uri="{FF2B5EF4-FFF2-40B4-BE49-F238E27FC236}">
+                <a16:creationId xmlns:a16="http://schemas.microsoft.com/office/drawing/2014/main" id="{AB6583FE-B653-4C01-9ADF-EC8514A0B5ED}"/>
+              </a:ext>
+            </a:extLst>
+          </p:cNvPr>
+          <p:cNvSpPr>
+            <a:spLocks noGrp="1"/>
+          </p:cNvSpPr>
+          <p:nvPr>
+            <p:ph idx="1"/>
+          </p:nvPr>
+        </p:nvSpPr>
+        <p:spPr>
+          <a:xfrm>
+            <a:off x="5819887" y="2899186"/>
+            <a:ext cx="5610113" cy="3593690"/>
+          </a:xfrm>
+        </p:spPr>
+        <p:txBody>
+          <a:bodyPr rtlCol="0">
+            <a:normAutofit/>
+          </a:bodyPr>
+          <a:lstStyle/>
+          <a:p>
+            <a:pPr rtl="0">
+              <a:lnSpc>
+                <a:spcPct val="100000"/>
+              </a:lnSpc>
+            </a:pPr>
+            <a:r>
+              <a:rPr lang="en-GB" sz="1800" dirty="0"/>
+              <a:t>Simplify is the platform to learn about complexities in a simple manner. A place to learn and teach. </a:t>
+            </a:r>
+          </a:p>
+          <a:p>
+            <a:pPr rtl="0">
+              <a:lnSpc>
+                <a:spcPct val="100000"/>
+              </a:lnSpc>
+            </a:pPr>
+            <a:r>
+              <a:rPr lang="en-GB" sz="1800" dirty="0"/>
+              <a:t>The web application provides students and tutors an open ground to exchange knowledge without any hassle. The application gives any enthusiast the ability to either become a student or a tutor and share their knowledge with like minded individuals. </a:t>
+            </a:r>
+          </a:p>
+          <a:p>
+            <a:pPr rtl="0">
+              <a:lnSpc>
+                <a:spcPct val="100000"/>
+              </a:lnSpc>
+            </a:pPr>
+            <a:r>
+              <a:rPr lang="en-GB" sz="1800" dirty="0"/>
+              <a:t>The focal point is that the platform is open source, i.e. open for the world to share and gain knowledge.</a:t>
+            </a:r>
+          </a:p>
+        </p:txBody>
+      </p:sp>
+      <p:sp>
+        <p:nvSpPr>
+          <p:cNvPr id="4" name="Date Placeholder 3">
+            <a:extLst>
+              <a:ext uri="{FF2B5EF4-FFF2-40B4-BE49-F238E27FC236}">
+                <a16:creationId xmlns:a16="http://schemas.microsoft.com/office/drawing/2014/main" id="{F6D5CF6D-DC44-4734-988C-0AAA60D5F7E2}"/>
               </a:ext>
             </a:extLst>
           </p:cNvPr>
@@ -10713,12 +10544,22 @@
           </a:xfrm>
         </p:spPr>
         <p:txBody>
-          <a:bodyPr rtlCol="0"/>
+          <a:bodyPr rtlCol="0" anchor="ctr">
+            <a:normAutofit/>
+          </a:bodyPr>
           <a:lstStyle/>
           <a:p>
-            <a:pPr rtl="0"/>
-            <a:r>
-              <a:rPr lang="en-GB" dirty="0"/>
+            <a:pPr lvl="0" rtl="0">
+              <a:spcAft>
+                <a:spcPts val="600"/>
+              </a:spcAft>
+            </a:pPr>
+            <a:r>
+              <a:rPr lang="en-GB">
+                <a:solidFill>
+                  <a:prstClr val="black"/>
+                </a:solidFill>
+              </a:rPr>
               <a:t>2023</a:t>
             </a:r>
           </a:p>
@@ -10726,10 +10567,10 @@
       </p:sp>
       <p:sp>
         <p:nvSpPr>
-          <p:cNvPr id="4" name="Slide Number Placeholder 3">
-            <a:extLst>
-              <a:ext uri="{FF2B5EF4-FFF2-40B4-BE49-F238E27FC236}">
-                <a16:creationId xmlns:a16="http://schemas.microsoft.com/office/drawing/2014/main" id="{7CCC3E1D-B7F8-47F6-A352-B757462BBBA7}"/>
+          <p:cNvPr id="5" name="Slide Number Placeholder 4">
+            <a:extLst>
+              <a:ext uri="{FF2B5EF4-FFF2-40B4-BE49-F238E27FC236}">
+                <a16:creationId xmlns:a16="http://schemas.microsoft.com/office/drawing/2014/main" id="{3E08B9AF-847F-4250-A53B-82D9036A5EBF}"/>
               </a:ext>
             </a:extLst>
           </p:cNvPr>
@@ -10747,23 +10588,41 @@
           </a:xfrm>
         </p:spPr>
         <p:txBody>
-          <a:bodyPr rtlCol="0"/>
+          <a:bodyPr rtlCol="0" anchor="ctr">
+            <a:normAutofit/>
+          </a:bodyPr>
           <a:lstStyle/>
           <a:p>
-            <a:pPr lvl="0" rtl="0"/>
-            <a:fld id="{2722F022-211C-4882-844C-086FEA6806AA}" type="slidenum">
-              <a:rPr lang="en-GB" smtClean="0"/>
-              <a:pPr lvl="0" rtl="0"/>
+            <a:pPr lvl="0" rtl="0">
+              <a:spcAft>
+                <a:spcPts val="600"/>
+              </a:spcAft>
+            </a:pPr>
+            <a:fld id="{244D815C-8BF3-4ECF-A945-A2A7C2983AF9}" type="slidenum">
+              <a:rPr lang="en-GB" smtClean="0">
+                <a:solidFill>
+                  <a:prstClr val="black"/>
+                </a:solidFill>
+              </a:rPr>
+              <a:pPr lvl="0" rtl="0">
+                <a:spcAft>
+                  <a:spcPts val="600"/>
+                </a:spcAft>
+              </a:pPr>
               <a:t>3</a:t>
             </a:fld>
-            <a:endParaRPr lang="en-GB"/>
+            <a:endParaRPr lang="en-GB">
+              <a:solidFill>
+                <a:prstClr val="black"/>
+              </a:solidFill>
+            </a:endParaRPr>
           </a:p>
         </p:txBody>
       </p:sp>
     </p:spTree>
     <p:extLst>
       <p:ext uri="{BB962C8B-B14F-4D97-AF65-F5344CB8AC3E}">
-        <p14:creationId xmlns:p14="http://schemas.microsoft.com/office/powerpoint/2010/main" val="2826028905"/>
+        <p14:creationId xmlns:p14="http://schemas.microsoft.com/office/powerpoint/2010/main" val="1074753820"/>
       </p:ext>
     </p:extLst>
   </p:cSld>
@@ -10792,10 +10651,10 @@
       </p:grpSpPr>
       <p:sp>
         <p:nvSpPr>
-          <p:cNvPr id="18" name="Title 17">
-            <a:extLst>
-              <a:ext uri="{FF2B5EF4-FFF2-40B4-BE49-F238E27FC236}">
-                <a16:creationId xmlns:a16="http://schemas.microsoft.com/office/drawing/2014/main" id="{9F2FEA60-F900-4C56-9486-48EA30926F6E}"/>
+          <p:cNvPr id="33" name="Title 32">
+            <a:extLst>
+              <a:ext uri="{FF2B5EF4-FFF2-40B4-BE49-F238E27FC236}">
+                <a16:creationId xmlns:a16="http://schemas.microsoft.com/office/drawing/2014/main" id="{2D22322F-E79D-4BEF-8038-DE2C8F5CCA40}"/>
               </a:ext>
             </a:extLst>
           </p:cNvPr>
@@ -10808,157 +10667,116 @@
         </p:nvSpPr>
         <p:spPr>
           <a:xfrm>
-            <a:off x="649045" y="365124"/>
-            <a:ext cx="9523655" cy="1501327"/>
+            <a:off x="1249680" y="190500"/>
+            <a:ext cx="10036292" cy="773776"/>
+          </a:xfrm>
+        </p:spPr>
+        <p:txBody>
+          <a:bodyPr rtlCol="0">
+            <a:normAutofit fontScale="90000"/>
+          </a:bodyPr>
+          <a:lstStyle/>
+          <a:p>
+            <a:pPr rtl="0"/>
+            <a:r>
+              <a:rPr lang="en-GB" dirty="0"/>
+              <a:t>Specification</a:t>
+            </a:r>
+          </a:p>
+        </p:txBody>
+      </p:sp>
+      <p:sp>
+        <p:nvSpPr>
+          <p:cNvPr id="7" name="Footer Placeholder 6">
+            <a:extLst>
+              <a:ext uri="{FF2B5EF4-FFF2-40B4-BE49-F238E27FC236}">
+                <a16:creationId xmlns:a16="http://schemas.microsoft.com/office/drawing/2014/main" id="{C4A3939E-B573-4FB2-AD69-18C1A75F947B}"/>
+              </a:ext>
+            </a:extLst>
+          </p:cNvPr>
+          <p:cNvSpPr>
+            <a:spLocks noGrp="1"/>
+          </p:cNvSpPr>
+          <p:nvPr>
+            <p:ph type="ftr" sz="quarter" idx="11"/>
+          </p:nvPr>
+        </p:nvSpPr>
+        <p:spPr>
+          <a:xfrm>
+            <a:off x="201168" y="6356350"/>
+            <a:ext cx="4837176" cy="365125"/>
           </a:xfrm>
         </p:spPr>
         <p:txBody>
           <a:bodyPr rtlCol="0"/>
           <a:lstStyle/>
           <a:p>
-            <a:pPr rtl="0"/>
+            <a:pPr lvl="0" rtl="0"/>
+            <a:r>
+              <a:rPr lang="en-GB" dirty="0" err="1"/>
+              <a:t>Simplify’s</a:t>
+            </a:r>
             <a:r>
               <a:rPr lang="en-GB" dirty="0"/>
-              <a:t>Overview</a:t>
-            </a:r>
-          </a:p>
-        </p:txBody>
-      </p:sp>
-      <p:pic>
-        <p:nvPicPr>
-          <p:cNvPr id="8" name="Picture Placeholder 7" descr="A picture containing mountain, sky, outdoor, nature">
-            <a:extLst>
-              <a:ext uri="{FF2B5EF4-FFF2-40B4-BE49-F238E27FC236}">
-                <a16:creationId xmlns:a16="http://schemas.microsoft.com/office/drawing/2014/main" id="{7B7F6341-D9BE-4D3C-92A1-37FAA11DE63C}"/>
-              </a:ext>
-            </a:extLst>
-          </p:cNvPr>
-          <p:cNvPicPr>
-            <a:picLocks noGrp="1" noChangeAspect="1"/>
-          </p:cNvPicPr>
-          <p:nvPr>
-            <p:ph type="pic" sz="quarter" idx="13"/>
-          </p:nvPr>
-        </p:nvPicPr>
-        <p:blipFill rotWithShape="1">
-          <a:blip r:embed="rId3" cstate="screen">
-            <a:extLst>
-              <a:ext uri="{28A0092B-C50C-407E-A947-70E740481C1C}">
-                <a14:useLocalDpi xmlns:a14="http://schemas.microsoft.com/office/drawing/2010/main" val="0"/>
-              </a:ext>
-            </a:extLst>
-          </a:blip>
-          <a:srcRect/>
-          <a:stretch/>
-        </p:blipFill>
-        <p:spPr>
-          <a:xfrm>
-            <a:off x="0" y="2286000"/>
-            <a:ext cx="5067300" cy="4572000"/>
-          </a:xfrm>
-        </p:spPr>
-      </p:pic>
-      <p:sp>
-        <p:nvSpPr>
-          <p:cNvPr id="3" name="Footer Placeholder 2">
-            <a:extLst>
-              <a:ext uri="{FF2B5EF4-FFF2-40B4-BE49-F238E27FC236}">
-                <a16:creationId xmlns:a16="http://schemas.microsoft.com/office/drawing/2014/main" id="{88BDA17F-F303-4811-96C4-AD8A09ABEC11}"/>
-              </a:ext>
-            </a:extLst>
-          </p:cNvPr>
-          <p:cNvSpPr>
-            <a:spLocks noGrp="1"/>
-          </p:cNvSpPr>
-          <p:nvPr>
-            <p:ph type="ftr" sz="quarter" idx="11"/>
-          </p:nvPr>
-        </p:nvSpPr>
-        <p:spPr>
-          <a:xfrm>
-            <a:off x="201168" y="6356350"/>
-            <a:ext cx="4837176" cy="365125"/>
+              <a:t> Design Specification</a:t>
+            </a:r>
+          </a:p>
+        </p:txBody>
+      </p:sp>
+      <p:sp>
+        <p:nvSpPr>
+          <p:cNvPr id="6" name="Date Placeholder 5">
+            <a:extLst>
+              <a:ext uri="{FF2B5EF4-FFF2-40B4-BE49-F238E27FC236}">
+                <a16:creationId xmlns:a16="http://schemas.microsoft.com/office/drawing/2014/main" id="{6EF65B39-4112-473E-B203-73AC0F564D47}"/>
+              </a:ext>
+            </a:extLst>
+          </p:cNvPr>
+          <p:cNvSpPr>
+            <a:spLocks noGrp="1"/>
+          </p:cNvSpPr>
+          <p:nvPr>
+            <p:ph type="dt" sz="half" idx="10"/>
+          </p:nvPr>
+        </p:nvSpPr>
+        <p:spPr>
+          <a:xfrm>
+            <a:off x="7013448" y="6355080"/>
+            <a:ext cx="4352544" cy="365125"/>
           </a:xfrm>
         </p:spPr>
         <p:txBody>
           <a:bodyPr rtlCol="0"/>
           <a:lstStyle/>
           <a:p>
-            <a:pPr rtl="0"/>
-            <a:r>
-              <a:rPr lang="en-GB" dirty="0" err="1"/>
-              <a:t>Simplify’s</a:t>
-            </a:r>
+            <a:pPr lvl="0" rtl="0"/>
             <a:r>
               <a:rPr lang="en-GB" dirty="0"/>
-              <a:t> Design Specification</a:t>
-            </a:r>
-          </a:p>
-        </p:txBody>
-      </p:sp>
-      <p:sp>
-        <p:nvSpPr>
-          <p:cNvPr id="19" name="Content Placeholder 18">
-            <a:extLst>
-              <a:ext uri="{FF2B5EF4-FFF2-40B4-BE49-F238E27FC236}">
-                <a16:creationId xmlns:a16="http://schemas.microsoft.com/office/drawing/2014/main" id="{AB6583FE-B653-4C01-9ADF-EC8514A0B5ED}"/>
-              </a:ext>
-            </a:extLst>
-          </p:cNvPr>
-          <p:cNvSpPr>
-            <a:spLocks noGrp="1"/>
-          </p:cNvSpPr>
-          <p:nvPr>
-            <p:ph idx="1"/>
-          </p:nvPr>
-        </p:nvSpPr>
-        <p:spPr>
-          <a:xfrm>
-            <a:off x="5819887" y="2899186"/>
-            <a:ext cx="5610113" cy="3284359"/>
-          </a:xfrm>
-        </p:spPr>
-        <p:txBody>
-          <a:bodyPr rtlCol="0">
-            <a:normAutofit lnSpcReduction="10000"/>
-          </a:bodyPr>
-          <a:lstStyle/>
-          <a:p>
-            <a:pPr rtl="0"/>
-            <a:r>
-              <a:rPr lang="en-GB" dirty="0"/>
-              <a:t>Simplify is the platform to learn about complexities in a simple manner. A place to learn and teach. </a:t>
-            </a:r>
-          </a:p>
-          <a:p>
-            <a:pPr rtl="0"/>
-            <a:r>
-              <a:rPr lang="en-GB" dirty="0"/>
-              <a:t>The web application let’s a student enrol and tutor to create and conduct their course in order to make knowledge transfer seamless and precise.</a:t>
-            </a:r>
-          </a:p>
-        </p:txBody>
-      </p:sp>
-      <p:sp>
-        <p:nvSpPr>
-          <p:cNvPr id="4" name="Date Placeholder 3">
-            <a:extLst>
-              <a:ext uri="{FF2B5EF4-FFF2-40B4-BE49-F238E27FC236}">
-                <a16:creationId xmlns:a16="http://schemas.microsoft.com/office/drawing/2014/main" id="{F6D5CF6D-DC44-4734-988C-0AAA60D5F7E2}"/>
-              </a:ext>
-            </a:extLst>
-          </p:cNvPr>
-          <p:cNvSpPr>
-            <a:spLocks noGrp="1"/>
-          </p:cNvSpPr>
-          <p:nvPr>
-            <p:ph type="dt" sz="half" idx="10"/>
-          </p:nvPr>
-        </p:nvSpPr>
-        <p:spPr>
-          <a:xfrm>
-            <a:off x="7013448" y="6355080"/>
-            <a:ext cx="4352544" cy="365125"/>
+              <a:t>2023</a:t>
+            </a:r>
+          </a:p>
+        </p:txBody>
+      </p:sp>
+      <p:sp>
+        <p:nvSpPr>
+          <p:cNvPr id="8" name="Slide Number Placeholder 7">
+            <a:extLst>
+              <a:ext uri="{FF2B5EF4-FFF2-40B4-BE49-F238E27FC236}">
+                <a16:creationId xmlns:a16="http://schemas.microsoft.com/office/drawing/2014/main" id="{99800B7A-B486-4409-9EDD-0A7B9628EDE8}"/>
+              </a:ext>
+            </a:extLst>
+          </p:cNvPr>
+          <p:cNvSpPr>
+            <a:spLocks noGrp="1"/>
+          </p:cNvSpPr>
+          <p:nvPr>
+            <p:ph type="sldNum" sz="quarter" idx="12"/>
+          </p:nvPr>
+        </p:nvSpPr>
+        <p:spPr>
+          <a:xfrm>
+            <a:off x="11365992" y="6356350"/>
+            <a:ext cx="630936" cy="365125"/>
           </a:xfrm>
         </p:spPr>
         <p:txBody>
@@ -10966,41 +10784,7 @@
           <a:lstStyle/>
           <a:p>
             <a:pPr lvl="0" rtl="0"/>
-            <a:r>
-              <a:rPr lang="en-GB" dirty="0"/>
-              <a:t>2023</a:t>
-            </a:r>
-          </a:p>
-        </p:txBody>
-      </p:sp>
-      <p:sp>
-        <p:nvSpPr>
-          <p:cNvPr id="5" name="Slide Number Placeholder 4">
-            <a:extLst>
-              <a:ext uri="{FF2B5EF4-FFF2-40B4-BE49-F238E27FC236}">
-                <a16:creationId xmlns:a16="http://schemas.microsoft.com/office/drawing/2014/main" id="{3E08B9AF-847F-4250-A53B-82D9036A5EBF}"/>
-              </a:ext>
-            </a:extLst>
-          </p:cNvPr>
-          <p:cNvSpPr>
-            <a:spLocks noGrp="1"/>
-          </p:cNvSpPr>
-          <p:nvPr>
-            <p:ph type="sldNum" sz="quarter" idx="12"/>
-          </p:nvPr>
-        </p:nvSpPr>
-        <p:spPr>
-          <a:xfrm>
-            <a:off x="11365992" y="6356350"/>
-            <a:ext cx="630936" cy="365125"/>
-          </a:xfrm>
-        </p:spPr>
-        <p:txBody>
-          <a:bodyPr rtlCol="0"/>
-          <a:lstStyle/>
-          <a:p>
-            <a:pPr lvl="0" rtl="0"/>
-            <a:fld id="{244D815C-8BF3-4ECF-A945-A2A7C2983AF9}" type="slidenum">
+            <a:fld id="{06B786C7-B8F9-4072-AAAA-17258464D730}" type="slidenum">
               <a:rPr lang="en-GB" smtClean="0"/>
               <a:pPr lvl="0" rtl="0"/>
               <a:t>4</a:t>
@@ -11009,10 +10793,256 @@
           </a:p>
         </p:txBody>
       </p:sp>
+      <p:sp>
+        <p:nvSpPr>
+          <p:cNvPr id="2" name="Text Placeholder 13">
+            <a:extLst>
+              <a:ext uri="{FF2B5EF4-FFF2-40B4-BE49-F238E27FC236}">
+                <a16:creationId xmlns:a16="http://schemas.microsoft.com/office/drawing/2014/main" id="{61DE25EC-0A13-3B65-B371-522D8F9E18E9}"/>
+              </a:ext>
+            </a:extLst>
+          </p:cNvPr>
+          <p:cNvSpPr>
+            <a:spLocks noGrp="1"/>
+          </p:cNvSpPr>
+          <p:nvPr>
+            <p:ph type="body" sz="quarter" idx="14"/>
+          </p:nvPr>
+        </p:nvSpPr>
+        <p:spPr>
+          <a:xfrm>
+            <a:off x="241399" y="1138422"/>
+            <a:ext cx="4756714" cy="1062332"/>
+          </a:xfrm>
+        </p:spPr>
+        <p:txBody>
+          <a:bodyPr rtlCol="0"/>
+          <a:lstStyle/>
+          <a:p>
+            <a:pPr rtl="0"/>
+            <a:r>
+              <a:rPr lang="en-GB" dirty="0"/>
+              <a:t>Alan, 37 </a:t>
+            </a:r>
+          </a:p>
+          <a:p>
+            <a:pPr rtl="0"/>
+            <a:r>
+              <a:rPr lang="en-GB" dirty="0"/>
+              <a:t>Tutor</a:t>
+            </a:r>
+          </a:p>
+        </p:txBody>
+      </p:sp>
+      <p:sp>
+        <p:nvSpPr>
+          <p:cNvPr id="3" name="Content Placeholder 12">
+            <a:extLst>
+              <a:ext uri="{FF2B5EF4-FFF2-40B4-BE49-F238E27FC236}">
+                <a16:creationId xmlns:a16="http://schemas.microsoft.com/office/drawing/2014/main" id="{5A1E4A67-273A-70EC-F926-6B6C8CB91893}"/>
+              </a:ext>
+            </a:extLst>
+          </p:cNvPr>
+          <p:cNvSpPr>
+            <a:spLocks noGrp="1"/>
+          </p:cNvSpPr>
+          <p:nvPr>
+            <p:ph type="body" sz="quarter" idx="17"/>
+          </p:nvPr>
+        </p:nvSpPr>
+        <p:spPr>
+          <a:xfrm>
+            <a:off x="281630" y="2035241"/>
+            <a:ext cx="4756714" cy="3676984"/>
+          </a:xfrm>
+        </p:spPr>
+        <p:txBody>
+          <a:bodyPr rtlCol="0">
+            <a:normAutofit fontScale="77500" lnSpcReduction="20000"/>
+          </a:bodyPr>
+          <a:lstStyle/>
+          <a:p>
+            <a:pPr rtl="0"/>
+            <a:r>
+              <a:rPr lang="en-GB" dirty="0"/>
+              <a:t>Tutor should be able to login or register using google authentication or a registration form.</a:t>
+            </a:r>
+          </a:p>
+          <a:p>
+            <a:pPr rtl="0"/>
+            <a:r>
+              <a:rPr lang="en-GB" dirty="0"/>
+              <a:t>Tutor should be able to register as a tutor.</a:t>
+            </a:r>
+          </a:p>
+          <a:p>
+            <a:pPr rtl="0"/>
+            <a:r>
+              <a:rPr lang="en-GB" dirty="0"/>
+              <a:t>Tutor should be able to see their courses and be able to add new courses.</a:t>
+            </a:r>
+          </a:p>
+          <a:p>
+            <a:pPr rtl="0"/>
+            <a:r>
+              <a:rPr lang="en-GB" dirty="0"/>
+              <a:t>Tutor should be able to add a description for a new course.</a:t>
+            </a:r>
+          </a:p>
+          <a:p>
+            <a:pPr rtl="0"/>
+            <a:r>
+              <a:rPr lang="en-GB" dirty="0"/>
+              <a:t>Tutor should be able to publish course materials including slides, pdfs, images and video.</a:t>
+            </a:r>
+          </a:p>
+          <a:p>
+            <a:r>
+              <a:rPr lang="en-GB" dirty="0"/>
+              <a:t>Tutor should have access to forums for providing important updates regarding the course and for clearing doubts.</a:t>
+            </a:r>
+          </a:p>
+          <a:p>
+            <a:pPr rtl="0"/>
+            <a:endParaRPr lang="en-GB" dirty="0"/>
+          </a:p>
+          <a:p>
+            <a:pPr rtl="0"/>
+            <a:endParaRPr lang="en-GB" dirty="0"/>
+          </a:p>
+          <a:p>
+            <a:pPr rtl="0"/>
+            <a:endParaRPr lang="en-GB" dirty="0"/>
+          </a:p>
+          <a:p>
+            <a:pPr rtl="0"/>
+            <a:endParaRPr lang="en-GB" dirty="0"/>
+          </a:p>
+        </p:txBody>
+      </p:sp>
+      <p:sp>
+        <p:nvSpPr>
+          <p:cNvPr id="4" name="Text Placeholder 15">
+            <a:extLst>
+              <a:ext uri="{FF2B5EF4-FFF2-40B4-BE49-F238E27FC236}">
+                <a16:creationId xmlns:a16="http://schemas.microsoft.com/office/drawing/2014/main" id="{1458FACE-D8BF-6D74-05E7-15DA8DB1ECDD}"/>
+              </a:ext>
+            </a:extLst>
+          </p:cNvPr>
+          <p:cNvSpPr>
+            <a:spLocks noGrp="1"/>
+          </p:cNvSpPr>
+          <p:nvPr>
+            <p:ph type="body" sz="quarter" idx="16"/>
+          </p:nvPr>
+        </p:nvSpPr>
+        <p:spPr>
+          <a:xfrm>
+            <a:off x="5752140" y="1138422"/>
+            <a:ext cx="4756714" cy="1062332"/>
+          </a:xfrm>
+        </p:spPr>
+        <p:txBody>
+          <a:bodyPr rtlCol="0"/>
+          <a:lstStyle/>
+          <a:p>
+            <a:pPr rtl="0"/>
+            <a:r>
+              <a:rPr lang="en-GB" dirty="0"/>
+              <a:t>Daniel, 21</a:t>
+            </a:r>
+          </a:p>
+          <a:p>
+            <a:pPr rtl="0"/>
+            <a:r>
+              <a:rPr lang="en-GB" dirty="0"/>
+              <a:t>Student</a:t>
+            </a:r>
+          </a:p>
+        </p:txBody>
+      </p:sp>
+      <p:sp>
+        <p:nvSpPr>
+          <p:cNvPr id="5" name="Content Placeholder 14">
+            <a:extLst>
+              <a:ext uri="{FF2B5EF4-FFF2-40B4-BE49-F238E27FC236}">
+                <a16:creationId xmlns:a16="http://schemas.microsoft.com/office/drawing/2014/main" id="{CA093452-69C2-A76E-0F8E-0ACFED6F4324}"/>
+              </a:ext>
+            </a:extLst>
+          </p:cNvPr>
+          <p:cNvSpPr>
+            <a:spLocks noGrp="1"/>
+          </p:cNvSpPr>
+          <p:nvPr>
+            <p:ph type="body" sz="quarter" idx="18"/>
+          </p:nvPr>
+        </p:nvSpPr>
+        <p:spPr>
+          <a:xfrm>
+            <a:off x="5752141" y="2035241"/>
+            <a:ext cx="6244787" cy="3676984"/>
+          </a:xfrm>
+        </p:spPr>
+        <p:txBody>
+          <a:bodyPr rtlCol="0">
+            <a:noAutofit/>
+          </a:bodyPr>
+          <a:lstStyle/>
+          <a:p>
+            <a:pPr rtl="0"/>
+            <a:r>
+              <a:rPr lang="en-GB" sz="1600" dirty="0"/>
+              <a:t>Student should be able to login or register using google authentication or a registration form.</a:t>
+            </a:r>
+          </a:p>
+          <a:p>
+            <a:pPr rtl="0"/>
+            <a:r>
+              <a:rPr lang="en-GB" sz="1600" dirty="0"/>
+              <a:t>Student should be able to register as a student.</a:t>
+            </a:r>
+          </a:p>
+          <a:p>
+            <a:pPr rtl="0"/>
+            <a:r>
+              <a:rPr lang="en-GB" sz="1600" dirty="0"/>
+              <a:t>The platform should be able to distinguish between the tutor and the student, with access being given to the student user for only the student specific pages.</a:t>
+            </a:r>
+          </a:p>
+          <a:p>
+            <a:pPr rtl="0"/>
+            <a:r>
+              <a:rPr lang="en-GB" sz="1600" dirty="0"/>
+              <a:t>Student should be able to access all the course material.</a:t>
+            </a:r>
+          </a:p>
+          <a:p>
+            <a:pPr rtl="0"/>
+            <a:r>
+              <a:rPr lang="en-GB" sz="1600" dirty="0"/>
+              <a:t>Student should be able to submit course work provided under a given course.</a:t>
+            </a:r>
+          </a:p>
+          <a:p>
+            <a:pPr rtl="0"/>
+            <a:r>
+              <a:rPr lang="en-GB" sz="1600" dirty="0"/>
+              <a:t>Student should be able to enrol in more than one course at a given time.</a:t>
+            </a:r>
+          </a:p>
+          <a:p>
+            <a:pPr rtl="0"/>
+            <a:r>
+              <a:rPr lang="en-GB" sz="1600" dirty="0"/>
+              <a:t>Student should have access to forums for discussion and  posting questions.</a:t>
+            </a:r>
+          </a:p>
+        </p:txBody>
+      </p:sp>
     </p:spTree>
     <p:extLst>
       <p:ext uri="{BB962C8B-B14F-4D97-AF65-F5344CB8AC3E}">
-        <p14:creationId xmlns:p14="http://schemas.microsoft.com/office/powerpoint/2010/main" val="1074753820"/>
+        <p14:creationId xmlns:p14="http://schemas.microsoft.com/office/powerpoint/2010/main" val="2805428833"/>
       </p:ext>
     </p:extLst>
   </p:cSld>
@@ -11057,20 +11087,20 @@
         </p:nvSpPr>
         <p:spPr>
           <a:xfrm>
-            <a:off x="1249680" y="190500"/>
-            <a:ext cx="10036292" cy="773776"/>
-          </a:xfrm>
-        </p:spPr>
-        <p:txBody>
-          <a:bodyPr rtlCol="0">
-            <a:normAutofit fontScale="90000"/>
+            <a:off x="331788" y="875030"/>
+            <a:ext cx="2384425" cy="5068570"/>
+          </a:xfrm>
+        </p:spPr>
+        <p:txBody>
+          <a:bodyPr rtlCol="0" anchor="b">
+            <a:normAutofit/>
           </a:bodyPr>
           <a:lstStyle/>
           <a:p>
             <a:pPr rtl="0"/>
             <a:r>
-              <a:rPr lang="en-GB" dirty="0"/>
-              <a:t>Specification</a:t>
+              <a:rPr lang="en-GB" sz="2600"/>
+              <a:t>High-Level System Architecture</a:t>
             </a:r>
           </a:p>
         </p:txBody>
@@ -11093,15 +11123,21 @@
         </p:nvSpPr>
         <p:spPr>
           <a:xfrm>
-            <a:off x="201168" y="6356350"/>
-            <a:ext cx="4837176" cy="365125"/>
-          </a:xfrm>
-        </p:spPr>
-        <p:txBody>
-          <a:bodyPr rtlCol="0"/>
+            <a:off x="199277" y="6356350"/>
+            <a:ext cx="2771138" cy="365125"/>
+          </a:xfrm>
+        </p:spPr>
+        <p:txBody>
+          <a:bodyPr rtlCol="0" anchor="ctr">
+            <a:normAutofit/>
+          </a:bodyPr>
           <a:lstStyle/>
           <a:p>
-            <a:pPr lvl="0" rtl="0"/>
+            <a:pPr lvl="0" rtl="0">
+              <a:spcAft>
+                <a:spcPts val="600"/>
+              </a:spcAft>
+            </a:pPr>
             <a:r>
               <a:rPr lang="en-GB" dirty="0" err="1"/>
               <a:t>Simplify’s</a:t>
@@ -11113,6 +11149,37 @@
           </a:p>
         </p:txBody>
       </p:sp>
+      <p:pic>
+        <p:nvPicPr>
+          <p:cNvPr id="3" name="Picture 2" descr="Graphical user interface, application&#10;&#10;Description automatically generated">
+            <a:extLst>
+              <a:ext uri="{FF2B5EF4-FFF2-40B4-BE49-F238E27FC236}">
+                <a16:creationId xmlns:a16="http://schemas.microsoft.com/office/drawing/2014/main" id="{2770F232-4835-A4FA-B191-2D0504F52BF3}"/>
+              </a:ext>
+            </a:extLst>
+          </p:cNvPr>
+          <p:cNvPicPr>
+            <a:picLocks noChangeAspect="1"/>
+          </p:cNvPicPr>
+          <p:nvPr/>
+        </p:nvPicPr>
+        <p:blipFill>
+          <a:blip r:embed="rId3"/>
+          <a:stretch>
+            <a:fillRect/>
+          </a:stretch>
+        </p:blipFill>
+        <p:spPr>
+          <a:xfrm>
+            <a:off x="3302000" y="948714"/>
+            <a:ext cx="8607425" cy="4604972"/>
+          </a:xfrm>
+          <a:prstGeom prst="rect">
+            <a:avLst/>
+          </a:prstGeom>
+          <a:noFill/>
+        </p:spPr>
+      </p:pic>
       <p:sp>
         <p:nvSpPr>
           <p:cNvPr id="6" name="Date Placeholder 5">
@@ -11136,12 +11203,22 @@
           </a:xfrm>
         </p:spPr>
         <p:txBody>
-          <a:bodyPr rtlCol="0"/>
+          <a:bodyPr rtlCol="0" anchor="ctr">
+            <a:normAutofit/>
+          </a:bodyPr>
           <a:lstStyle/>
           <a:p>
-            <a:pPr lvl="0" rtl="0"/>
-            <a:r>
-              <a:rPr lang="en-GB" dirty="0"/>
+            <a:pPr lvl="0" rtl="0">
+              <a:spcAft>
+                <a:spcPts val="600"/>
+              </a:spcAft>
+            </a:pPr>
+            <a:r>
+              <a:rPr lang="en-GB" dirty="0">
+                <a:solidFill>
+                  <a:prstClr val="black"/>
+                </a:solidFill>
+              </a:rPr>
               <a:t>2023</a:t>
             </a:r>
           </a:p>
@@ -11170,269 +11247,41 @@
           </a:xfrm>
         </p:spPr>
         <p:txBody>
-          <a:bodyPr rtlCol="0"/>
+          <a:bodyPr rtlCol="0" anchor="ctr">
+            <a:normAutofit/>
+          </a:bodyPr>
           <a:lstStyle/>
           <a:p>
-            <a:pPr lvl="0" rtl="0"/>
+            <a:pPr lvl="0" rtl="0">
+              <a:spcAft>
+                <a:spcPts val="600"/>
+              </a:spcAft>
+            </a:pPr>
             <a:fld id="{06B786C7-B8F9-4072-AAAA-17258464D730}" type="slidenum">
-              <a:rPr lang="en-GB" smtClean="0"/>
-              <a:pPr lvl="0" rtl="0"/>
+              <a:rPr lang="en-GB" smtClean="0">
+                <a:solidFill>
+                  <a:prstClr val="black"/>
+                </a:solidFill>
+              </a:rPr>
+              <a:pPr lvl="0" rtl="0">
+                <a:spcAft>
+                  <a:spcPts val="600"/>
+                </a:spcAft>
+              </a:pPr>
               <a:t>5</a:t>
             </a:fld>
-            <a:endParaRPr lang="en-GB"/>
-          </a:p>
-        </p:txBody>
-      </p:sp>
-      <p:sp>
-        <p:nvSpPr>
-          <p:cNvPr id="2" name="Text Placeholder 13">
-            <a:extLst>
-              <a:ext uri="{FF2B5EF4-FFF2-40B4-BE49-F238E27FC236}">
-                <a16:creationId xmlns:a16="http://schemas.microsoft.com/office/drawing/2014/main" id="{61DE25EC-0A13-3B65-B371-522D8F9E18E9}"/>
-              </a:ext>
-            </a:extLst>
-          </p:cNvPr>
-          <p:cNvSpPr>
-            <a:spLocks noGrp="1"/>
-          </p:cNvSpPr>
-          <p:nvPr>
-            <p:ph type="body" sz="quarter" idx="14"/>
-          </p:nvPr>
-        </p:nvSpPr>
-        <p:spPr>
-          <a:xfrm>
-            <a:off x="241399" y="1138422"/>
-            <a:ext cx="4756714" cy="1062332"/>
-          </a:xfrm>
-        </p:spPr>
-        <p:txBody>
-          <a:bodyPr rtlCol="0"/>
-          <a:lstStyle/>
-          <a:p>
-            <a:pPr rtl="0"/>
-            <a:r>
-              <a:rPr lang="en-GB" dirty="0"/>
-              <a:t>Alan, 37 </a:t>
-            </a:r>
-          </a:p>
-          <a:p>
-            <a:pPr rtl="0"/>
-            <a:r>
-              <a:rPr lang="en-GB" dirty="0"/>
-              <a:t>Tutor</a:t>
-            </a:r>
-          </a:p>
-        </p:txBody>
-      </p:sp>
-      <p:sp>
-        <p:nvSpPr>
-          <p:cNvPr id="3" name="Content Placeholder 12">
-            <a:extLst>
-              <a:ext uri="{FF2B5EF4-FFF2-40B4-BE49-F238E27FC236}">
-                <a16:creationId xmlns:a16="http://schemas.microsoft.com/office/drawing/2014/main" id="{5A1E4A67-273A-70EC-F926-6B6C8CB91893}"/>
-              </a:ext>
-            </a:extLst>
-          </p:cNvPr>
-          <p:cNvSpPr>
-            <a:spLocks noGrp="1"/>
-          </p:cNvSpPr>
-          <p:nvPr>
-            <p:ph type="body" sz="quarter" idx="17"/>
-          </p:nvPr>
-        </p:nvSpPr>
-        <p:spPr>
-          <a:xfrm>
-            <a:off x="281630" y="2035241"/>
-            <a:ext cx="4756714" cy="3676984"/>
-          </a:xfrm>
-        </p:spPr>
-        <p:txBody>
-          <a:bodyPr rtlCol="0">
-            <a:normAutofit fontScale="77500" lnSpcReduction="20000"/>
-          </a:bodyPr>
-          <a:lstStyle/>
-          <a:p>
-            <a:pPr rtl="0"/>
-            <a:r>
-              <a:rPr lang="en-GB" dirty="0"/>
-              <a:t>Tutor should be able to login or register using google authentication or a registration form.</a:t>
-            </a:r>
-          </a:p>
-          <a:p>
-            <a:pPr rtl="0"/>
-            <a:r>
-              <a:rPr lang="en-GB" dirty="0"/>
-              <a:t>Tutor should be able to register as a tutor.</a:t>
-            </a:r>
-          </a:p>
-          <a:p>
-            <a:pPr rtl="0"/>
-            <a:r>
-              <a:rPr lang="en-GB" dirty="0"/>
-              <a:t>Tutor should be able to see their courses and be able to add new courses.</a:t>
-            </a:r>
-          </a:p>
-          <a:p>
-            <a:pPr rtl="0"/>
-            <a:r>
-              <a:rPr lang="en-GB" dirty="0"/>
-              <a:t>Tutor should be able to add a description for a new course.</a:t>
-            </a:r>
-          </a:p>
-          <a:p>
-            <a:pPr rtl="0"/>
-            <a:r>
-              <a:rPr lang="en-GB" dirty="0"/>
-              <a:t>Tutor should be able to publish course materials including slides, pdfs, images and video.</a:t>
-            </a:r>
-          </a:p>
-          <a:p>
-            <a:r>
-              <a:rPr lang="en-GB" dirty="0"/>
-              <a:t>Tutor should have access to forums for providing important updates regarding the course and for clearing doubts.</a:t>
-            </a:r>
-          </a:p>
-          <a:p>
-            <a:pPr rtl="0"/>
-            <a:endParaRPr lang="en-GB" dirty="0"/>
-          </a:p>
-          <a:p>
-            <a:pPr rtl="0"/>
-            <a:endParaRPr lang="en-GB" dirty="0"/>
-          </a:p>
-          <a:p>
-            <a:pPr rtl="0"/>
-            <a:endParaRPr lang="en-GB" dirty="0"/>
-          </a:p>
-          <a:p>
-            <a:pPr rtl="0"/>
-            <a:endParaRPr lang="en-GB" dirty="0"/>
-          </a:p>
-        </p:txBody>
-      </p:sp>
-      <p:sp>
-        <p:nvSpPr>
-          <p:cNvPr id="4" name="Text Placeholder 15">
-            <a:extLst>
-              <a:ext uri="{FF2B5EF4-FFF2-40B4-BE49-F238E27FC236}">
-                <a16:creationId xmlns:a16="http://schemas.microsoft.com/office/drawing/2014/main" id="{1458FACE-D8BF-6D74-05E7-15DA8DB1ECDD}"/>
-              </a:ext>
-            </a:extLst>
-          </p:cNvPr>
-          <p:cNvSpPr>
-            <a:spLocks noGrp="1"/>
-          </p:cNvSpPr>
-          <p:nvPr>
-            <p:ph type="body" sz="quarter" idx="16"/>
-          </p:nvPr>
-        </p:nvSpPr>
-        <p:spPr>
-          <a:xfrm>
-            <a:off x="5752140" y="1138422"/>
-            <a:ext cx="4756714" cy="1062332"/>
-          </a:xfrm>
-        </p:spPr>
-        <p:txBody>
-          <a:bodyPr rtlCol="0"/>
-          <a:lstStyle/>
-          <a:p>
-            <a:pPr rtl="0"/>
-            <a:r>
-              <a:rPr lang="en-GB" dirty="0"/>
-              <a:t>Daniel, 21</a:t>
-            </a:r>
-          </a:p>
-          <a:p>
-            <a:pPr rtl="0"/>
-            <a:r>
-              <a:rPr lang="en-GB" dirty="0"/>
-              <a:t>Student</a:t>
-            </a:r>
-          </a:p>
-        </p:txBody>
-      </p:sp>
-      <p:sp>
-        <p:nvSpPr>
-          <p:cNvPr id="5" name="Content Placeholder 14">
-            <a:extLst>
-              <a:ext uri="{FF2B5EF4-FFF2-40B4-BE49-F238E27FC236}">
-                <a16:creationId xmlns:a16="http://schemas.microsoft.com/office/drawing/2014/main" id="{CA093452-69C2-A76E-0F8E-0ACFED6F4324}"/>
-              </a:ext>
-            </a:extLst>
-          </p:cNvPr>
-          <p:cNvSpPr>
-            <a:spLocks noGrp="1"/>
-          </p:cNvSpPr>
-          <p:nvPr>
-            <p:ph type="body" sz="quarter" idx="18"/>
-          </p:nvPr>
-        </p:nvSpPr>
-        <p:spPr>
-          <a:xfrm>
-            <a:off x="5752141" y="2035241"/>
-            <a:ext cx="6244787" cy="3676984"/>
-          </a:xfrm>
-        </p:spPr>
-        <p:txBody>
-          <a:bodyPr rtlCol="0">
-            <a:noAutofit/>
-          </a:bodyPr>
-          <a:lstStyle/>
-          <a:p>
-            <a:pPr rtl="0"/>
-            <a:r>
-              <a:rPr lang="en-GB" sz="1600" dirty="0"/>
-              <a:t>Student should be able to login or register using google authentication or a registration form.</a:t>
-            </a:r>
-          </a:p>
-          <a:p>
-            <a:pPr rtl="0"/>
-            <a:r>
-              <a:rPr lang="en-GB" sz="1600" dirty="0"/>
-              <a:t>Student should be able to register as a student.</a:t>
-            </a:r>
-          </a:p>
-          <a:p>
-            <a:pPr rtl="0"/>
-            <a:r>
-              <a:rPr lang="en-GB" sz="1600" dirty="0"/>
-              <a:t>The platform should be able to distinguish between the tutor and the student, with access being given to the student user for only the student specific pages.</a:t>
-            </a:r>
-          </a:p>
-          <a:p>
-            <a:pPr rtl="0"/>
-            <a:r>
-              <a:rPr lang="en-GB" sz="1600" dirty="0"/>
-              <a:t>Student should be able to access all the course material.</a:t>
-            </a:r>
-          </a:p>
-          <a:p>
-            <a:pPr rtl="0"/>
-            <a:r>
-              <a:rPr lang="en-GB" sz="1600" dirty="0"/>
-              <a:t>Student should be able to submit course work provided under a given course.</a:t>
-            </a:r>
-          </a:p>
-          <a:p>
-            <a:pPr rtl="0"/>
-            <a:r>
-              <a:rPr lang="en-GB" sz="1600" dirty="0"/>
-              <a:t>Student should be able to enrol in more than one course at a given time.</a:t>
-            </a:r>
-          </a:p>
-          <a:p>
-            <a:pPr rtl="0"/>
-            <a:r>
-              <a:rPr lang="en-GB" sz="1600" dirty="0"/>
-              <a:t>Student should have access to forums for discussion and  posting questions.</a:t>
-            </a:r>
+            <a:endParaRPr lang="en-GB">
+              <a:solidFill>
+                <a:prstClr val="black"/>
+              </a:solidFill>
+            </a:endParaRPr>
           </a:p>
         </p:txBody>
       </p:sp>
     </p:spTree>
     <p:extLst>
       <p:ext uri="{BB962C8B-B14F-4D97-AF65-F5344CB8AC3E}">
-        <p14:creationId xmlns:p14="http://schemas.microsoft.com/office/powerpoint/2010/main" val="2805428833"/>
+        <p14:creationId xmlns:p14="http://schemas.microsoft.com/office/powerpoint/2010/main" val="716018678"/>
       </p:ext>
     </p:extLst>
   </p:cSld>
@@ -11459,6 +11308,35 @@
           <a:chExt cx="0" cy="0"/>
         </a:xfrm>
       </p:grpSpPr>
+      <p:pic>
+        <p:nvPicPr>
+          <p:cNvPr id="4" name="Picture 3" descr="Diagram&#10;&#10;Description automatically generated">
+            <a:extLst>
+              <a:ext uri="{FF2B5EF4-FFF2-40B4-BE49-F238E27FC236}">
+                <a16:creationId xmlns:a16="http://schemas.microsoft.com/office/drawing/2014/main" id="{3BA51E50-2395-FF10-056A-374E56C3D5AD}"/>
+              </a:ext>
+            </a:extLst>
+          </p:cNvPr>
+          <p:cNvPicPr>
+            <a:picLocks noChangeAspect="1"/>
+          </p:cNvPicPr>
+          <p:nvPr/>
+        </p:nvPicPr>
+        <p:blipFill rotWithShape="1">
+          <a:blip r:embed="rId3"/>
+          <a:srcRect l="2954" t="1490" r="14348" b="2220"/>
+          <a:stretch/>
+        </p:blipFill>
+        <p:spPr>
+          <a:xfrm>
+            <a:off x="2851484" y="1217618"/>
+            <a:ext cx="6017795" cy="5572564"/>
+          </a:xfrm>
+          <a:prstGeom prst="rect">
+            <a:avLst/>
+          </a:prstGeom>
+        </p:spPr>
+      </p:pic>
       <p:sp>
         <p:nvSpPr>
           <p:cNvPr id="33" name="Title 32">
@@ -11477,20 +11355,24 @@
         </p:nvSpPr>
         <p:spPr>
           <a:xfrm>
-            <a:off x="331788" y="875030"/>
-            <a:ext cx="2384425" cy="5068570"/>
-          </a:xfrm>
-        </p:spPr>
-        <p:txBody>
-          <a:bodyPr rtlCol="0" anchor="b">
+            <a:off x="1000759" y="194783"/>
+            <a:ext cx="10022841" cy="760892"/>
+          </a:xfrm>
+        </p:spPr>
+        <p:txBody>
+          <a:bodyPr rtlCol="0" anchor="ctr">
             <a:normAutofit/>
           </a:bodyPr>
           <a:lstStyle/>
           <a:p>
-            <a:pPr rtl="0"/>
-            <a:r>
-              <a:rPr lang="en-GB" sz="2600"/>
-              <a:t>High-Level System Architecture</a:t>
+            <a:pPr rtl="0">
+              <a:lnSpc>
+                <a:spcPct val="90000"/>
+              </a:lnSpc>
+            </a:pPr>
+            <a:r>
+              <a:rPr lang="en-GB"/>
+              <a:t>ER Diagram</a:t>
             </a:r>
           </a:p>
         </p:txBody>
@@ -11513,8 +11395,8 @@
         </p:nvSpPr>
         <p:spPr>
           <a:xfrm>
-            <a:off x="199277" y="6356350"/>
-            <a:ext cx="2771138" cy="365125"/>
+            <a:off x="201168" y="6356350"/>
+            <a:ext cx="4837176" cy="365125"/>
           </a:xfrm>
         </p:spPr>
         <p:txBody>
@@ -11529,47 +11411,21 @@
               </a:spcAft>
             </a:pPr>
             <a:r>
-              <a:rPr lang="en-GB" dirty="0" err="1"/>
-              <a:t>Simplify’s</a:t>
-            </a:r>
-            <a:r>
-              <a:rPr lang="en-GB" dirty="0"/>
-              <a:t> Design Specification</a:t>
-            </a:r>
-          </a:p>
-        </p:txBody>
-      </p:sp>
-      <p:pic>
-        <p:nvPicPr>
-          <p:cNvPr id="3" name="Picture 2" descr="Graphical user interface, application&#10;&#10;Description automatically generated">
-            <a:extLst>
-              <a:ext uri="{FF2B5EF4-FFF2-40B4-BE49-F238E27FC236}">
-                <a16:creationId xmlns:a16="http://schemas.microsoft.com/office/drawing/2014/main" id="{2770F232-4835-A4FA-B191-2D0504F52BF3}"/>
-              </a:ext>
-            </a:extLst>
-          </p:cNvPr>
-          <p:cNvPicPr>
-            <a:picLocks noChangeAspect="1"/>
-          </p:cNvPicPr>
-          <p:nvPr/>
-        </p:nvPicPr>
-        <p:blipFill>
-          <a:blip r:embed="rId3"/>
-          <a:stretch>
-            <a:fillRect/>
-          </a:stretch>
-        </p:blipFill>
-        <p:spPr>
-          <a:xfrm>
-            <a:off x="3302000" y="948714"/>
-            <a:ext cx="8607425" cy="4604972"/>
-          </a:xfrm>
-          <a:prstGeom prst="rect">
-            <a:avLst/>
-          </a:prstGeom>
-          <a:noFill/>
-        </p:spPr>
-      </p:pic>
+              <a:rPr lang="en-GB">
+                <a:solidFill>
+                  <a:prstClr val="black"/>
+                </a:solidFill>
+              </a:rPr>
+              <a:t>Simplify’s Design Specification</a:t>
+            </a:r>
+            <a:endParaRPr lang="en-GB" dirty="0">
+              <a:solidFill>
+                <a:prstClr val="black"/>
+              </a:solidFill>
+            </a:endParaRPr>
+          </a:p>
+        </p:txBody>
+      </p:sp>
       <p:sp>
         <p:nvSpPr>
           <p:cNvPr id="6" name="Date Placeholder 5">
@@ -11671,7 +11527,7 @@
     </p:spTree>
     <p:extLst>
       <p:ext uri="{BB962C8B-B14F-4D97-AF65-F5344CB8AC3E}">
-        <p14:creationId xmlns:p14="http://schemas.microsoft.com/office/powerpoint/2010/main" val="716018678"/>
+        <p14:creationId xmlns:p14="http://schemas.microsoft.com/office/powerpoint/2010/main" val="1715158086"/>
       </p:ext>
     </p:extLst>
   </p:cSld>
@@ -11698,12 +11554,53 @@
           <a:chExt cx="0" cy="0"/>
         </a:xfrm>
       </p:grpSpPr>
+      <p:sp>
+        <p:nvSpPr>
+          <p:cNvPr id="33" name="Title 32">
+            <a:extLst>
+              <a:ext uri="{FF2B5EF4-FFF2-40B4-BE49-F238E27FC236}">
+                <a16:creationId xmlns:a16="http://schemas.microsoft.com/office/drawing/2014/main" id="{2D22322F-E79D-4BEF-8038-DE2C8F5CCA40}"/>
+              </a:ext>
+            </a:extLst>
+          </p:cNvPr>
+          <p:cNvSpPr>
+            <a:spLocks noGrp="1"/>
+          </p:cNvSpPr>
+          <p:nvPr>
+            <p:ph type="title"/>
+          </p:nvPr>
+        </p:nvSpPr>
+        <p:spPr>
+          <a:xfrm>
+            <a:off x="1002983" y="194783"/>
+            <a:ext cx="9421177" cy="769493"/>
+          </a:xfrm>
+        </p:spPr>
+        <p:txBody>
+          <a:bodyPr rtlCol="0" anchor="ctr">
+            <a:normAutofit/>
+          </a:bodyPr>
+          <a:lstStyle/>
+          <a:p>
+            <a:pPr rtl="0">
+              <a:lnSpc>
+                <a:spcPct val="90000"/>
+              </a:lnSpc>
+            </a:pPr>
+            <a:r>
+              <a:rPr lang="en-GB"/>
+              <a:t>ER Diagram Description</a:t>
+            </a:r>
+            <a:endParaRPr lang="en-GB" dirty="0"/>
+          </a:p>
+        </p:txBody>
+      </p:sp>
       <p:pic>
         <p:nvPicPr>
-          <p:cNvPr id="4" name="Picture 3" descr="Diagram&#10;&#10;Description automatically generated">
-            <a:extLst>
-              <a:ext uri="{FF2B5EF4-FFF2-40B4-BE49-F238E27FC236}">
-                <a16:creationId xmlns:a16="http://schemas.microsoft.com/office/drawing/2014/main" id="{3BA51E50-2395-FF10-056A-374E56C3D5AD}"/>
+          <p:cNvPr id="3" name="Picture 2" descr="Graphical user interface, diagram&#10;&#10;Description automatically generated">
+            <a:extLst>
+              <a:ext uri="{FF2B5EF4-FFF2-40B4-BE49-F238E27FC236}">
+                <a16:creationId xmlns:a16="http://schemas.microsoft.com/office/drawing/2014/main" id="{17118255-5FC5-E181-EB9F-842CA6805607}"/>
               </a:ext>
             </a:extLst>
           </p:cNvPr>
@@ -11712,61 +11609,23 @@
           </p:cNvPicPr>
           <p:nvPr/>
         </p:nvPicPr>
-        <p:blipFill rotWithShape="1">
+        <p:blipFill>
           <a:blip r:embed="rId3"/>
-          <a:srcRect l="2954" t="1490" r="14348" b="2220"/>
-          <a:stretch/>
+          <a:stretch>
+            <a:fillRect/>
+          </a:stretch>
         </p:blipFill>
         <p:spPr>
           <a:xfrm>
-            <a:off x="2851484" y="1217618"/>
-            <a:ext cx="6017795" cy="5572564"/>
+            <a:off x="829733" y="1198562"/>
+            <a:ext cx="10854267" cy="5155778"/>
           </a:xfrm>
           <a:prstGeom prst="rect">
             <a:avLst/>
           </a:prstGeom>
+          <a:noFill/>
         </p:spPr>
       </p:pic>
-      <p:sp>
-        <p:nvSpPr>
-          <p:cNvPr id="33" name="Title 32">
-            <a:extLst>
-              <a:ext uri="{FF2B5EF4-FFF2-40B4-BE49-F238E27FC236}">
-                <a16:creationId xmlns:a16="http://schemas.microsoft.com/office/drawing/2014/main" id="{2D22322F-E79D-4BEF-8038-DE2C8F5CCA40}"/>
-              </a:ext>
-            </a:extLst>
-          </p:cNvPr>
-          <p:cNvSpPr>
-            <a:spLocks noGrp="1"/>
-          </p:cNvSpPr>
-          <p:nvPr>
-            <p:ph type="title"/>
-          </p:nvPr>
-        </p:nvSpPr>
-        <p:spPr>
-          <a:xfrm>
-            <a:off x="1000759" y="194783"/>
-            <a:ext cx="10022841" cy="760892"/>
-          </a:xfrm>
-        </p:spPr>
-        <p:txBody>
-          <a:bodyPr rtlCol="0" anchor="ctr">
-            <a:normAutofit/>
-          </a:bodyPr>
-          <a:lstStyle/>
-          <a:p>
-            <a:pPr rtl="0">
-              <a:lnSpc>
-                <a:spcPct val="90000"/>
-              </a:lnSpc>
-            </a:pPr>
-            <a:r>
-              <a:rPr lang="en-GB"/>
-              <a:t>ER Diagram</a:t>
-            </a:r>
-          </a:p>
-        </p:txBody>
-      </p:sp>
       <p:sp>
         <p:nvSpPr>
           <p:cNvPr id="7" name="Footer Placeholder 6">
@@ -11801,18 +11660,21 @@
               </a:spcAft>
             </a:pPr>
             <a:r>
-              <a:rPr lang="en-GB">
+              <a:rPr lang="en-GB" dirty="0" err="1">
                 <a:solidFill>
                   <a:prstClr val="black"/>
                 </a:solidFill>
               </a:rPr>
-              <a:t>Simplify’s Design Specification</a:t>
-            </a:r>
-            <a:endParaRPr lang="en-GB" dirty="0">
-              <a:solidFill>
-                <a:prstClr val="black"/>
-              </a:solidFill>
-            </a:endParaRPr>
+              <a:t>Simplify’s</a:t>
+            </a:r>
+            <a:r>
+              <a:rPr lang="en-GB" dirty="0">
+                <a:solidFill>
+                  <a:prstClr val="black"/>
+                </a:solidFill>
+              </a:rPr>
+              <a:t> Design Specification</a:t>
+            </a:r>
           </a:p>
         </p:txBody>
       </p:sp>
@@ -11917,7 +11779,7 @@
     </p:spTree>
     <p:extLst>
       <p:ext uri="{BB962C8B-B14F-4D97-AF65-F5344CB8AC3E}">
-        <p14:creationId xmlns:p14="http://schemas.microsoft.com/office/powerpoint/2010/main" val="1715158086"/>
+        <p14:creationId xmlns:p14="http://schemas.microsoft.com/office/powerpoint/2010/main" val="2626741358"/>
       </p:ext>
     </p:extLst>
   </p:cSld>
@@ -11962,25 +11824,22 @@
         </p:nvSpPr>
         <p:spPr>
           <a:xfrm>
-            <a:off x="1000759" y="194783"/>
-            <a:ext cx="10022841" cy="760892"/>
-          </a:xfrm>
-        </p:spPr>
-        <p:txBody>
-          <a:bodyPr rtlCol="0" anchor="ctr">
+            <a:off x="331788" y="875030"/>
+            <a:ext cx="2384425" cy="5068570"/>
+          </a:xfrm>
+        </p:spPr>
+        <p:txBody>
+          <a:bodyPr rtlCol="0" anchor="b">
             <a:normAutofit/>
           </a:bodyPr>
           <a:lstStyle/>
           <a:p>
-            <a:pPr rtl="0">
-              <a:lnSpc>
-                <a:spcPct val="90000"/>
-              </a:lnSpc>
-            </a:pPr>
-            <a:r>
-              <a:rPr lang="en-GB" dirty="0"/>
-              <a:t>ER Diagram Description</a:t>
-            </a:r>
+            <a:pPr rtl="0"/>
+            <a:r>
+              <a:rPr lang="en-GB"/>
+              <a:t>Site Map</a:t>
+            </a:r>
+            <a:endParaRPr lang="en-GB" dirty="0"/>
           </a:p>
         </p:txBody>
       </p:sp>
@@ -12002,8 +11861,8 @@
         </p:nvSpPr>
         <p:spPr>
           <a:xfrm>
-            <a:off x="201168" y="6356350"/>
-            <a:ext cx="4837176" cy="365125"/>
+            <a:off x="199277" y="6356350"/>
+            <a:ext cx="2771138" cy="365125"/>
           </a:xfrm>
         </p:spPr>
         <p:txBody>
@@ -12018,27 +11877,50 @@
               </a:spcAft>
             </a:pPr>
             <a:r>
-              <a:rPr lang="en-GB">
-                <a:solidFill>
-                  <a:prstClr val="black"/>
-                </a:solidFill>
-              </a:rPr>
+              <a:rPr lang="en-GB"/>
               <a:t>Simplify’s Design Specification</a:t>
             </a:r>
-            <a:endParaRPr lang="en-GB" dirty="0">
-              <a:solidFill>
-                <a:prstClr val="black"/>
-              </a:solidFill>
-            </a:endParaRPr>
-          </a:p>
-        </p:txBody>
-      </p:sp>
-      <p:sp>
-        <p:nvSpPr>
-          <p:cNvPr id="6" name="Date Placeholder 5">
-            <a:extLst>
-              <a:ext uri="{FF2B5EF4-FFF2-40B4-BE49-F238E27FC236}">
-                <a16:creationId xmlns:a16="http://schemas.microsoft.com/office/drawing/2014/main" id="{6EF65B39-4112-473E-B203-73AC0F564D47}"/>
+            <a:endParaRPr lang="en-GB" dirty="0"/>
+          </a:p>
+        </p:txBody>
+      </p:sp>
+      <p:pic>
+        <p:nvPicPr>
+          <p:cNvPr id="3" name="Picture 2" descr="Diagram&#10;&#10;Description automatically generated">
+            <a:extLst>
+              <a:ext uri="{FF2B5EF4-FFF2-40B4-BE49-F238E27FC236}">
+                <a16:creationId xmlns:a16="http://schemas.microsoft.com/office/drawing/2014/main" id="{DFCD20F4-E63A-90EC-71D9-835ECB03BB3F}"/>
+              </a:ext>
+            </a:extLst>
+          </p:cNvPr>
+          <p:cNvPicPr>
+            <a:picLocks noChangeAspect="1"/>
+          </p:cNvPicPr>
+          <p:nvPr/>
+        </p:nvPicPr>
+        <p:blipFill>
+          <a:blip r:embed="rId3"/>
+          <a:stretch>
+            <a:fillRect/>
+          </a:stretch>
+        </p:blipFill>
+        <p:spPr>
+          <a:xfrm>
+            <a:off x="3092115" y="0"/>
+            <a:ext cx="7892717" cy="6787735"/>
+          </a:xfrm>
+          <a:prstGeom prst="rect">
+            <a:avLst/>
+          </a:prstGeom>
+          <a:noFill/>
+        </p:spPr>
+      </p:pic>
+      <p:sp>
+        <p:nvSpPr>
+          <p:cNvPr id="40" name="Date Placeholder 4">
+            <a:extLst>
+              <a:ext uri="{FF2B5EF4-FFF2-40B4-BE49-F238E27FC236}">
+                <a16:creationId xmlns:a16="http://schemas.microsoft.com/office/drawing/2014/main" id="{74BB7ECE-EB8A-25BC-FCD4-6B816311DDB4}"/>
               </a:ext>
             </a:extLst>
           </p:cNvPr>
@@ -12056,18 +11938,17 @@
           </a:xfrm>
         </p:spPr>
         <p:txBody>
-          <a:bodyPr rtlCol="0" anchor="ctr">
-            <a:normAutofit/>
-          </a:bodyPr>
+          <a:bodyPr/>
           <a:lstStyle/>
           <a:p>
-            <a:pPr lvl="0" rtl="0">
+            <a:pPr rtl="0">
               <a:spcAft>
                 <a:spcPts val="600"/>
               </a:spcAft>
+              <a:defRPr/>
             </a:pPr>
             <a:r>
-              <a:rPr lang="en-GB" dirty="0">
+              <a:rPr lang="en-GB" noProof="0" dirty="0">
                 <a:solidFill>
                   <a:prstClr val="black"/>
                 </a:solidFill>
@@ -12134,7 +12015,7 @@
     </p:spTree>
     <p:extLst>
       <p:ext uri="{BB962C8B-B14F-4D97-AF65-F5344CB8AC3E}">
-        <p14:creationId xmlns:p14="http://schemas.microsoft.com/office/powerpoint/2010/main" val="2626741358"/>
+        <p14:creationId xmlns:p14="http://schemas.microsoft.com/office/powerpoint/2010/main" val="3827175545"/>
       </p:ext>
     </p:extLst>
   </p:cSld>
@@ -12145,7 +12026,7 @@
 </file>
 
 <file path=ppt/slides/slide9.xml><?xml version="1.0" encoding="utf-8"?>
-<p:sld xmlns:a="http://schemas.openxmlformats.org/drawingml/2006/main" xmlns:r="http://schemas.openxmlformats.org/officeDocument/2006/relationships" xmlns:p="http://schemas.openxmlformats.org/presentationml/2006/main">
+<p:sld xmlns:a="http://schemas.openxmlformats.org/drawingml/2006/main" xmlns:r="http://schemas.openxmlformats.org/officeDocument/2006/relationships" xmlns:p="http://schemas.openxmlformats.org/presentationml/2006/main" showMasterSp="0">
   <p:cSld>
     <p:spTree>
       <p:nvGrpSpPr>
@@ -12161,6 +12042,36 @@
           <a:chExt cx="0" cy="0"/>
         </a:xfrm>
       </p:grpSpPr>
+      <p:pic>
+        <p:nvPicPr>
+          <p:cNvPr id="35" name="Picture 34">
+            <a:extLst>
+              <a:ext uri="{FF2B5EF4-FFF2-40B4-BE49-F238E27FC236}">
+                <a16:creationId xmlns:a16="http://schemas.microsoft.com/office/drawing/2014/main" id="{D91926D4-AA00-DEAC-6F76-D14C85EEB953}"/>
+              </a:ext>
+            </a:extLst>
+          </p:cNvPr>
+          <p:cNvPicPr>
+            <a:picLocks noChangeAspect="1"/>
+          </p:cNvPicPr>
+          <p:nvPr/>
+        </p:nvPicPr>
+        <p:blipFill rotWithShape="1">
+          <a:blip r:embed="rId3"/>
+          <a:srcRect t="14816" b="26743"/>
+          <a:stretch/>
+        </p:blipFill>
+        <p:spPr>
+          <a:xfrm>
+            <a:off x="-2" y="10"/>
+            <a:ext cx="12192000" cy="6857990"/>
+          </a:xfrm>
+          <a:prstGeom prst="rect">
+            <a:avLst/>
+          </a:prstGeom>
+          <a:noFill/>
+        </p:spPr>
+      </p:pic>
       <p:sp>
         <p:nvSpPr>
           <p:cNvPr id="33" name="Title 32">
@@ -12174,13 +12085,13 @@
             <a:spLocks noGrp="1"/>
           </p:cNvSpPr>
           <p:nvPr>
-            <p:ph type="title"/>
-          </p:nvPr>
-        </p:nvSpPr>
-        <p:spPr>
-          <a:xfrm>
-            <a:off x="331788" y="875030"/>
-            <a:ext cx="2384425" cy="5068570"/>
+            <p:ph type="ctrTitle"/>
+          </p:nvPr>
+        </p:nvSpPr>
+        <p:spPr>
+          <a:xfrm>
+            <a:off x="1177636" y="-2"/>
+            <a:ext cx="11014364" cy="3291207"/>
           </a:xfrm>
         </p:spPr>
         <p:txBody>
@@ -12191,10 +12102,77 @@
           <a:p>
             <a:pPr rtl="0"/>
             <a:r>
-              <a:rPr lang="en-GB"/>
-              <a:t>Site Map</a:t>
-            </a:r>
-            <a:endParaRPr lang="en-GB" dirty="0"/>
+              <a:rPr lang="en-GB" dirty="0">
+                <a:solidFill>
+                  <a:srgbClr val="FFFFFF"/>
+                </a:solidFill>
+              </a:rPr>
+              <a:t>Wireframes</a:t>
+            </a:r>
+          </a:p>
+        </p:txBody>
+      </p:sp>
+      <p:sp>
+        <p:nvSpPr>
+          <p:cNvPr id="39" name="Subtitle 3">
+            <a:extLst>
+              <a:ext uri="{FF2B5EF4-FFF2-40B4-BE49-F238E27FC236}">
+                <a16:creationId xmlns:a16="http://schemas.microsoft.com/office/drawing/2014/main" id="{D222BAF8-CCB0-D7CC-5341-05812443C885}"/>
+              </a:ext>
+            </a:extLst>
+          </p:cNvPr>
+          <p:cNvSpPr>
+            <a:spLocks noGrp="1"/>
+          </p:cNvSpPr>
+          <p:nvPr>
+            <p:ph type="subTitle" idx="1"/>
+          </p:nvPr>
+        </p:nvSpPr>
+        <p:spPr>
+          <a:xfrm>
+            <a:off x="3241963" y="3429000"/>
+            <a:ext cx="8950035" cy="2937849"/>
+          </a:xfrm>
+        </p:spPr>
+        <p:txBody>
+          <a:bodyPr>
+            <a:normAutofit fontScale="85000" lnSpcReduction="20000"/>
+          </a:bodyPr>
+          <a:lstStyle/>
+          <a:p>
+            <a:r>
+              <a:rPr lang="en-US" dirty="0"/>
+              <a:t>Home Page</a:t>
+            </a:r>
+          </a:p>
+          <a:p>
+            <a:r>
+              <a:rPr lang="en-US" dirty="0"/>
+              <a:t>Student Dashboard</a:t>
+            </a:r>
+          </a:p>
+          <a:p>
+            <a:r>
+              <a:rPr lang="en-US" dirty="0"/>
+              <a:t>Tutor </a:t>
+            </a:r>
+            <a:r>
+              <a:rPr lang="en-US" dirty="0" err="1"/>
+              <a:t>Dahboard</a:t>
+            </a:r>
+            <a:endParaRPr lang="en-US" dirty="0"/>
+          </a:p>
+          <a:p>
+            <a:r>
+              <a:rPr lang="en-US" dirty="0"/>
+              <a:t>Course Page (Student)</a:t>
+            </a:r>
+          </a:p>
+          <a:p>
+            <a:r>
+              <a:rPr lang="en-US" dirty="0"/>
+              <a:t>New Course Page (Tutor)</a:t>
+            </a:r>
           </a:p>
         </p:txBody>
       </p:sp>
@@ -12216,8 +12194,8 @@
         </p:nvSpPr>
         <p:spPr>
           <a:xfrm>
-            <a:off x="199277" y="6356350"/>
-            <a:ext cx="2771138" cy="365125"/>
+            <a:off x="201168" y="6356350"/>
+            <a:ext cx="4837176" cy="365125"/>
           </a:xfrm>
         </p:spPr>
         <p:txBody>
@@ -12232,50 +12210,30 @@
               </a:spcAft>
             </a:pPr>
             <a:r>
-              <a:rPr lang="en-GB"/>
-              <a:t>Simplify’s Design Specification</a:t>
-            </a:r>
-            <a:endParaRPr lang="en-GB" dirty="0"/>
-          </a:p>
-        </p:txBody>
-      </p:sp>
-      <p:pic>
-        <p:nvPicPr>
-          <p:cNvPr id="3" name="Picture 2" descr="Diagram&#10;&#10;Description automatically generated">
-            <a:extLst>
-              <a:ext uri="{FF2B5EF4-FFF2-40B4-BE49-F238E27FC236}">
-                <a16:creationId xmlns:a16="http://schemas.microsoft.com/office/drawing/2014/main" id="{DFCD20F4-E63A-90EC-71D9-835ECB03BB3F}"/>
-              </a:ext>
-            </a:extLst>
-          </p:cNvPr>
-          <p:cNvPicPr>
-            <a:picLocks noChangeAspect="1"/>
-          </p:cNvPicPr>
-          <p:nvPr/>
-        </p:nvPicPr>
-        <p:blipFill>
-          <a:blip r:embed="rId3"/>
-          <a:stretch>
-            <a:fillRect/>
-          </a:stretch>
-        </p:blipFill>
-        <p:spPr>
-          <a:xfrm>
-            <a:off x="3092115" y="0"/>
-            <a:ext cx="7892717" cy="6787735"/>
-          </a:xfrm>
-          <a:prstGeom prst="rect">
-            <a:avLst/>
-          </a:prstGeom>
-          <a:noFill/>
-        </p:spPr>
-      </p:pic>
-      <p:sp>
-        <p:nvSpPr>
-          <p:cNvPr id="40" name="Date Placeholder 4">
-            <a:extLst>
-              <a:ext uri="{FF2B5EF4-FFF2-40B4-BE49-F238E27FC236}">
-                <a16:creationId xmlns:a16="http://schemas.microsoft.com/office/drawing/2014/main" id="{74BB7ECE-EB8A-25BC-FCD4-6B816311DDB4}"/>
+              <a:rPr lang="en-GB" dirty="0" err="1"/>
+              <a:t>Simplify’s</a:t>
+            </a:r>
+            <a:r>
+              <a:rPr lang="en-GB" dirty="0"/>
+              <a:t> </a:t>
+            </a:r>
+            <a:r>
+              <a:rPr lang="en-GB" dirty="0" err="1"/>
+              <a:t>Desgin</a:t>
+            </a:r>
+            <a:r>
+              <a:rPr lang="en-GB" dirty="0"/>
+              <a:t> Specification</a:t>
+            </a:r>
+          </a:p>
+        </p:txBody>
+      </p:sp>
+      <p:sp>
+        <p:nvSpPr>
+          <p:cNvPr id="6" name="Date Placeholder 5">
+            <a:extLst>
+              <a:ext uri="{FF2B5EF4-FFF2-40B4-BE49-F238E27FC236}">
+                <a16:creationId xmlns:a16="http://schemas.microsoft.com/office/drawing/2014/main" id="{6EF65B39-4112-473E-B203-73AC0F564D47}"/>
               </a:ext>
             </a:extLst>
           </p:cNvPr>
@@ -12293,21 +12251,18 @@
           </a:xfrm>
         </p:spPr>
         <p:txBody>
-          <a:bodyPr/>
+          <a:bodyPr rtlCol="0" anchor="ctr">
+            <a:normAutofit/>
+          </a:bodyPr>
           <a:lstStyle/>
           <a:p>
-            <a:pPr rtl="0">
+            <a:pPr lvl="0" rtl="0">
               <a:spcAft>
                 <a:spcPts val="600"/>
               </a:spcAft>
-              <a:defRPr/>
             </a:pPr>
             <a:r>
-              <a:rPr lang="en-GB" noProof="0" dirty="0">
-                <a:solidFill>
-                  <a:prstClr val="black"/>
-                </a:solidFill>
-              </a:rPr>
+              <a:rPr lang="en-GB" dirty="0"/>
               <a:t>2023</a:t>
             </a:r>
           </a:p>
@@ -12347,11 +12302,7 @@
               </a:spcAft>
             </a:pPr>
             <a:fld id="{06B786C7-B8F9-4072-AAAA-17258464D730}" type="slidenum">
-              <a:rPr lang="en-GB" smtClean="0">
-                <a:solidFill>
-                  <a:prstClr val="black"/>
-                </a:solidFill>
-              </a:rPr>
+              <a:rPr lang="en-GB" smtClean="0"/>
               <a:pPr lvl="0" rtl="0">
                 <a:spcAft>
                   <a:spcPts val="600"/>
@@ -12359,18 +12310,14 @@
               </a:pPr>
               <a:t>9</a:t>
             </a:fld>
-            <a:endParaRPr lang="en-GB">
-              <a:solidFill>
-                <a:prstClr val="black"/>
-              </a:solidFill>
-            </a:endParaRPr>
+            <a:endParaRPr lang="en-GB" dirty="0"/>
           </a:p>
         </p:txBody>
       </p:sp>
     </p:spTree>
     <p:extLst>
       <p:ext uri="{BB962C8B-B14F-4D97-AF65-F5344CB8AC3E}">
-        <p14:creationId xmlns:p14="http://schemas.microsoft.com/office/powerpoint/2010/main" val="3827175545"/>
+        <p14:creationId xmlns:p14="http://schemas.microsoft.com/office/powerpoint/2010/main" val="3959576484"/>
       </p:ext>
     </p:extLst>
   </p:cSld>
